--- a/DOC/Apresentação_Bancada.pptx
+++ b/DOC/Apresentação_Bancada.pptx
@@ -10,15 +10,17 @@
     <p:sldId id="258" r:id="rId7"/>
     <p:sldId id="259" r:id="rId8"/>
     <p:sldId id="264" r:id="rId9"/>
-    <p:sldId id="260" r:id="rId10"/>
-    <p:sldId id="261" r:id="rId11"/>
-    <p:sldId id="262" r:id="rId12"/>
-    <p:sldId id="263" r:id="rId13"/>
-    <p:sldId id="266" r:id="rId14"/>
-    <p:sldId id="267" r:id="rId15"/>
-    <p:sldId id="265" r:id="rId16"/>
-    <p:sldId id="268" r:id="rId17"/>
-    <p:sldId id="269" r:id="rId18"/>
+    <p:sldId id="271" r:id="rId10"/>
+    <p:sldId id="260" r:id="rId11"/>
+    <p:sldId id="261" r:id="rId12"/>
+    <p:sldId id="262" r:id="rId13"/>
+    <p:sldId id="263" r:id="rId14"/>
+    <p:sldId id="266" r:id="rId15"/>
+    <p:sldId id="270" r:id="rId16"/>
+    <p:sldId id="267" r:id="rId17"/>
+    <p:sldId id="265" r:id="rId18"/>
+    <p:sldId id="269" r:id="rId19"/>
+    <p:sldId id="268" r:id="rId20"/>
   </p:sldIdLst>
   <p:sldSz cx="12192000" cy="6858000"/>
   <p:notesSz cx="6858000" cy="9144000"/>
@@ -128,7 +130,10 @@
 <file path=ppt/revisionInfo.xml><?xml version="1.0" encoding="utf-8"?>
 <p1510:revInfo xmlns:a="http://schemas.openxmlformats.org/drawingml/2006/main" xmlns:r="http://schemas.openxmlformats.org/officeDocument/2006/relationships" xmlns:p1510="http://schemas.microsoft.com/office/powerpoint/2015/10/main">
   <p1510:revLst>
-    <p1510:client id="{ED7582DF-8AD8-4843-A164-4643B041E87C}" v="4" dt="2022-04-12T17:45:55.398"/>
+    <p1510:client id="{4E254AAE-654E-4A39-95EC-6BC84146C9C4}" v="12" dt="2022-04-21T22:22:49.651"/>
+    <p1510:client id="{ED7582DF-8AD8-4843-A164-4643B041E87C}" v="876" dt="2022-04-21T22:27:11.048"/>
+    <p1510:client id="{F0A77008-F47B-414F-8087-D00107026648}" v="9" dt="2022-04-21T20:19:06.576"/>
+    <p1510:client id="{F4FEA842-8B0D-49DF-8791-22E1984378FC}" v="115" dt="2022-04-22T14:23:37.125"/>
   </p1510:revLst>
 </p1510:revInfo>
 </file>
@@ -136,168 +141,51 @@
 <file path=ppt/changesInfos/changesInfo1.xml><?xml version="1.0" encoding="utf-8"?>
 <pc:chgInfo xmlns:a="http://schemas.openxmlformats.org/drawingml/2006/main" xmlns:r="http://schemas.openxmlformats.org/officeDocument/2006/relationships" xmlns:ac="http://schemas.microsoft.com/office/drawing/2013/main/command" xmlns:pc="http://schemas.microsoft.com/office/powerpoint/2013/main/command">
   <pc:docChgLst>
-    <pc:chgData name="Carlos Sousa" userId="435ad4fb-7ddb-4bb8-a719-37b6e1e0521b" providerId="ADAL" clId="{BAC59177-A90A-1D42-9FDF-6967F42A2E04}"/>
-    <pc:docChg chg="undo custSel addSld delSld modSld">
-      <pc:chgData name="Carlos Sousa" userId="435ad4fb-7ddb-4bb8-a719-37b6e1e0521b" providerId="ADAL" clId="{BAC59177-A90A-1D42-9FDF-6967F42A2E04}" dt="2022-03-23T21:16:17.812" v="304" actId="403"/>
+    <pc:chgData name="Carlos Sousa" userId="S::cdds@ua.pt::435ad4fb-7ddb-4bb8-a719-37b6e1e0521b" providerId="AD" clId="Web-{6800ED15-1926-4391-BFAA-DE303AB85695}"/>
+    <pc:docChg chg="addSld modSld">
+      <pc:chgData name="Carlos Sousa" userId="S::cdds@ua.pt::435ad4fb-7ddb-4bb8-a719-37b6e1e0521b" providerId="AD" clId="Web-{6800ED15-1926-4391-BFAA-DE303AB85695}" dt="2022-04-20T22:03:05.679" v="7"/>
       <pc:docMkLst>
         <pc:docMk/>
       </pc:docMkLst>
-      <pc:sldChg chg="addSp modSp mod">
-        <pc:chgData name="Carlos Sousa" userId="435ad4fb-7ddb-4bb8-a719-37b6e1e0521b" providerId="ADAL" clId="{BAC59177-A90A-1D42-9FDF-6967F42A2E04}" dt="2022-03-23T19:33:37.894" v="52" actId="1076"/>
+      <pc:sldChg chg="addSp modSp">
+        <pc:chgData name="Carlos Sousa" userId="S::cdds@ua.pt::435ad4fb-7ddb-4bb8-a719-37b6e1e0521b" providerId="AD" clId="Web-{6800ED15-1926-4391-BFAA-DE303AB85695}" dt="2022-04-20T22:02:59.913" v="6" actId="1076"/>
         <pc:sldMkLst>
           <pc:docMk/>
-          <pc:sldMk cId="1124480121" sldId="258"/>
+          <pc:sldMk cId="2429684524" sldId="266"/>
         </pc:sldMkLst>
-        <pc:spChg chg="mod">
-          <ac:chgData name="Carlos Sousa" userId="435ad4fb-7ddb-4bb8-a719-37b6e1e0521b" providerId="ADAL" clId="{BAC59177-A90A-1D42-9FDF-6967F42A2E04}" dt="2022-03-23T19:11:33.957" v="7" actId="164"/>
-          <ac:spMkLst>
-            <pc:docMk/>
-            <pc:sldMk cId="1124480121" sldId="258"/>
-            <ac:spMk id="21" creationId="{A59B5EEE-E277-7041-A4ED-7DE291846F9B}"/>
-          </ac:spMkLst>
-        </pc:spChg>
-        <pc:spChg chg="add mod">
-          <ac:chgData name="Carlos Sousa" userId="435ad4fb-7ddb-4bb8-a719-37b6e1e0521b" providerId="ADAL" clId="{BAC59177-A90A-1D42-9FDF-6967F42A2E04}" dt="2022-03-23T19:33:37.894" v="52" actId="1076"/>
-          <ac:spMkLst>
-            <pc:docMk/>
-            <pc:sldMk cId="1124480121" sldId="258"/>
-            <ac:spMk id="24" creationId="{7B06882C-908F-C34F-9D68-DA3E4CA72E00}"/>
-          </ac:spMkLst>
-        </pc:spChg>
-        <pc:grpChg chg="add mod">
-          <ac:chgData name="Carlos Sousa" userId="435ad4fb-7ddb-4bb8-a719-37b6e1e0521b" providerId="ADAL" clId="{BAC59177-A90A-1D42-9FDF-6967F42A2E04}" dt="2022-03-23T19:12:50.943" v="11" actId="1076"/>
-          <ac:grpSpMkLst>
-            <pc:docMk/>
-            <pc:sldMk cId="1124480121" sldId="258"/>
-            <ac:grpSpMk id="3" creationId="{4B433E06-C089-BC4C-B1BD-B74D11B5D1C7}"/>
-          </ac:grpSpMkLst>
-        </pc:grpChg>
-        <pc:grpChg chg="mod">
-          <ac:chgData name="Carlos Sousa" userId="435ad4fb-7ddb-4bb8-a719-37b6e1e0521b" providerId="ADAL" clId="{BAC59177-A90A-1D42-9FDF-6967F42A2E04}" dt="2022-03-23T19:11:33.957" v="7" actId="164"/>
-          <ac:grpSpMkLst>
-            <pc:docMk/>
-            <pc:sldMk cId="1124480121" sldId="258"/>
-            <ac:grpSpMk id="9" creationId="{28EABD48-1BFD-E94D-AF08-5B5269D3500E}"/>
-          </ac:grpSpMkLst>
-        </pc:grpChg>
-      </pc:sldChg>
-      <pc:sldChg chg="addSp modSp mod">
-        <pc:chgData name="Carlos Sousa" userId="435ad4fb-7ddb-4bb8-a719-37b6e1e0521b" providerId="ADAL" clId="{BAC59177-A90A-1D42-9FDF-6967F42A2E04}" dt="2022-03-23T20:35:22.798" v="163" actId="1076"/>
-        <pc:sldMkLst>
-          <pc:docMk/>
-          <pc:sldMk cId="2119454691" sldId="259"/>
-        </pc:sldMkLst>
-        <pc:spChg chg="add mod">
-          <ac:chgData name="Carlos Sousa" userId="435ad4fb-7ddb-4bb8-a719-37b6e1e0521b" providerId="ADAL" clId="{BAC59177-A90A-1D42-9FDF-6967F42A2E04}" dt="2022-03-23T20:35:22.798" v="163" actId="1076"/>
-          <ac:spMkLst>
-            <pc:docMk/>
-            <pc:sldMk cId="2119454691" sldId="259"/>
-            <ac:spMk id="3" creationId="{D5EB9DB3-1981-C248-8AD2-27F1C1D1B99E}"/>
-          </ac:spMkLst>
-        </pc:spChg>
-      </pc:sldChg>
-      <pc:sldChg chg="addSp delSp modSp mod">
-        <pc:chgData name="Carlos Sousa" userId="435ad4fb-7ddb-4bb8-a719-37b6e1e0521b" providerId="ADAL" clId="{BAC59177-A90A-1D42-9FDF-6967F42A2E04}" dt="2022-03-23T20:07:05.106" v="75" actId="20577"/>
-        <pc:sldMkLst>
-          <pc:docMk/>
-          <pc:sldMk cId="3156753380" sldId="262"/>
-        </pc:sldMkLst>
-        <pc:spChg chg="add del mod">
-          <ac:chgData name="Carlos Sousa" userId="435ad4fb-7ddb-4bb8-a719-37b6e1e0521b" providerId="ADAL" clId="{BAC59177-A90A-1D42-9FDF-6967F42A2E04}" dt="2022-03-23T19:31:20.401" v="32" actId="47"/>
-          <ac:spMkLst>
-            <pc:docMk/>
-            <pc:sldMk cId="3156753380" sldId="262"/>
-            <ac:spMk id="3" creationId="{6ACD66B0-E752-8942-BD2E-5C58BDC2731A}"/>
-          </ac:spMkLst>
-        </pc:spChg>
-        <pc:spChg chg="mod">
-          <ac:chgData name="Carlos Sousa" userId="435ad4fb-7ddb-4bb8-a719-37b6e1e0521b" providerId="ADAL" clId="{BAC59177-A90A-1D42-9FDF-6967F42A2E04}" dt="2022-03-23T20:07:05.106" v="75" actId="20577"/>
-          <ac:spMkLst>
-            <pc:docMk/>
-            <pc:sldMk cId="3156753380" sldId="262"/>
-            <ac:spMk id="4" creationId="{F894E901-1204-4F42-8903-52FC38D3BE87}"/>
-          </ac:spMkLst>
-        </pc:spChg>
-        <pc:spChg chg="add del mod">
-          <ac:chgData name="Carlos Sousa" userId="435ad4fb-7ddb-4bb8-a719-37b6e1e0521b" providerId="ADAL" clId="{BAC59177-A90A-1D42-9FDF-6967F42A2E04}" dt="2022-03-23T19:31:20.046" v="29"/>
-          <ac:spMkLst>
-            <pc:docMk/>
-            <pc:sldMk cId="3156753380" sldId="262"/>
-            <ac:spMk id="9" creationId="{2E805F6E-2B5B-1840-A3FB-292322112954}"/>
-          </ac:spMkLst>
-        </pc:spChg>
-      </pc:sldChg>
-      <pc:sldChg chg="addSp modSp new mod">
-        <pc:chgData name="Carlos Sousa" userId="435ad4fb-7ddb-4bb8-a719-37b6e1e0521b" providerId="ADAL" clId="{BAC59177-A90A-1D42-9FDF-6967F42A2E04}" dt="2022-03-23T21:16:17.812" v="304" actId="403"/>
-        <pc:sldMkLst>
-          <pc:docMk/>
-          <pc:sldMk cId="1094402479" sldId="263"/>
-        </pc:sldMkLst>
-        <pc:spChg chg="mod">
-          <ac:chgData name="Carlos Sousa" userId="435ad4fb-7ddb-4bb8-a719-37b6e1e0521b" providerId="ADAL" clId="{BAC59177-A90A-1D42-9FDF-6967F42A2E04}" dt="2022-03-23T21:12:55.887" v="187" actId="14100"/>
-          <ac:spMkLst>
-            <pc:docMk/>
-            <pc:sldMk cId="1094402479" sldId="263"/>
-            <ac:spMk id="2" creationId="{CD3E51CE-5D64-534B-AB90-4DA09B38367C}"/>
-          </ac:spMkLst>
-        </pc:spChg>
-        <pc:spChg chg="mod">
-          <ac:chgData name="Carlos Sousa" userId="435ad4fb-7ddb-4bb8-a719-37b6e1e0521b" providerId="ADAL" clId="{BAC59177-A90A-1D42-9FDF-6967F42A2E04}" dt="2022-03-23T21:16:17.812" v="304" actId="403"/>
-          <ac:spMkLst>
-            <pc:docMk/>
-            <pc:sldMk cId="1094402479" sldId="263"/>
-            <ac:spMk id="3" creationId="{FD6BE605-0C16-284F-95FC-228687F3B3A3}"/>
-          </ac:spMkLst>
-        </pc:spChg>
-        <pc:picChg chg="add mod modCrop">
-          <ac:chgData name="Carlos Sousa" userId="435ad4fb-7ddb-4bb8-a719-37b6e1e0521b" providerId="ADAL" clId="{BAC59177-A90A-1D42-9FDF-6967F42A2E04}" dt="2022-03-23T21:15:58.820" v="302" actId="1076"/>
+        <pc:picChg chg="add mod">
+          <ac:chgData name="Carlos Sousa" userId="S::cdds@ua.pt::435ad4fb-7ddb-4bb8-a719-37b6e1e0521b" providerId="AD" clId="Web-{6800ED15-1926-4391-BFAA-DE303AB85695}" dt="2022-04-20T22:02:59.913" v="6" actId="1076"/>
           <ac:picMkLst>
             <pc:docMk/>
-            <pc:sldMk cId="1094402479" sldId="263"/>
-            <ac:picMk id="5" creationId="{D9CA07A8-5E49-1A4E-969B-8914C36259B2}"/>
+            <pc:sldMk cId="2429684524" sldId="266"/>
+            <ac:picMk id="6" creationId="{6A97A856-6063-9948-FD33-1C4565D2F6B7}"/>
           </ac:picMkLst>
         </pc:picChg>
       </pc:sldChg>
-      <pc:sldChg chg="modSp new del mod">
-        <pc:chgData name="Carlos Sousa" userId="435ad4fb-7ddb-4bb8-a719-37b6e1e0521b" providerId="ADAL" clId="{BAC59177-A90A-1D42-9FDF-6967F42A2E04}" dt="2022-03-23T19:30:35.523" v="21" actId="2696"/>
+      <pc:sldChg chg="new">
+        <pc:chgData name="Carlos Sousa" userId="S::cdds@ua.pt::435ad4fb-7ddb-4bb8-a719-37b6e1e0521b" providerId="AD" clId="Web-{6800ED15-1926-4391-BFAA-DE303AB85695}" dt="2022-04-20T22:03:05.679" v="7"/>
         <pc:sldMkLst>
           <pc:docMk/>
-          <pc:sldMk cId="3706694529" sldId="263"/>
+          <pc:sldMk cId="3271174697" sldId="270"/>
         </pc:sldMkLst>
-        <pc:spChg chg="mod">
-          <ac:chgData name="Carlos Sousa" userId="435ad4fb-7ddb-4bb8-a719-37b6e1e0521b" providerId="ADAL" clId="{BAC59177-A90A-1D42-9FDF-6967F42A2E04}" dt="2022-03-23T19:30:05.495" v="17" actId="27636"/>
-          <ac:spMkLst>
-            <pc:docMk/>
-            <pc:sldMk cId="3706694529" sldId="263"/>
-            <ac:spMk id="2" creationId="{F99F8F2A-9C69-FF48-B253-7EA0843F83B7}"/>
-          </ac:spMkLst>
-        </pc:spChg>
-        <pc:spChg chg="mod">
-          <ac:chgData name="Carlos Sousa" userId="435ad4fb-7ddb-4bb8-a719-37b6e1e0521b" providerId="ADAL" clId="{BAC59177-A90A-1D42-9FDF-6967F42A2E04}" dt="2022-03-23T19:30:14.161" v="20" actId="14100"/>
-          <ac:spMkLst>
-            <pc:docMk/>
-            <pc:sldMk cId="3706694529" sldId="263"/>
-            <ac:spMk id="3" creationId="{D527571F-D081-1040-846E-B24AA0B61988}"/>
-          </ac:spMkLst>
-        </pc:spChg>
       </pc:sldChg>
     </pc:docChg>
   </pc:docChgLst>
   <pc:docChgLst>
-    <pc:chgData name="Ivan Paiva" userId="c0dc8fae-fe88-4cff-bdc1-97c3c1915e54" providerId="ADAL" clId="{5791E311-43BE-4158-8851-81A6DC523F08}"/>
+    <pc:chgData name="Bruno Vilarinho" userId="S::b.vilarinho@ua.pt::cd75dfe8-f62a-4d99-b4eb-9e4602d2415b" providerId="AD" clId="Web-{F0A77008-F47B-414F-8087-D00107026648}"/>
     <pc:docChg chg="modSld">
-      <pc:chgData name="Ivan Paiva" userId="c0dc8fae-fe88-4cff-bdc1-97c3c1915e54" providerId="ADAL" clId="{5791E311-43BE-4158-8851-81A6DC523F08}" dt="2022-03-23T19:32:13.121" v="1" actId="20577"/>
+      <pc:chgData name="Bruno Vilarinho" userId="S::b.vilarinho@ua.pt::cd75dfe8-f62a-4d99-b4eb-9e4602d2415b" providerId="AD" clId="Web-{F0A77008-F47B-414F-8087-D00107026648}" dt="2022-04-21T20:19:06.264" v="4" actId="20577"/>
       <pc:docMkLst>
         <pc:docMk/>
       </pc:docMkLst>
-      <pc:sldChg chg="modSp mod">
-        <pc:chgData name="Ivan Paiva" userId="c0dc8fae-fe88-4cff-bdc1-97c3c1915e54" providerId="ADAL" clId="{5791E311-43BE-4158-8851-81A6DC523F08}" dt="2022-03-23T19:32:13.121" v="1" actId="20577"/>
+      <pc:sldChg chg="modSp">
+        <pc:chgData name="Bruno Vilarinho" userId="S::b.vilarinho@ua.pt::cd75dfe8-f62a-4d99-b4eb-9e4602d2415b" providerId="AD" clId="Web-{F0A77008-F47B-414F-8087-D00107026648}" dt="2022-04-21T20:19:06.264" v="4" actId="20577"/>
         <pc:sldMkLst>
           <pc:docMk/>
           <pc:sldMk cId="3826682822" sldId="261"/>
         </pc:sldMkLst>
         <pc:spChg chg="mod">
-          <ac:chgData name="Ivan Paiva" userId="c0dc8fae-fe88-4cff-bdc1-97c3c1915e54" providerId="ADAL" clId="{5791E311-43BE-4158-8851-81A6DC523F08}" dt="2022-03-23T19:32:13.121" v="1" actId="20577"/>
+          <ac:chgData name="Bruno Vilarinho" userId="S::b.vilarinho@ua.pt::cd75dfe8-f62a-4d99-b4eb-9e4602d2415b" providerId="AD" clId="Web-{F0A77008-F47B-414F-8087-D00107026648}" dt="2022-04-21T20:19:06.264" v="4" actId="20577"/>
           <ac:spMkLst>
             <pc:docMk/>
             <pc:sldMk cId="3826682822" sldId="261"/>
@@ -2237,6 +2125,210 @@
     </pc:docChg>
   </pc:docChgLst>
   <pc:docChgLst>
+    <pc:chgData name="Ivan Paiva" userId="c0dc8fae-fe88-4cff-bdc1-97c3c1915e54" providerId="ADAL" clId="{5791E311-43BE-4158-8851-81A6DC523F08}"/>
+    <pc:docChg chg="modSld">
+      <pc:chgData name="Ivan Paiva" userId="c0dc8fae-fe88-4cff-bdc1-97c3c1915e54" providerId="ADAL" clId="{5791E311-43BE-4158-8851-81A6DC523F08}" dt="2022-03-23T19:32:13.121" v="1" actId="20577"/>
+      <pc:docMkLst>
+        <pc:docMk/>
+      </pc:docMkLst>
+      <pc:sldChg chg="modSp mod">
+        <pc:chgData name="Ivan Paiva" userId="c0dc8fae-fe88-4cff-bdc1-97c3c1915e54" providerId="ADAL" clId="{5791E311-43BE-4158-8851-81A6DC523F08}" dt="2022-03-23T19:32:13.121" v="1" actId="20577"/>
+        <pc:sldMkLst>
+          <pc:docMk/>
+          <pc:sldMk cId="3826682822" sldId="261"/>
+        </pc:sldMkLst>
+        <pc:spChg chg="mod">
+          <ac:chgData name="Ivan Paiva" userId="c0dc8fae-fe88-4cff-bdc1-97c3c1915e54" providerId="ADAL" clId="{5791E311-43BE-4158-8851-81A6DC523F08}" dt="2022-03-23T19:32:13.121" v="1" actId="20577"/>
+          <ac:spMkLst>
+            <pc:docMk/>
+            <pc:sldMk cId="3826682822" sldId="261"/>
+            <ac:spMk id="56" creationId="{4375626B-B603-104A-87C4-F814B9FD47A8}"/>
+          </ac:spMkLst>
+        </pc:spChg>
+      </pc:sldChg>
+    </pc:docChg>
+  </pc:docChgLst>
+  <pc:docChgLst>
+    <pc:chgData name="Carlos Sousa" userId="435ad4fb-7ddb-4bb8-a719-37b6e1e0521b" providerId="ADAL" clId="{BAC59177-A90A-1D42-9FDF-6967F42A2E04}"/>
+    <pc:docChg chg="undo custSel addSld delSld modSld">
+      <pc:chgData name="Carlos Sousa" userId="435ad4fb-7ddb-4bb8-a719-37b6e1e0521b" providerId="ADAL" clId="{BAC59177-A90A-1D42-9FDF-6967F42A2E04}" dt="2022-03-23T21:16:17.812" v="304" actId="403"/>
+      <pc:docMkLst>
+        <pc:docMk/>
+      </pc:docMkLst>
+      <pc:sldChg chg="addSp modSp mod">
+        <pc:chgData name="Carlos Sousa" userId="435ad4fb-7ddb-4bb8-a719-37b6e1e0521b" providerId="ADAL" clId="{BAC59177-A90A-1D42-9FDF-6967F42A2E04}" dt="2022-03-23T19:33:37.894" v="52" actId="1076"/>
+        <pc:sldMkLst>
+          <pc:docMk/>
+          <pc:sldMk cId="1124480121" sldId="258"/>
+        </pc:sldMkLst>
+        <pc:spChg chg="mod">
+          <ac:chgData name="Carlos Sousa" userId="435ad4fb-7ddb-4bb8-a719-37b6e1e0521b" providerId="ADAL" clId="{BAC59177-A90A-1D42-9FDF-6967F42A2E04}" dt="2022-03-23T19:11:33.957" v="7" actId="164"/>
+          <ac:spMkLst>
+            <pc:docMk/>
+            <pc:sldMk cId="1124480121" sldId="258"/>
+            <ac:spMk id="21" creationId="{A59B5EEE-E277-7041-A4ED-7DE291846F9B}"/>
+          </ac:spMkLst>
+        </pc:spChg>
+        <pc:spChg chg="add mod">
+          <ac:chgData name="Carlos Sousa" userId="435ad4fb-7ddb-4bb8-a719-37b6e1e0521b" providerId="ADAL" clId="{BAC59177-A90A-1D42-9FDF-6967F42A2E04}" dt="2022-03-23T19:33:37.894" v="52" actId="1076"/>
+          <ac:spMkLst>
+            <pc:docMk/>
+            <pc:sldMk cId="1124480121" sldId="258"/>
+            <ac:spMk id="24" creationId="{7B06882C-908F-C34F-9D68-DA3E4CA72E00}"/>
+          </ac:spMkLst>
+        </pc:spChg>
+        <pc:grpChg chg="add mod">
+          <ac:chgData name="Carlos Sousa" userId="435ad4fb-7ddb-4bb8-a719-37b6e1e0521b" providerId="ADAL" clId="{BAC59177-A90A-1D42-9FDF-6967F42A2E04}" dt="2022-03-23T19:12:50.943" v="11" actId="1076"/>
+          <ac:grpSpMkLst>
+            <pc:docMk/>
+            <pc:sldMk cId="1124480121" sldId="258"/>
+            <ac:grpSpMk id="3" creationId="{4B433E06-C089-BC4C-B1BD-B74D11B5D1C7}"/>
+          </ac:grpSpMkLst>
+        </pc:grpChg>
+        <pc:grpChg chg="mod">
+          <ac:chgData name="Carlos Sousa" userId="435ad4fb-7ddb-4bb8-a719-37b6e1e0521b" providerId="ADAL" clId="{BAC59177-A90A-1D42-9FDF-6967F42A2E04}" dt="2022-03-23T19:11:33.957" v="7" actId="164"/>
+          <ac:grpSpMkLst>
+            <pc:docMk/>
+            <pc:sldMk cId="1124480121" sldId="258"/>
+            <ac:grpSpMk id="9" creationId="{28EABD48-1BFD-E94D-AF08-5B5269D3500E}"/>
+          </ac:grpSpMkLst>
+        </pc:grpChg>
+      </pc:sldChg>
+      <pc:sldChg chg="addSp modSp mod">
+        <pc:chgData name="Carlos Sousa" userId="435ad4fb-7ddb-4bb8-a719-37b6e1e0521b" providerId="ADAL" clId="{BAC59177-A90A-1D42-9FDF-6967F42A2E04}" dt="2022-03-23T20:35:22.798" v="163" actId="1076"/>
+        <pc:sldMkLst>
+          <pc:docMk/>
+          <pc:sldMk cId="2119454691" sldId="259"/>
+        </pc:sldMkLst>
+        <pc:spChg chg="add mod">
+          <ac:chgData name="Carlos Sousa" userId="435ad4fb-7ddb-4bb8-a719-37b6e1e0521b" providerId="ADAL" clId="{BAC59177-A90A-1D42-9FDF-6967F42A2E04}" dt="2022-03-23T20:35:22.798" v="163" actId="1076"/>
+          <ac:spMkLst>
+            <pc:docMk/>
+            <pc:sldMk cId="2119454691" sldId="259"/>
+            <ac:spMk id="3" creationId="{D5EB9DB3-1981-C248-8AD2-27F1C1D1B99E}"/>
+          </ac:spMkLst>
+        </pc:spChg>
+      </pc:sldChg>
+      <pc:sldChg chg="addSp delSp modSp mod">
+        <pc:chgData name="Carlos Sousa" userId="435ad4fb-7ddb-4bb8-a719-37b6e1e0521b" providerId="ADAL" clId="{BAC59177-A90A-1D42-9FDF-6967F42A2E04}" dt="2022-03-23T20:07:05.106" v="75" actId="20577"/>
+        <pc:sldMkLst>
+          <pc:docMk/>
+          <pc:sldMk cId="3156753380" sldId="262"/>
+        </pc:sldMkLst>
+        <pc:spChg chg="add del mod">
+          <ac:chgData name="Carlos Sousa" userId="435ad4fb-7ddb-4bb8-a719-37b6e1e0521b" providerId="ADAL" clId="{BAC59177-A90A-1D42-9FDF-6967F42A2E04}" dt="2022-03-23T19:31:20.401" v="32" actId="47"/>
+          <ac:spMkLst>
+            <pc:docMk/>
+            <pc:sldMk cId="3156753380" sldId="262"/>
+            <ac:spMk id="3" creationId="{6ACD66B0-E752-8942-BD2E-5C58BDC2731A}"/>
+          </ac:spMkLst>
+        </pc:spChg>
+        <pc:spChg chg="mod">
+          <ac:chgData name="Carlos Sousa" userId="435ad4fb-7ddb-4bb8-a719-37b6e1e0521b" providerId="ADAL" clId="{BAC59177-A90A-1D42-9FDF-6967F42A2E04}" dt="2022-03-23T20:07:05.106" v="75" actId="20577"/>
+          <ac:spMkLst>
+            <pc:docMk/>
+            <pc:sldMk cId="3156753380" sldId="262"/>
+            <ac:spMk id="4" creationId="{F894E901-1204-4F42-8903-52FC38D3BE87}"/>
+          </ac:spMkLst>
+        </pc:spChg>
+        <pc:spChg chg="add del mod">
+          <ac:chgData name="Carlos Sousa" userId="435ad4fb-7ddb-4bb8-a719-37b6e1e0521b" providerId="ADAL" clId="{BAC59177-A90A-1D42-9FDF-6967F42A2E04}" dt="2022-03-23T19:31:20.046" v="29"/>
+          <ac:spMkLst>
+            <pc:docMk/>
+            <pc:sldMk cId="3156753380" sldId="262"/>
+            <ac:spMk id="9" creationId="{2E805F6E-2B5B-1840-A3FB-292322112954}"/>
+          </ac:spMkLst>
+        </pc:spChg>
+      </pc:sldChg>
+      <pc:sldChg chg="addSp modSp new mod">
+        <pc:chgData name="Carlos Sousa" userId="435ad4fb-7ddb-4bb8-a719-37b6e1e0521b" providerId="ADAL" clId="{BAC59177-A90A-1D42-9FDF-6967F42A2E04}" dt="2022-03-23T21:16:17.812" v="304" actId="403"/>
+        <pc:sldMkLst>
+          <pc:docMk/>
+          <pc:sldMk cId="1094402479" sldId="263"/>
+        </pc:sldMkLst>
+        <pc:spChg chg="mod">
+          <ac:chgData name="Carlos Sousa" userId="435ad4fb-7ddb-4bb8-a719-37b6e1e0521b" providerId="ADAL" clId="{BAC59177-A90A-1D42-9FDF-6967F42A2E04}" dt="2022-03-23T21:12:55.887" v="187" actId="14100"/>
+          <ac:spMkLst>
+            <pc:docMk/>
+            <pc:sldMk cId="1094402479" sldId="263"/>
+            <ac:spMk id="2" creationId="{CD3E51CE-5D64-534B-AB90-4DA09B38367C}"/>
+          </ac:spMkLst>
+        </pc:spChg>
+        <pc:spChg chg="mod">
+          <ac:chgData name="Carlos Sousa" userId="435ad4fb-7ddb-4bb8-a719-37b6e1e0521b" providerId="ADAL" clId="{BAC59177-A90A-1D42-9FDF-6967F42A2E04}" dt="2022-03-23T21:16:17.812" v="304" actId="403"/>
+          <ac:spMkLst>
+            <pc:docMk/>
+            <pc:sldMk cId="1094402479" sldId="263"/>
+            <ac:spMk id="3" creationId="{FD6BE605-0C16-284F-95FC-228687F3B3A3}"/>
+          </ac:spMkLst>
+        </pc:spChg>
+        <pc:picChg chg="add mod modCrop">
+          <ac:chgData name="Carlos Sousa" userId="435ad4fb-7ddb-4bb8-a719-37b6e1e0521b" providerId="ADAL" clId="{BAC59177-A90A-1D42-9FDF-6967F42A2E04}" dt="2022-03-23T21:15:58.820" v="302" actId="1076"/>
+          <ac:picMkLst>
+            <pc:docMk/>
+            <pc:sldMk cId="1094402479" sldId="263"/>
+            <ac:picMk id="5" creationId="{D9CA07A8-5E49-1A4E-969B-8914C36259B2}"/>
+          </ac:picMkLst>
+        </pc:picChg>
+      </pc:sldChg>
+      <pc:sldChg chg="modSp new del mod">
+        <pc:chgData name="Carlos Sousa" userId="435ad4fb-7ddb-4bb8-a719-37b6e1e0521b" providerId="ADAL" clId="{BAC59177-A90A-1D42-9FDF-6967F42A2E04}" dt="2022-03-23T19:30:35.523" v="21" actId="2696"/>
+        <pc:sldMkLst>
+          <pc:docMk/>
+          <pc:sldMk cId="3706694529" sldId="263"/>
+        </pc:sldMkLst>
+        <pc:spChg chg="mod">
+          <ac:chgData name="Carlos Sousa" userId="435ad4fb-7ddb-4bb8-a719-37b6e1e0521b" providerId="ADAL" clId="{BAC59177-A90A-1D42-9FDF-6967F42A2E04}" dt="2022-03-23T19:30:05.495" v="17" actId="27636"/>
+          <ac:spMkLst>
+            <pc:docMk/>
+            <pc:sldMk cId="3706694529" sldId="263"/>
+            <ac:spMk id="2" creationId="{F99F8F2A-9C69-FF48-B253-7EA0843F83B7}"/>
+          </ac:spMkLst>
+        </pc:spChg>
+        <pc:spChg chg="mod">
+          <ac:chgData name="Carlos Sousa" userId="435ad4fb-7ddb-4bb8-a719-37b6e1e0521b" providerId="ADAL" clId="{BAC59177-A90A-1D42-9FDF-6967F42A2E04}" dt="2022-03-23T19:30:14.161" v="20" actId="14100"/>
+          <ac:spMkLst>
+            <pc:docMk/>
+            <pc:sldMk cId="3706694529" sldId="263"/>
+            <ac:spMk id="3" creationId="{D527571F-D081-1040-846E-B24AA0B61988}"/>
+          </ac:spMkLst>
+        </pc:spChg>
+      </pc:sldChg>
+    </pc:docChg>
+  </pc:docChgLst>
+  <pc:docChgLst>
+    <pc:chgData name="Ivan Paiva" userId="c0dc8fae-fe88-4cff-bdc1-97c3c1915e54" providerId="ADAL" clId="{4E254AAE-654E-4A39-95EC-6BC84146C9C4}"/>
+    <pc:docChg chg="custSel modSld">
+      <pc:chgData name="Ivan Paiva" userId="c0dc8fae-fe88-4cff-bdc1-97c3c1915e54" providerId="ADAL" clId="{4E254AAE-654E-4A39-95EC-6BC84146C9C4}" dt="2022-04-21T22:22:49.651" v="9" actId="1076"/>
+      <pc:docMkLst>
+        <pc:docMk/>
+      </pc:docMkLst>
+      <pc:sldChg chg="addSp delSp modSp mod">
+        <pc:chgData name="Ivan Paiva" userId="c0dc8fae-fe88-4cff-bdc1-97c3c1915e54" providerId="ADAL" clId="{4E254AAE-654E-4A39-95EC-6BC84146C9C4}" dt="2022-04-21T22:22:49.651" v="9" actId="1076"/>
+        <pc:sldMkLst>
+          <pc:docMk/>
+          <pc:sldMk cId="3896419883" sldId="268"/>
+        </pc:sldMkLst>
+        <pc:picChg chg="add del mod">
+          <ac:chgData name="Ivan Paiva" userId="c0dc8fae-fe88-4cff-bdc1-97c3c1915e54" providerId="ADAL" clId="{4E254AAE-654E-4A39-95EC-6BC84146C9C4}" dt="2022-04-21T22:22:41.508" v="5" actId="478"/>
+          <ac:picMkLst>
+            <pc:docMk/>
+            <pc:sldMk cId="3896419883" sldId="268"/>
+            <ac:picMk id="6" creationId="{FD9C4D42-9A46-4B27-A489-D5F92BC21F7B}"/>
+          </ac:picMkLst>
+        </pc:picChg>
+        <pc:picChg chg="add mod">
+          <ac:chgData name="Ivan Paiva" userId="c0dc8fae-fe88-4cff-bdc1-97c3c1915e54" providerId="ADAL" clId="{4E254AAE-654E-4A39-95EC-6BC84146C9C4}" dt="2022-04-21T22:22:49.651" v="9" actId="1076"/>
+          <ac:picMkLst>
+            <pc:docMk/>
+            <pc:sldMk cId="3896419883" sldId="268"/>
+            <ac:picMk id="8" creationId="{207B8707-ACA3-4485-BBEE-63C2A3853663}"/>
+          </ac:picMkLst>
+        </pc:picChg>
+      </pc:sldChg>
+    </pc:docChg>
+  </pc:docChgLst>
+  <pc:docChgLst>
     <pc:chgData name="Bruno Vilarinho" userId="S::b.vilarinho@ua.pt::cd75dfe8-f62a-4d99-b4eb-9e4602d2415b" providerId="AD" clId="Web-{CC44C241-4877-4D7A-81AA-E1D29953C2C8}"/>
     <pc:docChg chg="modSld">
       <pc:chgData name="Bruno Vilarinho" userId="S::b.vilarinho@ua.pt::cd75dfe8-f62a-4d99-b4eb-9e4602d2415b" providerId="AD" clId="Web-{CC44C241-4877-4D7A-81AA-E1D29953C2C8}" dt="2022-03-17T22:23:55.283" v="7"/>
@@ -2317,14 +2409,187 @@
     </pc:docChg>
   </pc:docChgLst>
   <pc:docChgLst>
-    <pc:chgData name="Carlos Sousa" userId="435ad4fb-7ddb-4bb8-a719-37b6e1e0521b" providerId="ADAL" clId="{ED7582DF-8AD8-4843-A164-4643B041E87C}"/>
-    <pc:docChg chg="undo custSel modSld">
-      <pc:chgData name="Carlos Sousa" userId="435ad4fb-7ddb-4bb8-a719-37b6e1e0521b" providerId="ADAL" clId="{ED7582DF-8AD8-4843-A164-4643B041E87C}" dt="2022-04-12T17:46:17.599" v="93" actId="12"/>
+    <pc:chgData name="Victor Soares" userId="S::soaresvictor20@ua.pt::1c0a250e-d3c5-4eb3-a352-92409ca5a4a1" providerId="AD" clId="Web-{ECEED191-6E10-479E-96B4-877EAB907D7D}"/>
+    <pc:docChg chg="modSld">
+      <pc:chgData name="Victor Soares" userId="S::soaresvictor20@ua.pt::1c0a250e-d3c5-4eb3-a352-92409ca5a4a1" providerId="AD" clId="Web-{ECEED191-6E10-479E-96B4-877EAB907D7D}" dt="2022-04-22T11:22:02.982" v="3" actId="20577"/>
       <pc:docMkLst>
         <pc:docMk/>
       </pc:docMkLst>
-      <pc:sldChg chg="addSp modSp mod">
-        <pc:chgData name="Carlos Sousa" userId="435ad4fb-7ddb-4bb8-a719-37b6e1e0521b" providerId="ADAL" clId="{ED7582DF-8AD8-4843-A164-4643B041E87C}" dt="2022-04-12T17:46:17.599" v="93" actId="12"/>
+      <pc:sldChg chg="modSp">
+        <pc:chgData name="Victor Soares" userId="S::soaresvictor20@ua.pt::1c0a250e-d3c5-4eb3-a352-92409ca5a4a1" providerId="AD" clId="Web-{ECEED191-6E10-479E-96B4-877EAB907D7D}" dt="2022-04-22T11:22:02.982" v="3" actId="20577"/>
+        <pc:sldMkLst>
+          <pc:docMk/>
+          <pc:sldMk cId="1522807752" sldId="257"/>
+        </pc:sldMkLst>
+        <pc:graphicFrameChg chg="modGraphic">
+          <ac:chgData name="Victor Soares" userId="S::soaresvictor20@ua.pt::1c0a250e-d3c5-4eb3-a352-92409ca5a4a1" providerId="AD" clId="Web-{ECEED191-6E10-479E-96B4-877EAB907D7D}" dt="2022-04-22T11:22:02.982" v="3" actId="20577"/>
+          <ac:graphicFrameMkLst>
+            <pc:docMk/>
+            <pc:sldMk cId="1522807752" sldId="257"/>
+            <ac:graphicFrameMk id="28" creationId="{38BEDB65-5C8C-80BA-003D-1E33F932ADD7}"/>
+          </ac:graphicFrameMkLst>
+        </pc:graphicFrameChg>
+      </pc:sldChg>
+    </pc:docChg>
+  </pc:docChgLst>
+  <pc:docChgLst>
+    <pc:chgData name="Carlos Sousa" userId="435ad4fb-7ddb-4bb8-a719-37b6e1e0521b" providerId="ADAL" clId="{ED7582DF-8AD8-4843-A164-4643B041E87C}"/>
+    <pc:docChg chg="undo custSel addSld modSld sldOrd">
+      <pc:chgData name="Carlos Sousa" userId="435ad4fb-7ddb-4bb8-a719-37b6e1e0521b" providerId="ADAL" clId="{ED7582DF-8AD8-4843-A164-4643B041E87C}" dt="2022-04-21T22:27:11.048" v="968" actId="1076"/>
+      <pc:docMkLst>
+        <pc:docMk/>
+      </pc:docMkLst>
+      <pc:sldChg chg="modSp mod">
+        <pc:chgData name="Carlos Sousa" userId="435ad4fb-7ddb-4bb8-a719-37b6e1e0521b" providerId="ADAL" clId="{ED7582DF-8AD8-4843-A164-4643B041E87C}" dt="2022-04-21T20:23:08.912" v="853" actId="14100"/>
+        <pc:sldMkLst>
+          <pc:docMk/>
+          <pc:sldMk cId="1326374141" sldId="260"/>
+        </pc:sldMkLst>
+        <pc:spChg chg="mod">
+          <ac:chgData name="Carlos Sousa" userId="435ad4fb-7ddb-4bb8-a719-37b6e1e0521b" providerId="ADAL" clId="{ED7582DF-8AD8-4843-A164-4643B041E87C}" dt="2022-04-21T20:23:08.912" v="853" actId="14100"/>
+          <ac:spMkLst>
+            <pc:docMk/>
+            <pc:sldMk cId="1326374141" sldId="260"/>
+            <ac:spMk id="2" creationId="{4249F707-0C44-6348-B1D3-F1832C29D069}"/>
+          </ac:spMkLst>
+        </pc:spChg>
+        <pc:spChg chg="mod">
+          <ac:chgData name="Carlos Sousa" userId="435ad4fb-7ddb-4bb8-a719-37b6e1e0521b" providerId="ADAL" clId="{ED7582DF-8AD8-4843-A164-4643B041E87C}" dt="2022-04-21T20:23:02.703" v="852" actId="5793"/>
+          <ac:spMkLst>
+            <pc:docMk/>
+            <pc:sldMk cId="1326374141" sldId="260"/>
+            <ac:spMk id="38" creationId="{1AE62C03-76DF-8C49-B4E6-F62D82B6911D}"/>
+          </ac:spMkLst>
+        </pc:spChg>
+      </pc:sldChg>
+      <pc:sldChg chg="modSp mod">
+        <pc:chgData name="Carlos Sousa" userId="435ad4fb-7ddb-4bb8-a719-37b6e1e0521b" providerId="ADAL" clId="{ED7582DF-8AD8-4843-A164-4643B041E87C}" dt="2022-04-21T20:27:09.276" v="923" actId="14100"/>
+        <pc:sldMkLst>
+          <pc:docMk/>
+          <pc:sldMk cId="1094402479" sldId="263"/>
+        </pc:sldMkLst>
+        <pc:spChg chg="mod">
+          <ac:chgData name="Carlos Sousa" userId="435ad4fb-7ddb-4bb8-a719-37b6e1e0521b" providerId="ADAL" clId="{ED7582DF-8AD8-4843-A164-4643B041E87C}" dt="2022-04-21T20:27:09.276" v="923" actId="14100"/>
+          <ac:spMkLst>
+            <pc:docMk/>
+            <pc:sldMk cId="1094402479" sldId="263"/>
+            <ac:spMk id="2" creationId="{CD3E51CE-5D64-534B-AB90-4DA09B38367C}"/>
+          </ac:spMkLst>
+        </pc:spChg>
+        <pc:spChg chg="mod">
+          <ac:chgData name="Carlos Sousa" userId="435ad4fb-7ddb-4bb8-a719-37b6e1e0521b" providerId="ADAL" clId="{ED7582DF-8AD8-4843-A164-4643B041E87C}" dt="2022-04-21T20:26:55.795" v="922" actId="113"/>
+          <ac:spMkLst>
+            <pc:docMk/>
+            <pc:sldMk cId="1094402479" sldId="263"/>
+            <ac:spMk id="3" creationId="{FD6BE605-0C16-284F-95FC-228687F3B3A3}"/>
+          </ac:spMkLst>
+        </pc:spChg>
+      </pc:sldChg>
+      <pc:sldChg chg="addSp delSp modSp mod setBg">
+        <pc:chgData name="Carlos Sousa" userId="435ad4fb-7ddb-4bb8-a719-37b6e1e0521b" providerId="ADAL" clId="{ED7582DF-8AD8-4843-A164-4643B041E87C}" dt="2022-04-21T18:49:11.311" v="580" actId="1076"/>
+        <pc:sldMkLst>
+          <pc:docMk/>
+          <pc:sldMk cId="647103086" sldId="265"/>
+        </pc:sldMkLst>
+        <pc:spChg chg="mod">
+          <ac:chgData name="Carlos Sousa" userId="435ad4fb-7ddb-4bb8-a719-37b6e1e0521b" providerId="ADAL" clId="{ED7582DF-8AD8-4843-A164-4643B041E87C}" dt="2022-04-21T18:48:17.602" v="569" actId="26606"/>
+          <ac:spMkLst>
+            <pc:docMk/>
+            <pc:sldMk cId="647103086" sldId="265"/>
+            <ac:spMk id="2" creationId="{9F34B483-4B2A-4C4C-8F5D-C1D4A87EDBE9}"/>
+          </ac:spMkLst>
+        </pc:spChg>
+        <pc:spChg chg="add del mod">
+          <ac:chgData name="Carlos Sousa" userId="435ad4fb-7ddb-4bb8-a719-37b6e1e0521b" providerId="ADAL" clId="{ED7582DF-8AD8-4843-A164-4643B041E87C}" dt="2022-04-21T18:45:13.256" v="567" actId="478"/>
+          <ac:spMkLst>
+            <pc:docMk/>
+            <pc:sldMk cId="647103086" sldId="265"/>
+            <ac:spMk id="4" creationId="{B315B386-1F5C-AA6F-07B1-7AC95A28AEC7}"/>
+          </ac:spMkLst>
+        </pc:spChg>
+        <pc:spChg chg="del mod">
+          <ac:chgData name="Carlos Sousa" userId="435ad4fb-7ddb-4bb8-a719-37b6e1e0521b" providerId="ADAL" clId="{ED7582DF-8AD8-4843-A164-4643B041E87C}" dt="2022-04-21T18:45:05.235" v="564" actId="478"/>
+          <ac:spMkLst>
+            <pc:docMk/>
+            <pc:sldMk cId="647103086" sldId="265"/>
+            <ac:spMk id="11" creationId="{D1165E5C-84D6-0F41-A1D4-3029E2BC8412}"/>
+          </ac:spMkLst>
+        </pc:spChg>
+        <pc:spChg chg="add">
+          <ac:chgData name="Carlos Sousa" userId="435ad4fb-7ddb-4bb8-a719-37b6e1e0521b" providerId="ADAL" clId="{ED7582DF-8AD8-4843-A164-4643B041E87C}" dt="2022-04-21T18:48:17.602" v="569" actId="26606"/>
+          <ac:spMkLst>
+            <pc:docMk/>
+            <pc:sldMk cId="647103086" sldId="265"/>
+            <ac:spMk id="15" creationId="{ADE57300-C7FF-4578-99A0-42B0295B123C}"/>
+          </ac:spMkLst>
+        </pc:spChg>
+        <pc:spChg chg="add">
+          <ac:chgData name="Carlos Sousa" userId="435ad4fb-7ddb-4bb8-a719-37b6e1e0521b" providerId="ADAL" clId="{ED7582DF-8AD8-4843-A164-4643B041E87C}" dt="2022-04-21T18:48:17.602" v="569" actId="26606"/>
+          <ac:spMkLst>
+            <pc:docMk/>
+            <pc:sldMk cId="647103086" sldId="265"/>
+            <ac:spMk id="17" creationId="{F3FF94B3-6D3E-44FE-BB02-A9027C0003C7}"/>
+          </ac:spMkLst>
+        </pc:spChg>
+        <pc:spChg chg="add">
+          <ac:chgData name="Carlos Sousa" userId="435ad4fb-7ddb-4bb8-a719-37b6e1e0521b" providerId="ADAL" clId="{ED7582DF-8AD8-4843-A164-4643B041E87C}" dt="2022-04-21T18:48:17.602" v="569" actId="26606"/>
+          <ac:spMkLst>
+            <pc:docMk/>
+            <pc:sldMk cId="647103086" sldId="265"/>
+            <ac:spMk id="19" creationId="{67A7C490-FB0D-4946-BDB7-1CF2F58DAE01}"/>
+          </ac:spMkLst>
+        </pc:spChg>
+        <pc:spChg chg="add">
+          <ac:chgData name="Carlos Sousa" userId="435ad4fb-7ddb-4bb8-a719-37b6e1e0521b" providerId="ADAL" clId="{ED7582DF-8AD8-4843-A164-4643B041E87C}" dt="2022-04-21T18:48:17.602" v="569" actId="26606"/>
+          <ac:spMkLst>
+            <pc:docMk/>
+            <pc:sldMk cId="647103086" sldId="265"/>
+            <ac:spMk id="21" creationId="{A455898E-1D0B-453B-A8AB-E169E93C0EE4}"/>
+          </ac:spMkLst>
+        </pc:spChg>
+        <pc:spChg chg="add">
+          <ac:chgData name="Carlos Sousa" userId="435ad4fb-7ddb-4bb8-a719-37b6e1e0521b" providerId="ADAL" clId="{ED7582DF-8AD8-4843-A164-4643B041E87C}" dt="2022-04-21T18:48:17.602" v="569" actId="26606"/>
+          <ac:spMkLst>
+            <pc:docMk/>
+            <pc:sldMk cId="647103086" sldId="265"/>
+            <ac:spMk id="23" creationId="{B2C335F7-F61C-4EB4-80F2-4B1438FE66BB}"/>
+          </ac:spMkLst>
+        </pc:spChg>
+        <pc:picChg chg="del">
+          <ac:chgData name="Carlos Sousa" userId="435ad4fb-7ddb-4bb8-a719-37b6e1e0521b" providerId="ADAL" clId="{ED7582DF-8AD8-4843-A164-4643B041E87C}" dt="2022-04-21T18:45:09.294" v="566" actId="478"/>
+          <ac:picMkLst>
+            <pc:docMk/>
+            <pc:sldMk cId="647103086" sldId="265"/>
+            <ac:picMk id="5" creationId="{EAC669B9-B599-8140-A94B-8BA859742B59}"/>
+          </ac:picMkLst>
+        </pc:picChg>
+        <pc:picChg chg="del">
+          <ac:chgData name="Carlos Sousa" userId="435ad4fb-7ddb-4bb8-a719-37b6e1e0521b" providerId="ADAL" clId="{ED7582DF-8AD8-4843-A164-4643B041E87C}" dt="2022-04-21T18:45:07.696" v="565" actId="478"/>
+          <ac:picMkLst>
+            <pc:docMk/>
+            <pc:sldMk cId="647103086" sldId="265"/>
+            <ac:picMk id="7" creationId="{5C613A20-AAF9-994B-A09F-B3C4AB2A9F1E}"/>
+          </ac:picMkLst>
+        </pc:picChg>
+        <pc:picChg chg="add mod">
+          <ac:chgData name="Carlos Sousa" userId="435ad4fb-7ddb-4bb8-a719-37b6e1e0521b" providerId="ADAL" clId="{ED7582DF-8AD8-4843-A164-4643B041E87C}" dt="2022-04-21T18:49:11.311" v="580" actId="1076"/>
+          <ac:picMkLst>
+            <pc:docMk/>
+            <pc:sldMk cId="647103086" sldId="265"/>
+            <ac:picMk id="8" creationId="{8FE960AE-30B3-6967-A801-35D8FAE5A0D3}"/>
+          </ac:picMkLst>
+        </pc:picChg>
+        <pc:picChg chg="add mod">
+          <ac:chgData name="Carlos Sousa" userId="435ad4fb-7ddb-4bb8-a719-37b6e1e0521b" providerId="ADAL" clId="{ED7582DF-8AD8-4843-A164-4643B041E87C}" dt="2022-04-21T18:49:00.527" v="578" actId="1076"/>
+          <ac:picMkLst>
+            <pc:docMk/>
+            <pc:sldMk cId="647103086" sldId="265"/>
+            <ac:picMk id="10" creationId="{DB23DD35-8E0C-176A-7C83-F0ADD64FD1DE}"/>
+          </ac:picMkLst>
+        </pc:picChg>
+      </pc:sldChg>
+      <pc:sldChg chg="addSp delSp modSp mod ord">
+        <pc:chgData name="Carlos Sousa" userId="435ad4fb-7ddb-4bb8-a719-37b6e1e0521b" providerId="ADAL" clId="{ED7582DF-8AD8-4843-A164-4643B041E87C}" dt="2022-04-20T22:05:59.261" v="148" actId="20578"/>
         <pc:sldMkLst>
           <pc:docMk/>
           <pc:sldMk cId="2429684524" sldId="266"/>
@@ -2361,21 +2626,369 @@
             <ac:spMk id="24" creationId="{3B442A3D-E0DD-164B-AB49-41A9A1811154}"/>
           </ac:spMkLst>
         </pc:spChg>
+        <pc:picChg chg="del mod">
+          <ac:chgData name="Carlos Sousa" userId="435ad4fb-7ddb-4bb8-a719-37b6e1e0521b" providerId="ADAL" clId="{ED7582DF-8AD8-4843-A164-4643B041E87C}" dt="2022-04-20T22:03:24.159" v="96" actId="21"/>
+          <ac:picMkLst>
+            <pc:docMk/>
+            <pc:sldMk cId="2429684524" sldId="266"/>
+            <ac:picMk id="6" creationId="{6A97A856-6063-9948-FD33-1C4565D2F6B7}"/>
+          </ac:picMkLst>
+        </pc:picChg>
       </pc:sldChg>
-      <pc:sldChg chg="addSp modSp mod">
-        <pc:chgData name="Carlos Sousa" userId="435ad4fb-7ddb-4bb8-a719-37b6e1e0521b" providerId="ADAL" clId="{ED7582DF-8AD8-4843-A164-4643B041E87C}" dt="2022-04-12T17:45:52.386" v="85" actId="21"/>
+      <pc:sldChg chg="addSp delSp modSp mod">
+        <pc:chgData name="Carlos Sousa" userId="435ad4fb-7ddb-4bb8-a719-37b6e1e0521b" providerId="ADAL" clId="{ED7582DF-8AD8-4843-A164-4643B041E87C}" dt="2022-04-21T21:51:34.759" v="924" actId="478"/>
         <pc:sldMkLst>
           <pc:docMk/>
           <pc:sldMk cId="2310238170" sldId="267"/>
         </pc:sldMkLst>
-        <pc:spChg chg="add mod">
-          <ac:chgData name="Carlos Sousa" userId="435ad4fb-7ddb-4bb8-a719-37b6e1e0521b" providerId="ADAL" clId="{ED7582DF-8AD8-4843-A164-4643B041E87C}" dt="2022-04-12T17:45:52.386" v="85" actId="21"/>
+        <pc:spChg chg="add del mod">
+          <ac:chgData name="Carlos Sousa" userId="435ad4fb-7ddb-4bb8-a719-37b6e1e0521b" providerId="ADAL" clId="{ED7582DF-8AD8-4843-A164-4643B041E87C}" dt="2022-04-21T21:51:34.759" v="924" actId="478"/>
           <ac:spMkLst>
             <pc:docMk/>
             <pc:sldMk cId="2310238170" sldId="267"/>
             <ac:spMk id="4" creationId="{F6F37F38-556C-E0B7-79F8-5A085228486D}"/>
           </ac:spMkLst>
         </pc:spChg>
+      </pc:sldChg>
+      <pc:sldChg chg="addSp modSp mod setBg">
+        <pc:chgData name="Carlos Sousa" userId="435ad4fb-7ddb-4bb8-a719-37b6e1e0521b" providerId="ADAL" clId="{ED7582DF-8AD8-4843-A164-4643B041E87C}" dt="2022-04-21T22:26:57.282" v="966" actId="1076"/>
+        <pc:sldMkLst>
+          <pc:docMk/>
+          <pc:sldMk cId="3896419883" sldId="268"/>
+        </pc:sldMkLst>
+        <pc:spChg chg="mod">
+          <ac:chgData name="Carlos Sousa" userId="435ad4fb-7ddb-4bb8-a719-37b6e1e0521b" providerId="ADAL" clId="{ED7582DF-8AD8-4843-A164-4643B041E87C}" dt="2022-04-21T22:24:23.751" v="940" actId="26606"/>
+          <ac:spMkLst>
+            <pc:docMk/>
+            <pc:sldMk cId="3896419883" sldId="268"/>
+            <ac:spMk id="2" creationId="{70736958-BAD9-47B1-A6C0-B69ED60E5676}"/>
+          </ac:spMkLst>
+        </pc:spChg>
+        <pc:spChg chg="mod ord">
+          <ac:chgData name="Carlos Sousa" userId="435ad4fb-7ddb-4bb8-a719-37b6e1e0521b" providerId="ADAL" clId="{ED7582DF-8AD8-4843-A164-4643B041E87C}" dt="2022-04-21T22:24:23.751" v="940" actId="26606"/>
+          <ac:spMkLst>
+            <pc:docMk/>
+            <pc:sldMk cId="3896419883" sldId="268"/>
+            <ac:spMk id="3" creationId="{7ADB5E25-5F1C-423E-B2E4-5F6BE9844700}"/>
+          </ac:spMkLst>
+        </pc:spChg>
+        <pc:spChg chg="add">
+          <ac:chgData name="Carlos Sousa" userId="435ad4fb-7ddb-4bb8-a719-37b6e1e0521b" providerId="ADAL" clId="{ED7582DF-8AD8-4843-A164-4643B041E87C}" dt="2022-04-21T22:24:23.751" v="940" actId="26606"/>
+          <ac:spMkLst>
+            <pc:docMk/>
+            <pc:sldMk cId="3896419883" sldId="268"/>
+            <ac:spMk id="13" creationId="{BF447FC5-81F5-498F-B253-3D2BBDD2E64A}"/>
+          </ac:spMkLst>
+        </pc:spChg>
+        <pc:spChg chg="add">
+          <ac:chgData name="Carlos Sousa" userId="435ad4fb-7ddb-4bb8-a719-37b6e1e0521b" providerId="ADAL" clId="{ED7582DF-8AD8-4843-A164-4643B041E87C}" dt="2022-04-21T22:24:23.751" v="940" actId="26606"/>
+          <ac:spMkLst>
+            <pc:docMk/>
+            <pc:sldMk cId="3896419883" sldId="268"/>
+            <ac:spMk id="15" creationId="{C0390D7A-B375-4BE2-82A9-33DED1CEBF1F}"/>
+          </ac:spMkLst>
+        </pc:spChg>
+        <pc:spChg chg="add">
+          <ac:chgData name="Carlos Sousa" userId="435ad4fb-7ddb-4bb8-a719-37b6e1e0521b" providerId="ADAL" clId="{ED7582DF-8AD8-4843-A164-4643B041E87C}" dt="2022-04-21T22:24:23.751" v="940" actId="26606"/>
+          <ac:spMkLst>
+            <pc:docMk/>
+            <pc:sldMk cId="3896419883" sldId="268"/>
+            <ac:spMk id="17" creationId="{887F59F2-5FBC-40CD-AD35-376AECE49EA6}"/>
+          </ac:spMkLst>
+        </pc:spChg>
+        <pc:spChg chg="add">
+          <ac:chgData name="Carlos Sousa" userId="435ad4fb-7ddb-4bb8-a719-37b6e1e0521b" providerId="ADAL" clId="{ED7582DF-8AD8-4843-A164-4643B041E87C}" dt="2022-04-21T22:24:23.751" v="940" actId="26606"/>
+          <ac:spMkLst>
+            <pc:docMk/>
+            <pc:sldMk cId="3896419883" sldId="268"/>
+            <ac:spMk id="19" creationId="{A133035C-46AF-4B6B-A264-C0D48C50BA93}"/>
+          </ac:spMkLst>
+        </pc:spChg>
+        <pc:picChg chg="mod ord modCrop">
+          <ac:chgData name="Carlos Sousa" userId="435ad4fb-7ddb-4bb8-a719-37b6e1e0521b" providerId="ADAL" clId="{ED7582DF-8AD8-4843-A164-4643B041E87C}" dt="2022-04-21T22:26:08.414" v="960" actId="1076"/>
+          <ac:picMkLst>
+            <pc:docMk/>
+            <pc:sldMk cId="3896419883" sldId="268"/>
+            <ac:picMk id="5" creationId="{2BA6FF01-5198-47DF-9963-41D5F9F2581A}"/>
+          </ac:picMkLst>
+        </pc:picChg>
+        <pc:picChg chg="mod modCrop">
+          <ac:chgData name="Carlos Sousa" userId="435ad4fb-7ddb-4bb8-a719-37b6e1e0521b" providerId="ADAL" clId="{ED7582DF-8AD8-4843-A164-4643B041E87C}" dt="2022-04-21T22:26:57.282" v="966" actId="1076"/>
+          <ac:picMkLst>
+            <pc:docMk/>
+            <pc:sldMk cId="3896419883" sldId="268"/>
+            <ac:picMk id="8" creationId="{207B8707-ACA3-4485-BBEE-63C2A3853663}"/>
+          </ac:picMkLst>
+        </pc:picChg>
+      </pc:sldChg>
+      <pc:sldChg chg="addSp modSp mod ord setBg">
+        <pc:chgData name="Carlos Sousa" userId="435ad4fb-7ddb-4bb8-a719-37b6e1e0521b" providerId="ADAL" clId="{ED7582DF-8AD8-4843-A164-4643B041E87C}" dt="2022-04-21T22:27:11.048" v="968" actId="1076"/>
+        <pc:sldMkLst>
+          <pc:docMk/>
+          <pc:sldMk cId="4134518105" sldId="269"/>
+        </pc:sldMkLst>
+        <pc:spChg chg="mod">
+          <ac:chgData name="Carlos Sousa" userId="435ad4fb-7ddb-4bb8-a719-37b6e1e0521b" providerId="ADAL" clId="{ED7582DF-8AD8-4843-A164-4643B041E87C}" dt="2022-04-21T22:21:46.713" v="933" actId="26606"/>
+          <ac:spMkLst>
+            <pc:docMk/>
+            <pc:sldMk cId="4134518105" sldId="269"/>
+            <ac:spMk id="2" creationId="{8D97126F-F5C6-4299-8C0F-0029E5D006F4}"/>
+          </ac:spMkLst>
+        </pc:spChg>
+        <pc:spChg chg="mod ord">
+          <ac:chgData name="Carlos Sousa" userId="435ad4fb-7ddb-4bb8-a719-37b6e1e0521b" providerId="ADAL" clId="{ED7582DF-8AD8-4843-A164-4643B041E87C}" dt="2022-04-21T22:21:46.713" v="933" actId="26606"/>
+          <ac:spMkLst>
+            <pc:docMk/>
+            <pc:sldMk cId="4134518105" sldId="269"/>
+            <ac:spMk id="3" creationId="{FCFD5D91-5C27-4988-9546-02392ABD0EDC}"/>
+          </ac:spMkLst>
+        </pc:spChg>
+        <pc:spChg chg="add">
+          <ac:chgData name="Carlos Sousa" userId="435ad4fb-7ddb-4bb8-a719-37b6e1e0521b" providerId="ADAL" clId="{ED7582DF-8AD8-4843-A164-4643B041E87C}" dt="2022-04-21T22:21:46.713" v="933" actId="26606"/>
+          <ac:spMkLst>
+            <pc:docMk/>
+            <pc:sldMk cId="4134518105" sldId="269"/>
+            <ac:spMk id="11" creationId="{BF447FC5-81F5-498F-B253-3D2BBDD2E64A}"/>
+          </ac:spMkLst>
+        </pc:spChg>
+        <pc:spChg chg="add">
+          <ac:chgData name="Carlos Sousa" userId="435ad4fb-7ddb-4bb8-a719-37b6e1e0521b" providerId="ADAL" clId="{ED7582DF-8AD8-4843-A164-4643B041E87C}" dt="2022-04-21T22:21:46.713" v="933" actId="26606"/>
+          <ac:spMkLst>
+            <pc:docMk/>
+            <pc:sldMk cId="4134518105" sldId="269"/>
+            <ac:spMk id="13" creationId="{A183D605-F0BC-4923-9BAD-8F2204285B7C}"/>
+          </ac:spMkLst>
+        </pc:spChg>
+        <pc:spChg chg="add">
+          <ac:chgData name="Carlos Sousa" userId="435ad4fb-7ddb-4bb8-a719-37b6e1e0521b" providerId="ADAL" clId="{ED7582DF-8AD8-4843-A164-4643B041E87C}" dt="2022-04-21T22:21:46.713" v="933" actId="26606"/>
+          <ac:spMkLst>
+            <pc:docMk/>
+            <pc:sldMk cId="4134518105" sldId="269"/>
+            <ac:spMk id="15" creationId="{C1A59FC6-29E7-4618-829A-36CC011E5587}"/>
+          </ac:spMkLst>
+        </pc:spChg>
+        <pc:picChg chg="mod">
+          <ac:chgData name="Carlos Sousa" userId="435ad4fb-7ddb-4bb8-a719-37b6e1e0521b" providerId="ADAL" clId="{ED7582DF-8AD8-4843-A164-4643B041E87C}" dt="2022-04-21T22:21:46.713" v="933" actId="26606"/>
+          <ac:picMkLst>
+            <pc:docMk/>
+            <pc:sldMk cId="4134518105" sldId="269"/>
+            <ac:picMk id="5" creationId="{E8345816-F3DD-407C-85C9-B6D091D61C13}"/>
+          </ac:picMkLst>
+        </pc:picChg>
+        <pc:picChg chg="add mod">
+          <ac:chgData name="Carlos Sousa" userId="435ad4fb-7ddb-4bb8-a719-37b6e1e0521b" providerId="ADAL" clId="{ED7582DF-8AD8-4843-A164-4643B041E87C}" dt="2022-04-21T22:27:11.048" v="968" actId="1076"/>
+          <ac:picMkLst>
+            <pc:docMk/>
+            <pc:sldMk cId="4134518105" sldId="269"/>
+            <ac:picMk id="6" creationId="{2389F968-E387-FFC6-35ED-D65BFFF9B1FB}"/>
+          </ac:picMkLst>
+        </pc:picChg>
+      </pc:sldChg>
+      <pc:sldChg chg="addSp delSp modSp mod">
+        <pc:chgData name="Carlos Sousa" userId="435ad4fb-7ddb-4bb8-a719-37b6e1e0521b" providerId="ADAL" clId="{ED7582DF-8AD8-4843-A164-4643B041E87C}" dt="2022-04-21T20:15:37.972" v="656" actId="20577"/>
+        <pc:sldMkLst>
+          <pc:docMk/>
+          <pc:sldMk cId="3271174697" sldId="270"/>
+        </pc:sldMkLst>
+        <pc:spChg chg="del">
+          <ac:chgData name="Carlos Sousa" userId="435ad4fb-7ddb-4bb8-a719-37b6e1e0521b" providerId="ADAL" clId="{ED7582DF-8AD8-4843-A164-4643B041E87C}" dt="2022-04-20T22:04:06.186" v="104" actId="478"/>
+          <ac:spMkLst>
+            <pc:docMk/>
+            <pc:sldMk cId="3271174697" sldId="270"/>
+            <ac:spMk id="2" creationId="{6107D890-25F5-D7AB-6B6E-5BA5299C1CDA}"/>
+          </ac:spMkLst>
+        </pc:spChg>
+        <pc:spChg chg="del">
+          <ac:chgData name="Carlos Sousa" userId="435ad4fb-7ddb-4bb8-a719-37b6e1e0521b" providerId="ADAL" clId="{ED7582DF-8AD8-4843-A164-4643B041E87C}" dt="2022-04-20T22:03:50.981" v="102" actId="478"/>
+          <ac:spMkLst>
+            <pc:docMk/>
+            <pc:sldMk cId="3271174697" sldId="270"/>
+            <ac:spMk id="3" creationId="{655D3BF3-3F10-E632-FB26-AA3172F88221}"/>
+          </ac:spMkLst>
+        </pc:spChg>
+        <pc:spChg chg="add mod">
+          <ac:chgData name="Carlos Sousa" userId="435ad4fb-7ddb-4bb8-a719-37b6e1e0521b" providerId="ADAL" clId="{ED7582DF-8AD8-4843-A164-4643B041E87C}" dt="2022-04-20T22:05:09.691" v="144" actId="255"/>
+          <ac:spMkLst>
+            <pc:docMk/>
+            <pc:sldMk cId="3271174697" sldId="270"/>
+            <ac:spMk id="5" creationId="{17AEAD10-0F18-F00B-8337-60C41726718E}"/>
+          </ac:spMkLst>
+        </pc:spChg>
+        <pc:spChg chg="add mod">
+          <ac:chgData name="Carlos Sousa" userId="435ad4fb-7ddb-4bb8-a719-37b6e1e0521b" providerId="ADAL" clId="{ED7582DF-8AD8-4843-A164-4643B041E87C}" dt="2022-04-21T20:14:43.212" v="653" actId="207"/>
+          <ac:spMkLst>
+            <pc:docMk/>
+            <pc:sldMk cId="3271174697" sldId="270"/>
+            <ac:spMk id="6" creationId="{094EDD15-FAD9-D4ED-F607-6F813B9C01DF}"/>
+          </ac:spMkLst>
+        </pc:spChg>
+        <pc:spChg chg="add del mod">
+          <ac:chgData name="Carlos Sousa" userId="435ad4fb-7ddb-4bb8-a719-37b6e1e0521b" providerId="ADAL" clId="{ED7582DF-8AD8-4843-A164-4643B041E87C}" dt="2022-04-20T22:04:52.359" v="133"/>
+          <ac:spMkLst>
+            <pc:docMk/>
+            <pc:sldMk cId="3271174697" sldId="270"/>
+            <ac:spMk id="6" creationId="{3DF17B76-4484-1797-9276-8415E35BA194}"/>
+          </ac:spMkLst>
+        </pc:spChg>
+        <pc:spChg chg="add mod">
+          <ac:chgData name="Carlos Sousa" userId="435ad4fb-7ddb-4bb8-a719-37b6e1e0521b" providerId="ADAL" clId="{ED7582DF-8AD8-4843-A164-4643B041E87C}" dt="2022-04-21T20:15:37.972" v="656" actId="20577"/>
+          <ac:spMkLst>
+            <pc:docMk/>
+            <pc:sldMk cId="3271174697" sldId="270"/>
+            <ac:spMk id="7" creationId="{BDE15592-A605-3457-BC82-33FBF50DDB98}"/>
+          </ac:spMkLst>
+        </pc:spChg>
+        <pc:spChg chg="add del mod">
+          <ac:chgData name="Carlos Sousa" userId="435ad4fb-7ddb-4bb8-a719-37b6e1e0521b" providerId="ADAL" clId="{ED7582DF-8AD8-4843-A164-4643B041E87C}" dt="2022-04-20T22:04:54.329" v="135"/>
+          <ac:spMkLst>
+            <pc:docMk/>
+            <pc:sldMk cId="3271174697" sldId="270"/>
+            <ac:spMk id="7" creationId="{CA051E17-D487-4DEC-6DF9-A15B8425C837}"/>
+          </ac:spMkLst>
+        </pc:spChg>
+        <pc:spChg chg="add mod">
+          <ac:chgData name="Carlos Sousa" userId="435ad4fb-7ddb-4bb8-a719-37b6e1e0521b" providerId="ADAL" clId="{ED7582DF-8AD8-4843-A164-4643B041E87C}" dt="2022-04-21T20:14:46.097" v="654" actId="207"/>
+          <ac:spMkLst>
+            <pc:docMk/>
+            <pc:sldMk cId="3271174697" sldId="270"/>
+            <ac:spMk id="8" creationId="{99DBEC5D-BE63-8311-9FE7-38F041CF70D0}"/>
+          </ac:spMkLst>
+        </pc:spChg>
+        <pc:spChg chg="add mod">
+          <ac:chgData name="Carlos Sousa" userId="435ad4fb-7ddb-4bb8-a719-37b6e1e0521b" providerId="ADAL" clId="{ED7582DF-8AD8-4843-A164-4643B041E87C}" dt="2022-04-21T20:14:48.929" v="655" actId="207"/>
+          <ac:spMkLst>
+            <pc:docMk/>
+            <pc:sldMk cId="3271174697" sldId="270"/>
+            <ac:spMk id="9" creationId="{F2E0BF8B-95B1-3025-67E9-BAC2FE4F67DD}"/>
+          </ac:spMkLst>
+        </pc:spChg>
+        <pc:picChg chg="add mod">
+          <ac:chgData name="Carlos Sousa" userId="435ad4fb-7ddb-4bb8-a719-37b6e1e0521b" providerId="ADAL" clId="{ED7582DF-8AD8-4843-A164-4643B041E87C}" dt="2022-04-21T17:58:18.528" v="169" actId="1076"/>
+          <ac:picMkLst>
+            <pc:docMk/>
+            <pc:sldMk cId="3271174697" sldId="270"/>
+            <ac:picMk id="3" creationId="{9A83468E-040A-9615-B4E5-2E576D75170F}"/>
+          </ac:picMkLst>
+        </pc:picChg>
+        <pc:picChg chg="add del mod">
+          <ac:chgData name="Carlos Sousa" userId="435ad4fb-7ddb-4bb8-a719-37b6e1e0521b" providerId="ADAL" clId="{ED7582DF-8AD8-4843-A164-4643B041E87C}" dt="2022-04-21T17:57:32.837" v="162" actId="478"/>
+          <ac:picMkLst>
+            <pc:docMk/>
+            <pc:sldMk cId="3271174697" sldId="270"/>
+            <ac:picMk id="4" creationId="{CD998C45-21D3-4029-0A67-52AF2A6A25BC}"/>
+          </ac:picMkLst>
+        </pc:picChg>
+      </pc:sldChg>
+      <pc:sldChg chg="addSp delSp modSp new mod">
+        <pc:chgData name="Carlos Sousa" userId="435ad4fb-7ddb-4bb8-a719-37b6e1e0521b" providerId="ADAL" clId="{ED7582DF-8AD8-4843-A164-4643B041E87C}" dt="2022-04-21T20:24:46.271" v="916" actId="20577"/>
+        <pc:sldMkLst>
+          <pc:docMk/>
+          <pc:sldMk cId="2007657158" sldId="271"/>
+        </pc:sldMkLst>
+        <pc:spChg chg="del">
+          <ac:chgData name="Carlos Sousa" userId="435ad4fb-7ddb-4bb8-a719-37b6e1e0521b" providerId="ADAL" clId="{ED7582DF-8AD8-4843-A164-4643B041E87C}" dt="2022-04-21T20:18:04.542" v="658" actId="478"/>
+          <ac:spMkLst>
+            <pc:docMk/>
+            <pc:sldMk cId="2007657158" sldId="271"/>
+            <ac:spMk id="2" creationId="{EBCB8620-3EC6-6272-EBA8-9BAEA205DA19}"/>
+          </ac:spMkLst>
+        </pc:spChg>
+        <pc:spChg chg="del">
+          <ac:chgData name="Carlos Sousa" userId="435ad4fb-7ddb-4bb8-a719-37b6e1e0521b" providerId="ADAL" clId="{ED7582DF-8AD8-4843-A164-4643B041E87C}" dt="2022-04-21T20:18:06.410" v="659" actId="478"/>
+          <ac:spMkLst>
+            <pc:docMk/>
+            <pc:sldMk cId="2007657158" sldId="271"/>
+            <ac:spMk id="3" creationId="{3B72C636-664E-F128-C125-02BC57B957B9}"/>
+          </ac:spMkLst>
+        </pc:spChg>
+        <pc:spChg chg="add mod">
+          <ac:chgData name="Carlos Sousa" userId="435ad4fb-7ddb-4bb8-a719-37b6e1e0521b" providerId="ADAL" clId="{ED7582DF-8AD8-4843-A164-4643B041E87C}" dt="2022-04-21T20:24:46.271" v="916" actId="20577"/>
+          <ac:spMkLst>
+            <pc:docMk/>
+            <pc:sldMk cId="2007657158" sldId="271"/>
+            <ac:spMk id="4" creationId="{4278F225-0798-0EE5-4C14-DB6AAFB5A0D2}"/>
+          </ac:spMkLst>
+        </pc:spChg>
+      </pc:sldChg>
+    </pc:docChg>
+  </pc:docChgLst>
+  <pc:docChgLst>
+    <pc:chgData name="Bruno Vilarinho" userId="S::b.vilarinho@ua.pt::cd75dfe8-f62a-4d99-b4eb-9e4602d2415b" providerId="AD" clId="Web-{F4FEA842-8B0D-49DF-8791-22E1984378FC}"/>
+    <pc:docChg chg="modSld">
+      <pc:chgData name="Bruno Vilarinho" userId="S::b.vilarinho@ua.pt::cd75dfe8-f62a-4d99-b4eb-9e4602d2415b" providerId="AD" clId="Web-{F4FEA842-8B0D-49DF-8791-22E1984378FC}" dt="2022-04-22T14:23:37.125" v="111" actId="20577"/>
+      <pc:docMkLst>
+        <pc:docMk/>
+      </pc:docMkLst>
+      <pc:sldChg chg="addSp delSp modSp">
+        <pc:chgData name="Bruno Vilarinho" userId="S::b.vilarinho@ua.pt::cd75dfe8-f62a-4d99-b4eb-9e4602d2415b" providerId="AD" clId="Web-{F4FEA842-8B0D-49DF-8791-22E1984378FC}" dt="2022-04-22T14:23:37.125" v="111" actId="20577"/>
+        <pc:sldMkLst>
+          <pc:docMk/>
+          <pc:sldMk cId="2310238170" sldId="267"/>
+        </pc:sldMkLst>
+        <pc:spChg chg="del">
+          <ac:chgData name="Bruno Vilarinho" userId="S::b.vilarinho@ua.pt::cd75dfe8-f62a-4d99-b4eb-9e4602d2415b" providerId="AD" clId="Web-{F4FEA842-8B0D-49DF-8791-22E1984378FC}" dt="2022-04-22T14:18:52.288" v="0"/>
+          <ac:spMkLst>
+            <pc:docMk/>
+            <pc:sldMk cId="2310238170" sldId="267"/>
+            <ac:spMk id="3" creationId="{FDA73E68-5476-574D-80E2-CB028892FE74}"/>
+          </ac:spMkLst>
+        </pc:spChg>
+        <pc:spChg chg="add mod">
+          <ac:chgData name="Bruno Vilarinho" userId="S::b.vilarinho@ua.pt::cd75dfe8-f62a-4d99-b4eb-9e4602d2415b" providerId="AD" clId="Web-{F4FEA842-8B0D-49DF-8791-22E1984378FC}" dt="2022-04-22T14:20:47.604" v="46" actId="1076"/>
+          <ac:spMkLst>
+            <pc:docMk/>
+            <pc:sldMk cId="2310238170" sldId="267"/>
+            <ac:spMk id="8" creationId="{696F96DE-0A49-FE8C-3CE9-104A3394BD9D}"/>
+          </ac:spMkLst>
+        </pc:spChg>
+        <pc:spChg chg="add mod">
+          <ac:chgData name="Bruno Vilarinho" userId="S::b.vilarinho@ua.pt::cd75dfe8-f62a-4d99-b4eb-9e4602d2415b" providerId="AD" clId="Web-{F4FEA842-8B0D-49DF-8791-22E1984378FC}" dt="2022-04-22T14:20:39.182" v="43" actId="1076"/>
+          <ac:spMkLst>
+            <pc:docMk/>
+            <pc:sldMk cId="2310238170" sldId="267"/>
+            <ac:spMk id="10" creationId="{DECBA436-A864-F0BA-C382-EE65EEE01114}"/>
+          </ac:spMkLst>
+        </pc:spChg>
+        <pc:spChg chg="add mod">
+          <ac:chgData name="Bruno Vilarinho" userId="S::b.vilarinho@ua.pt::cd75dfe8-f62a-4d99-b4eb-9e4602d2415b" providerId="AD" clId="Web-{F4FEA842-8B0D-49DF-8791-22E1984378FC}" dt="2022-04-22T14:23:37.125" v="111" actId="20577"/>
+          <ac:spMkLst>
+            <pc:docMk/>
+            <pc:sldMk cId="2310238170" sldId="267"/>
+            <ac:spMk id="12" creationId="{D8FDF9A5-8B3D-D9EE-1B06-DD00F50AE551}"/>
+          </ac:spMkLst>
+        </pc:spChg>
+        <pc:spChg chg="add del mod">
+          <ac:chgData name="Bruno Vilarinho" userId="S::b.vilarinho@ua.pt::cd75dfe8-f62a-4d99-b4eb-9e4602d2415b" providerId="AD" clId="Web-{F4FEA842-8B0D-49DF-8791-22E1984378FC}" dt="2022-04-22T14:22:51.842" v="109"/>
+          <ac:spMkLst>
+            <pc:docMk/>
+            <pc:sldMk cId="2310238170" sldId="267"/>
+            <ac:spMk id="14" creationId="{4FAE0231-2CE6-26F1-4FE8-3FB650E73B47}"/>
+          </ac:spMkLst>
+        </pc:spChg>
+        <pc:picChg chg="add mod ord">
+          <ac:chgData name="Bruno Vilarinho" userId="S::b.vilarinho@ua.pt::cd75dfe8-f62a-4d99-b4eb-9e4602d2415b" providerId="AD" clId="Web-{F4FEA842-8B0D-49DF-8791-22E1984378FC}" dt="2022-04-22T14:20:25.963" v="38" actId="1076"/>
+          <ac:picMkLst>
+            <pc:docMk/>
+            <pc:sldMk cId="2310238170" sldId="267"/>
+            <ac:picMk id="4" creationId="{B99962BC-1E20-9F16-9B33-617B44D2F388}"/>
+          </ac:picMkLst>
+        </pc:picChg>
+        <pc:picChg chg="add mod">
+          <ac:chgData name="Bruno Vilarinho" userId="S::b.vilarinho@ua.pt::cd75dfe8-f62a-4d99-b4eb-9e4602d2415b" providerId="AD" clId="Web-{F4FEA842-8B0D-49DF-8791-22E1984378FC}" dt="2022-04-22T14:20:36.385" v="42" actId="1076"/>
+          <ac:picMkLst>
+            <pc:docMk/>
+            <pc:sldMk cId="2310238170" sldId="267"/>
+            <ac:picMk id="5" creationId="{14BE5B4E-DC30-22C6-B0F8-0C01022B58B7}"/>
+          </ac:picMkLst>
+        </pc:picChg>
+        <pc:picChg chg="add mod">
+          <ac:chgData name="Bruno Vilarinho" userId="S::b.vilarinho@ua.pt::cd75dfe8-f62a-4d99-b4eb-9e4602d2415b" providerId="AD" clId="Web-{F4FEA842-8B0D-49DF-8791-22E1984378FC}" dt="2022-04-22T14:20:44.260" v="45" actId="1076"/>
+          <ac:picMkLst>
+            <pc:docMk/>
+            <pc:sldMk cId="2310238170" sldId="267"/>
+            <ac:picMk id="6" creationId="{5DA96ED9-F78C-6019-2C9A-A3AB0A73FCEB}"/>
+          </ac:picMkLst>
+        </pc:picChg>
       </pc:sldChg>
     </pc:docChg>
   </pc:docChgLst>
@@ -4106,35 +4719,35 @@
             </a:lnSpc>
           </a:pPr>
           <a:r>
-            <a:rPr lang="en-US" sz="1400" err="1"/>
+            <a:rPr lang="en-US" sz="1400" dirty="0" err="1"/>
             <a:t>Aquisição</a:t>
           </a:r>
           <a:r>
-            <a:rPr lang="en-US" sz="1400"/>
+            <a:rPr lang="en-US" sz="1400" dirty="0"/>
             <a:t> de </a:t>
           </a:r>
           <a:r>
-            <a:rPr lang="en-US" sz="1400" err="1"/>
+            <a:rPr lang="en-US" sz="1400" dirty="0" err="1"/>
             <a:t>variáveis</a:t>
           </a:r>
           <a:r>
-            <a:rPr lang="en-US" sz="1400"/>
+            <a:rPr lang="en-US" sz="1400" dirty="0"/>
             <a:t> </a:t>
           </a:r>
           <a:r>
-            <a:rPr lang="en-US" sz="1400" err="1"/>
+            <a:rPr lang="en-US" sz="1400" dirty="0" err="1"/>
             <a:t>em</a:t>
           </a:r>
           <a:r>
-            <a:rPr lang="en-US" sz="1400"/>
+            <a:rPr lang="en-US" sz="1400" dirty="0"/>
             <a:t> </a:t>
           </a:r>
           <a:r>
-            <a:rPr lang="en-US" sz="1400" err="1"/>
+            <a:rPr lang="en-US" sz="1400" dirty="0" err="1"/>
             <a:t>ambiente</a:t>
           </a:r>
           <a:r>
-            <a:rPr lang="en-US" sz="1400"/>
+            <a:rPr lang="en-US" sz="1400" dirty="0"/>
             <a:t> industrial</a:t>
           </a:r>
         </a:p>
@@ -4174,19 +4787,26 @@
         <a:bodyPr/>
         <a:lstStyle/>
         <a:p>
-          <a:pPr>
+          <a:pPr rtl="0">
             <a:lnSpc>
               <a:spcPct val="100000"/>
             </a:lnSpc>
           </a:pPr>
           <a:r>
-            <a:rPr lang="en-US" err="1"/>
+            <a:rPr lang="en-US" dirty="0" err="1"/>
             <a:t>Utilização</a:t>
           </a:r>
           <a:r>
-            <a:rPr lang="en-US"/>
-            <a:t> de base de dados </a:t>
+            <a:rPr lang="en-US" dirty="0"/>
+            <a:t> de base de dados</a:t>
           </a:r>
+          <a:r>
+            <a:rPr lang="en-US" dirty="0">
+              <a:latin typeface="Bierstadt"/>
+            </a:rPr>
+            <a:t> </a:t>
+          </a:r>
+          <a:endParaRPr lang="en-US" dirty="0"/>
         </a:p>
       </dgm:t>
     </dgm:pt>
@@ -4230,19 +4850,21 @@
             </a:lnSpc>
           </a:pPr>
           <a:r>
-            <a:rPr lang="en-US" err="1"/>
+            <a:rPr lang="en-US" dirty="0" err="1"/>
             <a:t>Aplicação</a:t>
           </a:r>
           <a:r>
-            <a:rPr lang="en-US"/>
+            <a:rPr lang="en-US" dirty="0"/>
             <a:t> de </a:t>
           </a:r>
           <a:r>
-            <a:rPr lang="en-US" err="1"/>
-            <a:t>Inteligencia</a:t>
+            <a:rPr lang="en-US" dirty="0" err="1">
+              <a:latin typeface="Bierstadt"/>
+            </a:rPr>
+            <a:t>Inteligência</a:t>
           </a:r>
           <a:r>
-            <a:rPr lang="en-US"/>
+            <a:rPr lang="en-US" dirty="0"/>
             <a:t> artificial e deep learning</a:t>
           </a:r>
         </a:p>
@@ -4288,34 +4910,34 @@
             </a:lnSpc>
           </a:pPr>
           <a:r>
-            <a:rPr lang="en-US" err="1"/>
+            <a:rPr lang="en-US" dirty="0" err="1"/>
             <a:t>Avaliação</a:t>
           </a:r>
           <a:r>
-            <a:rPr lang="en-US"/>
+            <a:rPr lang="en-US" dirty="0"/>
             <a:t> da </a:t>
           </a:r>
           <a:r>
-            <a:rPr lang="en-US" err="1"/>
+            <a:rPr lang="en-US" dirty="0" err="1"/>
             <a:t>variação</a:t>
           </a:r>
           <a:r>
-            <a:rPr lang="en-US"/>
+            <a:rPr lang="en-US" dirty="0"/>
             <a:t> dos dados para </a:t>
           </a:r>
           <a:r>
-            <a:rPr lang="en-US" err="1"/>
+            <a:rPr lang="en-US" dirty="0" err="1"/>
             <a:t>identificar</a:t>
           </a:r>
           <a:r>
-            <a:rPr lang="en-US"/>
+            <a:rPr lang="en-US" dirty="0"/>
             <a:t> </a:t>
           </a:r>
           <a:r>
-            <a:rPr lang="en-US" err="1"/>
+            <a:rPr lang="en-US" dirty="0" err="1"/>
             <a:t>avarias</a:t>
           </a:r>
-          <a:endParaRPr lang="en-US"/>
+          <a:endParaRPr lang="en-US" dirty="0"/>
         </a:p>
       </dgm:t>
     </dgm:pt>
@@ -5123,35 +5745,35 @@
             <a:buNone/>
           </a:pPr>
           <a:r>
-            <a:rPr lang="en-US" sz="1400" kern="1200" err="1"/>
+            <a:rPr lang="en-US" sz="1400" kern="1200" dirty="0" err="1"/>
             <a:t>Aquisição</a:t>
           </a:r>
           <a:r>
-            <a:rPr lang="en-US" sz="1400" kern="1200"/>
+            <a:rPr lang="en-US" sz="1400" kern="1200" dirty="0"/>
             <a:t> de </a:t>
           </a:r>
           <a:r>
-            <a:rPr lang="en-US" sz="1400" kern="1200" err="1"/>
+            <a:rPr lang="en-US" sz="1400" kern="1200" dirty="0" err="1"/>
             <a:t>variáveis</a:t>
           </a:r>
           <a:r>
-            <a:rPr lang="en-US" sz="1400" kern="1200"/>
+            <a:rPr lang="en-US" sz="1400" kern="1200" dirty="0"/>
             <a:t> </a:t>
           </a:r>
           <a:r>
-            <a:rPr lang="en-US" sz="1400" kern="1200" err="1"/>
+            <a:rPr lang="en-US" sz="1400" kern="1200" dirty="0" err="1"/>
             <a:t>em</a:t>
           </a:r>
           <a:r>
-            <a:rPr lang="en-US" sz="1400" kern="1200"/>
+            <a:rPr lang="en-US" sz="1400" kern="1200" dirty="0"/>
             <a:t> </a:t>
           </a:r>
           <a:r>
-            <a:rPr lang="en-US" sz="1400" kern="1200" err="1"/>
+            <a:rPr lang="en-US" sz="1400" kern="1200" dirty="0" err="1"/>
             <a:t>ambiente</a:t>
           </a:r>
           <a:r>
-            <a:rPr lang="en-US" sz="1400" kern="1200"/>
+            <a:rPr lang="en-US" sz="1400" kern="1200" dirty="0"/>
             <a:t> industrial</a:t>
           </a:r>
         </a:p>
@@ -5287,7 +5909,7 @@
         </a:bodyPr>
         <a:lstStyle/>
         <a:p>
-          <a:pPr marL="0" lvl="0" indent="0" algn="l" defTabSz="666750">
+          <a:pPr marL="0" lvl="0" indent="0" algn="l" defTabSz="622300" rtl="0">
             <a:lnSpc>
               <a:spcPct val="100000"/>
             </a:lnSpc>
@@ -5300,13 +5922,20 @@
             <a:buNone/>
           </a:pPr>
           <a:r>
-            <a:rPr lang="en-US" sz="1500" kern="1200" err="1"/>
+            <a:rPr lang="en-US" sz="1400" kern="1200" dirty="0" err="1"/>
             <a:t>Utilização</a:t>
           </a:r>
           <a:r>
-            <a:rPr lang="en-US" sz="1500" kern="1200"/>
-            <a:t> de base de dados </a:t>
+            <a:rPr lang="en-US" sz="1400" kern="1200" dirty="0"/>
+            <a:t> de base de dados</a:t>
           </a:r>
+          <a:r>
+            <a:rPr lang="en-US" sz="1400" kern="1200" dirty="0">
+              <a:latin typeface="Bierstadt"/>
+            </a:rPr>
+            <a:t> </a:t>
+          </a:r>
+          <a:endParaRPr lang="en-US" sz="1400" kern="1200" dirty="0"/>
         </a:p>
       </dsp:txBody>
       <dsp:txXfrm>
@@ -5440,7 +6069,7 @@
         </a:bodyPr>
         <a:lstStyle/>
         <a:p>
-          <a:pPr marL="0" lvl="0" indent="0" algn="l" defTabSz="666750">
+          <a:pPr marL="0" lvl="0" indent="0" algn="l" defTabSz="622300">
             <a:lnSpc>
               <a:spcPct val="100000"/>
             </a:lnSpc>
@@ -5453,19 +6082,21 @@
             <a:buNone/>
           </a:pPr>
           <a:r>
-            <a:rPr lang="en-US" sz="1500" kern="1200" err="1"/>
+            <a:rPr lang="en-US" sz="1400" kern="1200" dirty="0" err="1"/>
             <a:t>Aplicação</a:t>
           </a:r>
           <a:r>
-            <a:rPr lang="en-US" sz="1500" kern="1200"/>
+            <a:rPr lang="en-US" sz="1400" kern="1200" dirty="0"/>
             <a:t> de </a:t>
           </a:r>
           <a:r>
-            <a:rPr lang="en-US" sz="1500" kern="1200" err="1"/>
-            <a:t>Inteligencia</a:t>
+            <a:rPr lang="en-US" sz="1400" kern="1200" dirty="0" err="1">
+              <a:latin typeface="Bierstadt"/>
+            </a:rPr>
+            <a:t>Inteligência</a:t>
           </a:r>
           <a:r>
-            <a:rPr lang="en-US" sz="1500" kern="1200"/>
+            <a:rPr lang="en-US" sz="1400" kern="1200" dirty="0"/>
             <a:t> artificial e deep learning</a:t>
           </a:r>
         </a:p>
@@ -5601,7 +6232,7 @@
         </a:bodyPr>
         <a:lstStyle/>
         <a:p>
-          <a:pPr marL="0" lvl="0" indent="0" algn="l" defTabSz="666750">
+          <a:pPr marL="0" lvl="0" indent="0" algn="l" defTabSz="622300">
             <a:lnSpc>
               <a:spcPct val="100000"/>
             </a:lnSpc>
@@ -5614,34 +6245,34 @@
             <a:buNone/>
           </a:pPr>
           <a:r>
-            <a:rPr lang="en-US" sz="1500" kern="1200" err="1"/>
+            <a:rPr lang="en-US" sz="1400" kern="1200" dirty="0" err="1"/>
             <a:t>Avaliação</a:t>
           </a:r>
           <a:r>
-            <a:rPr lang="en-US" sz="1500" kern="1200"/>
+            <a:rPr lang="en-US" sz="1400" kern="1200" dirty="0"/>
             <a:t> da </a:t>
           </a:r>
           <a:r>
-            <a:rPr lang="en-US" sz="1500" kern="1200" err="1"/>
+            <a:rPr lang="en-US" sz="1400" kern="1200" dirty="0" err="1"/>
             <a:t>variação</a:t>
           </a:r>
           <a:r>
-            <a:rPr lang="en-US" sz="1500" kern="1200"/>
+            <a:rPr lang="en-US" sz="1400" kern="1200" dirty="0"/>
             <a:t> dos dados para </a:t>
           </a:r>
           <a:r>
-            <a:rPr lang="en-US" sz="1500" kern="1200" err="1"/>
+            <a:rPr lang="en-US" sz="1400" kern="1200" dirty="0" err="1"/>
             <a:t>identificar</a:t>
           </a:r>
           <a:r>
-            <a:rPr lang="en-US" sz="1500" kern="1200"/>
+            <a:rPr lang="en-US" sz="1400" kern="1200" dirty="0"/>
             <a:t> </a:t>
           </a:r>
           <a:r>
-            <a:rPr lang="en-US" sz="1500" kern="1200" err="1"/>
+            <a:rPr lang="en-US" sz="1400" kern="1200" dirty="0" err="1"/>
             <a:t>avarias</a:t>
           </a:r>
-          <a:endParaRPr lang="en-US" sz="1500" kern="1200"/>
+          <a:endParaRPr lang="en-US" sz="1400" kern="1200" dirty="0"/>
         </a:p>
       </dsp:txBody>
       <dsp:txXfrm>
@@ -9038,7 +9669,7 @@
           <a:p>
             <a:fld id="{5E7AA473-D82F-4EFF-9DF7-AE6D83C51288}" type="datetime1">
               <a:rPr lang="en-US" smtClean="0"/>
-              <a:t>4/12/22</a:t>
+              <a:t>4/22/2022</a:t>
             </a:fld>
             <a:endParaRPr lang="en-US"/>
           </a:p>
@@ -9291,7 +9922,7 @@
           <a:p>
             <a:fld id="{1E12F1F0-FE2D-4C1C-B320-8CB9BE735F0F}" type="datetime1">
               <a:rPr lang="en-US" smtClean="0"/>
-              <a:t>4/12/22</a:t>
+              <a:t>4/22/2022</a:t>
             </a:fld>
             <a:endParaRPr lang="en-US"/>
           </a:p>
@@ -9557,7 +10188,7 @@
           <a:p>
             <a:fld id="{2CF1B96C-10FD-4EBC-9029-9652B7535D02}" type="datetime1">
               <a:rPr lang="en-US" smtClean="0"/>
-              <a:t>4/12/22</a:t>
+              <a:t>4/22/2022</a:t>
             </a:fld>
             <a:endParaRPr lang="en-US"/>
           </a:p>
@@ -9810,7 +10441,7 @@
           <a:p>
             <a:fld id="{14878474-CC00-4A95-9D50-A41C12D1EEC4}" type="datetime1">
               <a:rPr lang="en-US" smtClean="0"/>
-              <a:t>4/12/22</a:t>
+              <a:t>4/22/2022</a:t>
             </a:fld>
             <a:endParaRPr lang="en-US"/>
           </a:p>
@@ -10087,7 +10718,7 @@
           <a:p>
             <a:fld id="{7F38C8B4-7FBB-408F-BDB9-F0496874AFB2}" type="datetime1">
               <a:rPr lang="en-US" smtClean="0"/>
-              <a:t>4/12/22</a:t>
+              <a:t>4/22/2022</a:t>
             </a:fld>
             <a:endParaRPr lang="en-US"/>
           </a:p>
@@ -10357,7 +10988,7 @@
           <a:p>
             <a:fld id="{2BB8EE20-A5E2-47D3-8F6D-A2BA7AB2E093}" type="datetime1">
               <a:rPr lang="en-US" smtClean="0"/>
-              <a:t>4/12/22</a:t>
+              <a:t>4/22/2022</a:t>
             </a:fld>
             <a:endParaRPr lang="en-US"/>
           </a:p>
@@ -10912,7 +11543,7 @@
           <a:p>
             <a:fld id="{3382CF99-132F-413F-B7EF-71A5C33F2ED6}" type="datetime1">
               <a:rPr lang="en-US" smtClean="0"/>
-              <a:t>4/12/22</a:t>
+              <a:t>4/22/2022</a:t>
             </a:fld>
             <a:endParaRPr lang="en-US"/>
           </a:p>
@@ -11053,7 +11684,7 @@
           <a:p>
             <a:fld id="{1F17AE06-98E0-4D9F-A059-92C3548821BB}" type="datetime1">
               <a:rPr lang="en-US" smtClean="0"/>
-              <a:t>4/12/22</a:t>
+              <a:t>4/22/2022</a:t>
             </a:fld>
             <a:endParaRPr lang="en-US"/>
           </a:p>
@@ -11166,7 +11797,7 @@
           <a:p>
             <a:fld id="{FFBA00CA-3DDC-4705-B840-978EF5EA0707}" type="datetime1">
               <a:rPr lang="en-US" smtClean="0"/>
-              <a:t>4/12/22</a:t>
+              <a:t>4/22/2022</a:t>
             </a:fld>
             <a:endParaRPr lang="en-US"/>
           </a:p>
@@ -11483,7 +12114,7 @@
           <a:p>
             <a:fld id="{FC366D49-0BBA-4C5A-AD96-6448CA63451A}" type="datetime1">
               <a:rPr lang="en-US" smtClean="0"/>
-              <a:t>4/12/22</a:t>
+              <a:t>4/22/2022</a:t>
             </a:fld>
             <a:endParaRPr lang="en-US"/>
           </a:p>
@@ -11778,7 +12409,7 @@
           <a:p>
             <a:fld id="{4F4EB293-A316-472D-A8B4-6947CF1A12B7}" type="datetime1">
               <a:rPr lang="en-US" smtClean="0"/>
-              <a:t>4/12/22</a:t>
+              <a:t>4/22/2022</a:t>
             </a:fld>
             <a:endParaRPr lang="en-US"/>
           </a:p>
@@ -12055,7 +12686,7 @@
           <a:p>
             <a:fld id="{734BCCD4-CEB1-405B-A443-DD9CBCBEA552}" type="datetime1">
               <a:rPr lang="en-US" smtClean="0"/>
-              <a:t>4/12/22</a:t>
+              <a:t>4/22/2022</a:t>
             </a:fld>
             <a:endParaRPr lang="en-US"/>
           </a:p>
@@ -12933,6 +13564,193 @@
           <p:cNvPr id="2" name="Título 1">
             <a:extLst>
               <a:ext uri="{FF2B5EF4-FFF2-40B4-BE49-F238E27FC236}">
+                <a16:creationId xmlns:a16="http://schemas.microsoft.com/office/drawing/2014/main" id="{CD3E51CE-5D64-534B-AB90-4DA09B38367C}"/>
+              </a:ext>
+            </a:extLst>
+          </p:cNvPr>
+          <p:cNvSpPr>
+            <a:spLocks noGrp="1"/>
+          </p:cNvSpPr>
+          <p:nvPr>
+            <p:ph type="title"/>
+          </p:nvPr>
+        </p:nvSpPr>
+        <p:spPr>
+          <a:xfrm>
+            <a:off x="517870" y="978408"/>
+            <a:ext cx="6144298" cy="945395"/>
+          </a:xfrm>
+        </p:spPr>
+        <p:txBody>
+          <a:bodyPr/>
+          <a:lstStyle/>
+          <a:p>
+            <a:r>
+              <a:rPr lang="pt-PT"/>
+              <a:t>Projeto mecânico</a:t>
+            </a:r>
+          </a:p>
+        </p:txBody>
+      </p:sp>
+      <p:sp>
+        <p:nvSpPr>
+          <p:cNvPr id="3" name="Marcador de Posição de Conteúdo 2">
+            <a:extLst>
+              <a:ext uri="{FF2B5EF4-FFF2-40B4-BE49-F238E27FC236}">
+                <a16:creationId xmlns:a16="http://schemas.microsoft.com/office/drawing/2014/main" id="{FD6BE605-0C16-284F-95FC-228687F3B3A3}"/>
+              </a:ext>
+            </a:extLst>
+          </p:cNvPr>
+          <p:cNvSpPr>
+            <a:spLocks noGrp="1"/>
+          </p:cNvSpPr>
+          <p:nvPr>
+            <p:ph idx="1"/>
+          </p:nvPr>
+        </p:nvSpPr>
+        <p:spPr>
+          <a:xfrm>
+            <a:off x="1549400" y="2298700"/>
+            <a:ext cx="3675743" cy="3947421"/>
+          </a:xfrm>
+        </p:spPr>
+        <p:txBody>
+          <a:bodyPr>
+            <a:normAutofit/>
+          </a:bodyPr>
+          <a:lstStyle/>
+          <a:p>
+            <a:r>
+              <a:rPr lang="pt-PT" sz="1800" b="1"/>
+              <a:t>Sistema de alimentação</a:t>
+            </a:r>
+          </a:p>
+          <a:p>
+            <a:pPr marL="342900" indent="-342900">
+              <a:buFont typeface="Arial" panose="020B0604020202020204" pitchFamily="34" charset="0"/>
+              <a:buChar char="•"/>
+            </a:pPr>
+            <a:r>
+              <a:rPr lang="pt-PT" sz="1800"/>
+              <a:t>Conjunto de baterias</a:t>
+            </a:r>
+          </a:p>
+          <a:p>
+            <a:pPr marL="342900" indent="-342900">
+              <a:buFont typeface="Arial" panose="020B0604020202020204" pitchFamily="34" charset="0"/>
+              <a:buChar char="•"/>
+            </a:pPr>
+            <a:endParaRPr lang="pt-PT" sz="1800"/>
+          </a:p>
+          <a:p>
+            <a:r>
+              <a:rPr lang="pt-PT" sz="1800" b="1"/>
+              <a:t>Interface</a:t>
+            </a:r>
+          </a:p>
+          <a:p>
+            <a:pPr marL="342900" indent="-342900">
+              <a:buFont typeface="Arial" panose="020B0604020202020204" pitchFamily="34" charset="0"/>
+              <a:buChar char="•"/>
+            </a:pPr>
+            <a:r>
+              <a:rPr lang="pt-PT" sz="1800"/>
+              <a:t>Tablet</a:t>
+            </a:r>
+          </a:p>
+          <a:p>
+            <a:endParaRPr lang="pt-PT" sz="1800"/>
+          </a:p>
+          <a:p>
+            <a:r>
+              <a:rPr lang="pt-PT" sz="1800" b="1"/>
+              <a:t>Sensores</a:t>
+            </a:r>
+          </a:p>
+          <a:p>
+            <a:r>
+              <a:rPr lang="pt-PT" sz="1800" b="1"/>
+              <a:t>Esp32</a:t>
+            </a:r>
+          </a:p>
+          <a:p>
+            <a:r>
+              <a:rPr lang="pt-PT" sz="1800" b="1"/>
+              <a:t>Amplificadores</a:t>
+            </a:r>
+          </a:p>
+        </p:txBody>
+      </p:sp>
+      <p:pic>
+        <p:nvPicPr>
+          <p:cNvPr id="5" name="Imagem 4">
+            <a:extLst>
+              <a:ext uri="{FF2B5EF4-FFF2-40B4-BE49-F238E27FC236}">
+                <a16:creationId xmlns:a16="http://schemas.microsoft.com/office/drawing/2014/main" id="{D9CA07A8-5E49-1A4E-969B-8914C36259B2}"/>
+              </a:ext>
+            </a:extLst>
+          </p:cNvPr>
+          <p:cNvPicPr>
+            <a:picLocks noChangeAspect="1"/>
+          </p:cNvPicPr>
+          <p:nvPr/>
+        </p:nvPicPr>
+        <p:blipFill rotWithShape="1">
+          <a:blip r:embed="rId2" cstate="print">
+            <a:extLst>
+              <a:ext uri="{28A0092B-C50C-407E-A947-70E740481C1C}">
+                <a14:useLocalDpi xmlns:a14="http://schemas.microsoft.com/office/drawing/2010/main" val="0"/>
+              </a:ext>
+            </a:extLst>
+          </a:blip>
+          <a:srcRect l="21925" r="25500"/>
+          <a:stretch/>
+        </p:blipFill>
+        <p:spPr>
+          <a:xfrm rot="5400000">
+            <a:off x="6369198" y="1456832"/>
+            <a:ext cx="3947420" cy="5631156"/>
+          </a:xfrm>
+          <a:prstGeom prst="rect">
+            <a:avLst/>
+          </a:prstGeom>
+        </p:spPr>
+      </p:pic>
+    </p:spTree>
+    <p:extLst>
+      <p:ext uri="{BB962C8B-B14F-4D97-AF65-F5344CB8AC3E}">
+        <p14:creationId xmlns:p14="http://schemas.microsoft.com/office/powerpoint/2010/main" val="1094402479"/>
+      </p:ext>
+    </p:extLst>
+  </p:cSld>
+  <p:clrMapOvr>
+    <a:masterClrMapping/>
+  </p:clrMapOvr>
+</p:sld>
+</file>
+
+<file path=ppt/slides/slide11.xml><?xml version="1.0" encoding="utf-8"?>
+<p:sld xmlns:a="http://schemas.openxmlformats.org/drawingml/2006/main" xmlns:r="http://schemas.openxmlformats.org/officeDocument/2006/relationships" xmlns:p="http://schemas.openxmlformats.org/presentationml/2006/main">
+  <p:cSld>
+    <p:spTree>
+      <p:nvGrpSpPr>
+        <p:cNvPr id="1" name=""/>
+        <p:cNvGrpSpPr/>
+        <p:nvPr/>
+      </p:nvGrpSpPr>
+      <p:grpSpPr>
+        <a:xfrm>
+          <a:off x="0" y="0"/>
+          <a:ext cx="0" cy="0"/>
+          <a:chOff x="0" y="0"/>
+          <a:chExt cx="0" cy="0"/>
+        </a:xfrm>
+      </p:grpSpPr>
+      <p:sp>
+        <p:nvSpPr>
+          <p:cNvPr id="2" name="Título 1">
+            <a:extLst>
+              <a:ext uri="{FF2B5EF4-FFF2-40B4-BE49-F238E27FC236}">
                 <a16:creationId xmlns:a16="http://schemas.microsoft.com/office/drawing/2014/main" id="{A3F2DCD6-8B39-8E45-A5B6-E8A4DAE560FA}"/>
               </a:ext>
             </a:extLst>
@@ -12957,13 +13775,13 @@
           <a:lstStyle/>
           <a:p>
             <a:r>
-              <a:rPr lang="pt-PT" dirty="0"/>
+              <a:rPr lang="pt-PT"/>
               <a:t>Base de dados</a:t>
             </a:r>
             <a:br>
-              <a:rPr lang="pt-PT" dirty="0"/>
+              <a:rPr lang="pt-PT"/>
             </a:br>
-            <a:endParaRPr lang="pt-PT" dirty="0"/>
+            <a:endParaRPr lang="pt-PT"/>
           </a:p>
         </p:txBody>
       </p:sp>
@@ -13010,7 +13828,7 @@
           <a:p>
             <a:pPr algn="ctr"/>
             <a:r>
-              <a:rPr lang="pt-PT" dirty="0"/>
+              <a:rPr lang="pt-PT"/>
               <a:t>Sensores</a:t>
             </a:r>
           </a:p>
@@ -13059,7 +13877,7 @@
           <a:p>
             <a:pPr algn="ctr"/>
             <a:r>
-              <a:rPr lang="pt-PT" dirty="0"/>
+              <a:rPr lang="pt-PT"/>
               <a:t>Máquinas</a:t>
             </a:r>
           </a:p>
@@ -13098,7 +13916,7 @@
               <a:buChar char="•"/>
             </a:pPr>
             <a:r>
-              <a:rPr lang="pt-PT" sz="1400" dirty="0"/>
+              <a:rPr lang="pt-PT" sz="1400"/>
               <a:t>id_sensor</a:t>
             </a:r>
           </a:p>
@@ -13108,7 +13926,7 @@
               <a:buChar char="•"/>
             </a:pPr>
             <a:r>
-              <a:rPr lang="pt-PT" sz="1400" dirty="0"/>
+              <a:rPr lang="pt-PT" sz="1400"/>
               <a:t>Tipo</a:t>
             </a:r>
           </a:p>
@@ -13118,7 +13936,7 @@
               <a:buChar char="•"/>
             </a:pPr>
             <a:r>
-              <a:rPr lang="pt-PT" sz="1400" dirty="0"/>
+              <a:rPr lang="pt-PT" sz="1400"/>
               <a:t>Unidade</a:t>
             </a:r>
           </a:p>
@@ -13128,7 +13946,7 @@
               <a:buChar char="•"/>
             </a:pPr>
             <a:r>
-              <a:rPr lang="pt-PT" sz="1400" dirty="0"/>
+              <a:rPr lang="pt-PT" sz="1400"/>
               <a:t>Gama de valores</a:t>
             </a:r>
           </a:p>
@@ -13138,7 +13956,7 @@
               <a:buChar char="•"/>
             </a:pPr>
             <a:r>
-              <a:rPr lang="pt-PT" sz="1400" dirty="0"/>
+              <a:rPr lang="pt-PT" sz="1400"/>
               <a:t>Casas decimais</a:t>
             </a:r>
           </a:p>
@@ -13177,7 +13995,7 @@
               <a:buChar char="•"/>
             </a:pPr>
             <a:r>
-              <a:rPr lang="pt-PT" sz="1400" dirty="0"/>
+              <a:rPr lang="pt-PT" sz="1400"/>
               <a:t>id_maq</a:t>
             </a:r>
           </a:p>
@@ -13187,7 +14005,7 @@
               <a:buChar char="•"/>
             </a:pPr>
             <a:r>
-              <a:rPr lang="pt-PT" sz="1400" dirty="0"/>
+              <a:rPr lang="pt-PT" sz="1400"/>
               <a:t>Nome grupo</a:t>
             </a:r>
           </a:p>
@@ -13197,7 +14015,7 @@
               <a:buChar char="•"/>
             </a:pPr>
             <a:r>
-              <a:rPr lang="pt-PT" sz="1400" dirty="0"/>
+              <a:rPr lang="pt-PT" sz="1400"/>
               <a:t>Descrição especifica</a:t>
             </a:r>
           </a:p>
@@ -13207,7 +14025,7 @@
               <a:buChar char="•"/>
             </a:pPr>
             <a:r>
-              <a:rPr lang="pt-PT" sz="1400" dirty="0"/>
+              <a:rPr lang="pt-PT" sz="1400"/>
               <a:t>Grandezas a medir</a:t>
             </a:r>
           </a:p>
@@ -13217,12 +14035,12 @@
               <a:buChar char="•"/>
             </a:pPr>
             <a:r>
-              <a:rPr lang="pt-PT" sz="1400" dirty="0"/>
+              <a:rPr lang="pt-PT" sz="1400"/>
               <a:t>Data</a:t>
             </a:r>
           </a:p>
           <a:p>
-            <a:endParaRPr lang="pt-PT" dirty="0"/>
+            <a:endParaRPr lang="pt-PT"/>
           </a:p>
         </p:txBody>
       </p:sp>
@@ -13269,7 +14087,7 @@
           <a:p>
             <a:pPr algn="ctr"/>
             <a:r>
-              <a:rPr lang="pt-PT" dirty="0"/>
+              <a:rPr lang="pt-PT"/>
               <a:t>Avarias</a:t>
             </a:r>
           </a:p>
@@ -13308,7 +14126,7 @@
               <a:buChar char="•"/>
             </a:pPr>
             <a:r>
-              <a:rPr lang="pt-PT" sz="1400" dirty="0"/>
+              <a:rPr lang="pt-PT" sz="1400"/>
               <a:t>id_maq_grupo</a:t>
             </a:r>
           </a:p>
@@ -13318,7 +14136,7 @@
               <a:buChar char="•"/>
             </a:pPr>
             <a:r>
-              <a:rPr lang="pt-PT" sz="1400" dirty="0"/>
+              <a:rPr lang="pt-PT" sz="1400"/>
               <a:t>id_maq</a:t>
             </a:r>
           </a:p>
@@ -13328,13 +14146,13 @@
               <a:buChar char="•"/>
             </a:pPr>
             <a:r>
-              <a:rPr lang="pt-PT" sz="1400" dirty="0"/>
+              <a:rPr lang="pt-PT" sz="1400"/>
               <a:t>Observações (mensagem a </a:t>
             </a:r>
           </a:p>
           <a:p>
             <a:r>
-              <a:rPr lang="pt-PT" sz="1400" dirty="0"/>
+              <a:rPr lang="pt-PT" sz="1400"/>
               <a:t>avisar que valor esta elevado/avaria)</a:t>
             </a:r>
           </a:p>
@@ -13344,27 +14162,27 @@
               <a:buChar char="•"/>
             </a:pPr>
             <a:r>
-              <a:rPr lang="pt-PT" sz="1400" dirty="0"/>
+              <a:rPr lang="pt-PT" sz="1400"/>
               <a:t>Data</a:t>
             </a:r>
           </a:p>
           <a:p>
-            <a:endParaRPr lang="pt-PT" sz="1400" dirty="0"/>
-          </a:p>
-          <a:p>
-            <a:r>
-              <a:rPr lang="pt-PT" sz="1400" dirty="0"/>
+            <a:endParaRPr lang="pt-PT" sz="1400"/>
+          </a:p>
+          <a:p>
+            <a:r>
+              <a:rPr lang="pt-PT" sz="1400"/>
               <a:t>(Momentâneo enquanto </a:t>
             </a:r>
           </a:p>
           <a:p>
             <a:r>
-              <a:rPr lang="pt-PT" sz="1400" dirty="0"/>
+              <a:rPr lang="pt-PT" sz="1400"/>
               <a:t>avaria não for resolvida)</a:t>
             </a:r>
           </a:p>
           <a:p>
-            <a:endParaRPr lang="pt-PT" dirty="0"/>
+            <a:endParaRPr lang="pt-PT"/>
           </a:p>
         </p:txBody>
       </p:sp>
@@ -13499,7 +14317,7 @@
           <a:p>
             <a:pPr algn="ctr"/>
             <a:r>
-              <a:rPr lang="pt-PT" dirty="0"/>
+              <a:rPr lang="pt-PT"/>
               <a:t>Dados</a:t>
             </a:r>
           </a:p>
@@ -13538,7 +14356,7 @@
               <a:buChar char="•"/>
             </a:pPr>
             <a:r>
-              <a:rPr lang="pt-PT" sz="1400" dirty="0"/>
+              <a:rPr lang="pt-PT" sz="1400"/>
               <a:t>id_maq</a:t>
             </a:r>
           </a:p>
@@ -13548,7 +14366,7 @@
               <a:buChar char="•"/>
             </a:pPr>
             <a:r>
-              <a:rPr lang="pt-PT" sz="1400" dirty="0"/>
+              <a:rPr lang="pt-PT" sz="1400"/>
               <a:t>Valores sensores (coluna)</a:t>
             </a:r>
           </a:p>
@@ -13558,7 +14376,7 @@
               <a:buChar char="•"/>
             </a:pPr>
             <a:r>
-              <a:rPr lang="pt-PT" sz="1400" dirty="0"/>
+              <a:rPr lang="pt-PT" sz="1400"/>
               <a:t>Data</a:t>
             </a:r>
           </a:p>
@@ -13607,7 +14425,7 @@
           <a:p>
             <a:pPr algn="ctr"/>
             <a:r>
-              <a:rPr lang="pt-PT" dirty="0"/>
+              <a:rPr lang="pt-PT"/>
               <a:t>Informação</a:t>
             </a:r>
           </a:p>
@@ -13646,7 +14464,7 @@
               <a:buChar char="•"/>
             </a:pPr>
             <a:r>
-              <a:rPr lang="pt-PT" sz="1400" dirty="0"/>
+              <a:rPr lang="pt-PT" sz="1400"/>
               <a:t>id_maq</a:t>
             </a:r>
           </a:p>
@@ -13656,7 +14474,7 @@
               <a:buChar char="•"/>
             </a:pPr>
             <a:r>
-              <a:rPr lang="pt-PT" sz="1400" dirty="0"/>
+              <a:rPr lang="pt-PT" sz="1400"/>
               <a:t>Avaria</a:t>
             </a:r>
           </a:p>
@@ -13666,7 +14484,7 @@
               <a:buChar char="•"/>
             </a:pPr>
             <a:r>
-              <a:rPr lang="pt-PT" sz="1400" dirty="0"/>
+              <a:rPr lang="pt-PT" sz="1400"/>
               <a:t>Data Avaria (inicio)</a:t>
             </a:r>
           </a:p>
@@ -13676,7 +14494,7 @@
               <a:buChar char="•"/>
             </a:pPr>
             <a:r>
-              <a:rPr lang="pt-PT" sz="1400" dirty="0"/>
+              <a:rPr lang="pt-PT" sz="1400"/>
               <a:t>Manutenção </a:t>
             </a:r>
           </a:p>
@@ -13686,13 +14504,13 @@
               <a:buChar char="•"/>
             </a:pPr>
             <a:r>
-              <a:rPr lang="pt-PT" sz="1400" dirty="0"/>
+              <a:rPr lang="pt-PT" sz="1400"/>
               <a:t>Data Manutenção (resolvida avaria/</a:t>
             </a:r>
           </a:p>
           <a:p>
             <a:r>
-              <a:rPr lang="pt-PT" sz="1400" dirty="0"/>
+              <a:rPr lang="pt-PT" sz="1400"/>
               <a:t>manutenção rotineira)</a:t>
             </a:r>
           </a:p>
@@ -13702,7 +14520,7 @@
               <a:buChar char="•"/>
             </a:pPr>
             <a:r>
-              <a:rPr lang="pt-PT" sz="1400" dirty="0"/>
+              <a:rPr lang="pt-PT" sz="1400"/>
               <a:t>Dias de utilização</a:t>
             </a:r>
           </a:p>
@@ -13712,7 +14530,7 @@
               <a:buChar char="•"/>
             </a:pPr>
             <a:r>
-              <a:rPr lang="pt-PT" sz="1400" dirty="0"/>
+              <a:rPr lang="pt-PT" sz="1400"/>
               <a:t>Nº de avarias</a:t>
             </a:r>
           </a:p>
@@ -13764,7 +14582,7 @@
           <a:p>
             <a:pPr algn="ctr"/>
             <a:r>
-              <a:rPr lang="pt-PT" sz="1200" dirty="0"/>
+              <a:rPr lang="pt-PT" sz="1200"/>
               <a:t>1tabela / máquina</a:t>
             </a:r>
           </a:p>
@@ -13816,7 +14634,7 @@
           <a:p>
             <a:pPr algn="ctr"/>
             <a:r>
-              <a:rPr lang="pt-PT" sz="1200" dirty="0"/>
+              <a:rPr lang="pt-PT" sz="1200"/>
               <a:t>1tabela / grupo de máquina</a:t>
             </a:r>
           </a:p>
@@ -13868,7 +14686,7 @@
           <a:p>
             <a:pPr algn="ctr"/>
             <a:r>
-              <a:rPr lang="pt-PT" sz="1200" dirty="0"/>
+              <a:rPr lang="pt-PT" sz="1200"/>
               <a:t>1tabela / todas as máquinas</a:t>
             </a:r>
           </a:p>
@@ -13964,18 +14782,18 @@
           <a:p>
             <a:pPr algn="ctr"/>
             <a:r>
-              <a:rPr lang="pt-PT" dirty="0" err="1"/>
+              <a:rPr lang="pt-PT" err="1"/>
               <a:t>Machine</a:t>
             </a:r>
             <a:r>
-              <a:rPr lang="pt-PT" dirty="0"/>
+              <a:rPr lang="pt-PT"/>
               <a:t> </a:t>
             </a:r>
             <a:r>
-              <a:rPr lang="pt-PT" dirty="0" err="1"/>
+              <a:rPr lang="pt-PT" err="1"/>
               <a:t>Learning</a:t>
             </a:r>
-            <a:endParaRPr lang="pt-PT" dirty="0"/>
+            <a:endParaRPr lang="pt-PT"/>
           </a:p>
         </p:txBody>
       </p:sp>
@@ -14099,7 +14917,7 @@
               <a:buChar char="•"/>
             </a:pPr>
             <a:r>
-              <a:rPr lang="pt-PT" sz="1200" dirty="0"/>
+              <a:rPr lang="pt-PT" sz="1200"/>
               <a:t>Ter uma constante de tempo para fazer a distinção de idades</a:t>
             </a:r>
           </a:p>
@@ -14109,155 +14927,6 @@
     <p:extLst>
       <p:ext uri="{BB962C8B-B14F-4D97-AF65-F5344CB8AC3E}">
         <p14:creationId xmlns:p14="http://schemas.microsoft.com/office/powerpoint/2010/main" val="2429684524"/>
-      </p:ext>
-    </p:extLst>
-  </p:cSld>
-  <p:clrMapOvr>
-    <a:masterClrMapping/>
-  </p:clrMapOvr>
-</p:sld>
-</file>
-
-<file path=ppt/slides/slide11.xml><?xml version="1.0" encoding="utf-8"?>
-<p:sld xmlns:a="http://schemas.openxmlformats.org/drawingml/2006/main" xmlns:r="http://schemas.openxmlformats.org/officeDocument/2006/relationships" xmlns:p="http://schemas.openxmlformats.org/presentationml/2006/main">
-  <p:cSld>
-    <p:spTree>
-      <p:nvGrpSpPr>
-        <p:cNvPr id="1" name=""/>
-        <p:cNvGrpSpPr/>
-        <p:nvPr/>
-      </p:nvGrpSpPr>
-      <p:grpSpPr>
-        <a:xfrm>
-          <a:off x="0" y="0"/>
-          <a:ext cx="0" cy="0"/>
-          <a:chOff x="0" y="0"/>
-          <a:chExt cx="0" cy="0"/>
-        </a:xfrm>
-      </p:grpSpPr>
-      <p:sp>
-        <p:nvSpPr>
-          <p:cNvPr id="2" name="Título 1">
-            <a:extLst>
-              <a:ext uri="{FF2B5EF4-FFF2-40B4-BE49-F238E27FC236}">
-                <a16:creationId xmlns:a16="http://schemas.microsoft.com/office/drawing/2014/main" id="{96611639-0C30-5F49-9D8E-E657EDA2DF51}"/>
-              </a:ext>
-            </a:extLst>
-          </p:cNvPr>
-          <p:cNvSpPr>
-            <a:spLocks noGrp="1"/>
-          </p:cNvSpPr>
-          <p:nvPr>
-            <p:ph type="title"/>
-          </p:nvPr>
-        </p:nvSpPr>
-        <p:spPr>
-          <a:xfrm>
-            <a:off x="517870" y="978409"/>
-            <a:ext cx="6144298" cy="935452"/>
-          </a:xfrm>
-        </p:spPr>
-        <p:txBody>
-          <a:bodyPr/>
-          <a:lstStyle/>
-          <a:p>
-            <a:r>
-              <a:rPr lang="pt-PT" dirty="0" err="1"/>
-              <a:t>Machine</a:t>
-            </a:r>
-            <a:r>
-              <a:rPr lang="pt-PT" dirty="0"/>
-              <a:t> </a:t>
-            </a:r>
-            <a:r>
-              <a:rPr lang="pt-PT" dirty="0" err="1"/>
-              <a:t>learning</a:t>
-            </a:r>
-            <a:endParaRPr lang="pt-PT" dirty="0"/>
-          </a:p>
-        </p:txBody>
-      </p:sp>
-      <p:sp>
-        <p:nvSpPr>
-          <p:cNvPr id="3" name="Marcador de Posição de Conteúdo 2">
-            <a:extLst>
-              <a:ext uri="{FF2B5EF4-FFF2-40B4-BE49-F238E27FC236}">
-                <a16:creationId xmlns:a16="http://schemas.microsoft.com/office/drawing/2014/main" id="{FDA73E68-5476-574D-80E2-CB028892FE74}"/>
-              </a:ext>
-            </a:extLst>
-          </p:cNvPr>
-          <p:cNvSpPr>
-            <a:spLocks noGrp="1"/>
-          </p:cNvSpPr>
-          <p:nvPr>
-            <p:ph idx="1"/>
-          </p:nvPr>
-        </p:nvSpPr>
-        <p:spPr>
-          <a:xfrm>
-            <a:off x="517870" y="1913861"/>
-            <a:ext cx="10752642" cy="4306186"/>
-          </a:xfrm>
-        </p:spPr>
-        <p:txBody>
-          <a:bodyPr/>
-          <a:lstStyle/>
-          <a:p>
-            <a:endParaRPr lang="pt-PT"/>
-          </a:p>
-        </p:txBody>
-      </p:sp>
-      <p:sp>
-        <p:nvSpPr>
-          <p:cNvPr id="4" name="Retângulo 3">
-            <a:extLst>
-              <a:ext uri="{FF2B5EF4-FFF2-40B4-BE49-F238E27FC236}">
-                <a16:creationId xmlns:a16="http://schemas.microsoft.com/office/drawing/2014/main" id="{F6F37F38-556C-E0B7-79F8-5A085228486D}"/>
-              </a:ext>
-            </a:extLst>
-          </p:cNvPr>
-          <p:cNvSpPr/>
-          <p:nvPr/>
-        </p:nvSpPr>
-        <p:spPr>
-          <a:xfrm>
-            <a:off x="3048000" y="2967335"/>
-            <a:ext cx="6096000" cy="369332"/>
-          </a:xfrm>
-          <a:prstGeom prst="rect">
-            <a:avLst/>
-          </a:prstGeom>
-        </p:spPr>
-        <p:txBody>
-          <a:bodyPr>
-            <a:spAutoFit/>
-          </a:bodyPr>
-          <a:lstStyle/>
-          <a:p>
-            <a:r>
-              <a:rPr lang="pt-PT" dirty="0"/>
-              <a:t>Circuito </a:t>
-            </a:r>
-            <a:r>
-              <a:rPr lang="pt-PT" dirty="0" err="1"/>
-              <a:t>caudalimetro</a:t>
-            </a:r>
-            <a:r>
-              <a:rPr lang="pt-PT" dirty="0"/>
-              <a:t> é necessário o </a:t>
-            </a:r>
-            <a:r>
-              <a:rPr lang="pt-PT" dirty="0" err="1"/>
-              <a:t>transistor</a:t>
-            </a:r>
-            <a:endParaRPr lang="pt-PT" dirty="0"/>
-          </a:p>
-        </p:txBody>
-      </p:sp>
-    </p:spTree>
-    <p:extLst>
-      <p:ext uri="{BB962C8B-B14F-4D97-AF65-F5344CB8AC3E}">
-        <p14:creationId xmlns:p14="http://schemas.microsoft.com/office/powerpoint/2010/main" val="2310238170"/>
       </p:ext>
     </p:extLst>
   </p:cSld>
@@ -14286,55 +14955,78 @@
       </p:grpSpPr>
       <p:sp>
         <p:nvSpPr>
-          <p:cNvPr id="2" name="Título 1">
+          <p:cNvPr id="5" name="Título 1">
             <a:extLst>
               <a:ext uri="{FF2B5EF4-FFF2-40B4-BE49-F238E27FC236}">
-                <a16:creationId xmlns:a16="http://schemas.microsoft.com/office/drawing/2014/main" id="{9F34B483-4B2A-4C4C-8F5D-C1D4A87EDBE9}"/>
+                <a16:creationId xmlns:a16="http://schemas.microsoft.com/office/drawing/2014/main" id="{17AEAD10-0F18-F00B-8337-60C41726718E}"/>
               </a:ext>
             </a:extLst>
           </p:cNvPr>
-          <p:cNvSpPr>
-            <a:spLocks noGrp="1"/>
+          <p:cNvSpPr txBox="1">
+            <a:spLocks/>
           </p:cNvSpPr>
-          <p:nvPr>
-            <p:ph type="title"/>
-          </p:nvPr>
+          <p:nvPr/>
         </p:nvSpPr>
         <p:spPr>
           <a:xfrm>
-            <a:off x="517870" y="978408"/>
-            <a:ext cx="5021182" cy="946085"/>
+            <a:off x="517870" y="978409"/>
+            <a:ext cx="5021182" cy="882290"/>
           </a:xfrm>
+          <a:prstGeom prst="rect">
+            <a:avLst/>
+          </a:prstGeom>
         </p:spPr>
         <p:txBody>
-          <a:bodyPr/>
-          <a:lstStyle/>
-          <a:p>
-            <a:r>
-              <a:rPr lang="pt-PT" dirty="0"/>
-              <a:t>Aplicação WEB</a:t>
-            </a:r>
+          <a:bodyPr vert="horz" lIns="91440" tIns="45720" rIns="91440" bIns="45720" rtlCol="0" anchor="t">
+            <a:normAutofit fontScale="75000" lnSpcReduction="20000"/>
+          </a:bodyPr>
+          <a:lstStyle>
+            <a:lvl1pPr algn="l" defTabSz="914400" rtl="0" eaLnBrk="1" latinLnBrk="0" hangingPunct="1">
+              <a:lnSpc>
+                <a:spcPct val="100000"/>
+              </a:lnSpc>
+              <a:spcBef>
+                <a:spcPct val="0"/>
+              </a:spcBef>
+              <a:buNone/>
+              <a:defRPr sz="5400" b="1" kern="1200">
+                <a:solidFill>
+                  <a:schemeClr val="tx1"/>
+                </a:solidFill>
+                <a:latin typeface="+mj-lt"/>
+                <a:ea typeface="+mj-ea"/>
+                <a:cs typeface="+mj-cs"/>
+              </a:defRPr>
+            </a:lvl1pPr>
+          </a:lstStyle>
+          <a:p>
+            <a:r>
+              <a:rPr lang="pt-PT" sz="6500"/>
+              <a:t>Base de dados</a:t>
+            </a:r>
+            <a:br>
+              <a:rPr lang="pt-PT" sz="1800"/>
+            </a:br>
+            <a:endParaRPr lang="pt-PT" sz="1800"/>
           </a:p>
         </p:txBody>
       </p:sp>
       <p:pic>
         <p:nvPicPr>
-          <p:cNvPr id="5" name="Marcador de Posição de Conteúdo 4">
+          <p:cNvPr id="3" name="Imagem 2">
             <a:extLst>
               <a:ext uri="{FF2B5EF4-FFF2-40B4-BE49-F238E27FC236}">
-                <a16:creationId xmlns:a16="http://schemas.microsoft.com/office/drawing/2014/main" id="{EAC669B9-B599-8140-A94B-8BA859742B59}"/>
+                <a16:creationId xmlns:a16="http://schemas.microsoft.com/office/drawing/2014/main" id="{9A83468E-040A-9615-B4E5-2E576D75170F}"/>
               </a:ext>
             </a:extLst>
           </p:cNvPr>
           <p:cNvPicPr>
-            <a:picLocks noGrp="1" noChangeAspect="1"/>
+            <a:picLocks noChangeAspect="1"/>
           </p:cNvPicPr>
-          <p:nvPr>
-            <p:ph idx="1"/>
-          </p:nvPr>
+          <p:nvPr/>
         </p:nvPicPr>
         <p:blipFill>
-          <a:blip r:embed="rId2" cstate="print">
+          <a:blip r:embed="rId2">
             <a:extLst>
               <a:ext uri="{28A0092B-C50C-407E-A947-70E740481C1C}">
                 <a14:useLocalDpi xmlns:a14="http://schemas.microsoft.com/office/drawing/2010/main" val="0"/>
@@ -14347,41 +15039,8 @@
         </p:blipFill>
         <p:spPr>
           <a:xfrm>
-            <a:off x="7412280" y="4222725"/>
-            <a:ext cx="3258743" cy="2188708"/>
-          </a:xfrm>
-        </p:spPr>
-      </p:pic>
-      <p:pic>
-        <p:nvPicPr>
-          <p:cNvPr id="7" name="Imagem 6">
-            <a:extLst>
-              <a:ext uri="{FF2B5EF4-FFF2-40B4-BE49-F238E27FC236}">
-                <a16:creationId xmlns:a16="http://schemas.microsoft.com/office/drawing/2014/main" id="{5C613A20-AAF9-994B-A09F-B3C4AB2A9F1E}"/>
-              </a:ext>
-            </a:extLst>
-          </p:cNvPr>
-          <p:cNvPicPr>
-            <a:picLocks noChangeAspect="1"/>
-          </p:cNvPicPr>
-          <p:nvPr/>
-        </p:nvPicPr>
-        <p:blipFill>
-          <a:blip r:embed="rId3" cstate="print">
-            <a:extLst>
-              <a:ext uri="{28A0092B-C50C-407E-A947-70E740481C1C}">
-                <a14:useLocalDpi xmlns:a14="http://schemas.microsoft.com/office/drawing/2010/main" val="0"/>
-              </a:ext>
-            </a:extLst>
-          </a:blip>
-          <a:stretch>
-            <a:fillRect/>
-          </a:stretch>
-        </p:blipFill>
-        <p:spPr>
-          <a:xfrm>
-            <a:off x="6343169" y="978408"/>
-            <a:ext cx="5396966" cy="3097077"/>
+            <a:off x="2289544" y="1649739"/>
+            <a:ext cx="7612912" cy="4841695"/>
           </a:xfrm>
           <a:prstGeom prst="rect">
             <a:avLst/>
@@ -14390,10 +15049,10 @@
       </p:pic>
       <p:sp>
         <p:nvSpPr>
-          <p:cNvPr id="11" name="CaixaDeTexto 10">
+          <p:cNvPr id="6" name="CaixaDeTexto 5">
             <a:extLst>
               <a:ext uri="{FF2B5EF4-FFF2-40B4-BE49-F238E27FC236}">
-                <a16:creationId xmlns:a16="http://schemas.microsoft.com/office/drawing/2014/main" id="{D1165E5C-84D6-0F41-A1D4-3029E2BC8412}"/>
+                <a16:creationId xmlns:a16="http://schemas.microsoft.com/office/drawing/2014/main" id="{094EDD15-FAD9-D4ED-F607-6F813B9C01DF}"/>
               </a:ext>
             </a:extLst>
           </p:cNvPr>
@@ -14402,198 +15061,385 @@
         </p:nvSpPr>
         <p:spPr>
           <a:xfrm>
-            <a:off x="517870" y="2300785"/>
-            <a:ext cx="5330962" cy="3016294"/>
+            <a:off x="1384538" y="3301145"/>
+            <a:ext cx="1239909" cy="769441"/>
           </a:xfrm>
           <a:prstGeom prst="rect">
             <a:avLst/>
           </a:prstGeom>
+          <a:solidFill>
+            <a:schemeClr val="bg1">
+              <a:lumMod val="95000"/>
+            </a:schemeClr>
+          </a:solidFill>
+          <a:ln w="28575">
+            <a:solidFill>
+              <a:srgbClr val="4AA9AC"/>
+            </a:solidFill>
+          </a:ln>
         </p:spPr>
         <p:txBody>
-          <a:bodyPr vert="horz" lIns="91440" tIns="45720" rIns="91440" bIns="45720" rtlCol="0">
-            <a:normAutofit/>
+          <a:bodyPr wrap="square" rtlCol="0">
+            <a:spAutoFit/>
           </a:bodyPr>
           <a:lstStyle/>
           <a:p>
-            <a:pPr defTabSz="914400">
-              <a:lnSpc>
-                <a:spcPct val="110000"/>
-              </a:lnSpc>
-              <a:spcAft>
-                <a:spcPts val="600"/>
-              </a:spcAft>
-              <a:buFont typeface="Arial" panose="020B0604020202020204" pitchFamily="34" charset="0"/>
-            </a:pPr>
-            <a:endParaRPr lang="en-US" sz="2000" dirty="0"/>
-          </a:p>
-          <a:p>
-            <a:pPr marL="285750" indent="-285750" defTabSz="914400">
-              <a:lnSpc>
-                <a:spcPct val="110000"/>
-              </a:lnSpc>
-              <a:spcAft>
-                <a:spcPts val="600"/>
-              </a:spcAft>
+            <a:pPr marL="171450" indent="-171450">
               <a:buFont typeface="Arial" panose="020B0604020202020204" pitchFamily="34" charset="0"/>
               <a:buChar char="•"/>
             </a:pPr>
             <a:r>
-              <a:rPr lang="en-US" sz="2000" dirty="0" err="1"/>
-              <a:t>Três</a:t>
-            </a:r>
-            <a:r>
-              <a:rPr lang="en-US" sz="2000" dirty="0"/>
-              <a:t> </a:t>
-            </a:r>
-            <a:r>
-              <a:rPr lang="en-US" sz="2000" dirty="0" err="1"/>
-              <a:t>filtros</a:t>
-            </a:r>
-            <a:r>
-              <a:rPr lang="en-US" sz="2000" dirty="0"/>
-              <a:t> </a:t>
-            </a:r>
-            <a:r>
-              <a:rPr lang="en-US" sz="2000" dirty="0" err="1"/>
-              <a:t>inicialmente</a:t>
-            </a:r>
-            <a:endParaRPr lang="en-US" sz="2000" dirty="0"/>
-          </a:p>
-          <a:p>
-            <a:pPr marL="285750" indent="-285750" defTabSz="914400">
-              <a:lnSpc>
-                <a:spcPct val="110000"/>
-              </a:lnSpc>
-              <a:spcAft>
-                <a:spcPts val="600"/>
-              </a:spcAft>
+              <a:rPr lang="pt-PT" sz="1100"/>
+              <a:t>100</a:t>
+            </a:r>
+          </a:p>
+          <a:p>
+            <a:pPr marL="171450" indent="-171450">
               <a:buFont typeface="Arial" panose="020B0604020202020204" pitchFamily="34" charset="0"/>
               <a:buChar char="•"/>
             </a:pPr>
             <a:r>
-              <a:rPr lang="en-US" sz="2000" dirty="0"/>
-              <a:t>Apos </a:t>
-            </a:r>
-            <a:r>
-              <a:rPr lang="en-US" sz="2000" dirty="0" err="1"/>
-              <a:t>seleção</a:t>
-            </a:r>
-            <a:r>
-              <a:rPr lang="en-US" sz="2000" dirty="0"/>
-              <a:t> dos </a:t>
-            </a:r>
-            <a:r>
-              <a:rPr lang="en-US" sz="2000" dirty="0" err="1"/>
-              <a:t>filtros</a:t>
-            </a:r>
-            <a:endParaRPr lang="en-US" sz="2000" dirty="0"/>
-          </a:p>
-          <a:p>
-            <a:pPr marL="742950" lvl="1" indent="-285750" defTabSz="914400">
-              <a:lnSpc>
-                <a:spcPct val="110000"/>
-              </a:lnSpc>
-              <a:spcAft>
-                <a:spcPts val="600"/>
-              </a:spcAft>
+              <a:rPr lang="pt-PT" sz="1100"/>
+              <a:t>Tapete</a:t>
+            </a:r>
+          </a:p>
+          <a:p>
+            <a:pPr marL="171450" indent="-171450">
               <a:buFont typeface="Arial" panose="020B0604020202020204" pitchFamily="34" charset="0"/>
               <a:buChar char="•"/>
             </a:pPr>
             <a:r>
-              <a:rPr lang="en-US" sz="2000" dirty="0" err="1"/>
-              <a:t>Aparece</a:t>
-            </a:r>
-            <a:r>
-              <a:rPr lang="en-US" sz="2000" dirty="0"/>
-              <a:t> </a:t>
-            </a:r>
-            <a:r>
-              <a:rPr lang="en-US" sz="2000" dirty="0" err="1"/>
-              <a:t>gráfico</a:t>
-            </a:r>
-            <a:r>
-              <a:rPr lang="en-US" sz="2000" dirty="0"/>
-              <a:t> (dados </a:t>
-            </a:r>
-            <a:r>
-              <a:rPr lang="en-US" sz="2000" dirty="0" err="1"/>
-              <a:t>guardados</a:t>
-            </a:r>
-            <a:r>
-              <a:rPr lang="en-US" sz="2000" dirty="0"/>
-              <a:t> </a:t>
-            </a:r>
-            <a:r>
-              <a:rPr lang="en-US" sz="2000" dirty="0" err="1"/>
-              <a:t>na</a:t>
-            </a:r>
-            <a:r>
-              <a:rPr lang="en-US" sz="2000" dirty="0"/>
-              <a:t> base de dados)</a:t>
-            </a:r>
-          </a:p>
-          <a:p>
-            <a:pPr marL="742950" lvl="1" indent="-285750" defTabSz="914400">
-              <a:lnSpc>
-                <a:spcPct val="110000"/>
-              </a:lnSpc>
-              <a:spcAft>
-                <a:spcPts val="600"/>
-              </a:spcAft>
+              <a:rPr lang="pt-PT" sz="1100"/>
+              <a:t>Tapete rolante</a:t>
+            </a:r>
+          </a:p>
+          <a:p>
+            <a:pPr marL="171450" indent="-171450">
               <a:buFont typeface="Arial" panose="020B0604020202020204" pitchFamily="34" charset="0"/>
               <a:buChar char="•"/>
             </a:pPr>
             <a:r>
-              <a:rPr lang="en-US" sz="2000" dirty="0" err="1"/>
-              <a:t>Aparecem</a:t>
-            </a:r>
-            <a:r>
-              <a:rPr lang="en-US" sz="2000" dirty="0"/>
-              <a:t> </a:t>
-            </a:r>
-            <a:r>
-              <a:rPr lang="en-US" sz="2000" dirty="0" err="1"/>
-              <a:t>novos</a:t>
-            </a:r>
-            <a:r>
-              <a:rPr lang="en-US" sz="2000" dirty="0"/>
-              <a:t> para </a:t>
-            </a:r>
-            <a:r>
-              <a:rPr lang="en-US" sz="2000" dirty="0" err="1"/>
-              <a:t>filtrar</a:t>
-            </a:r>
-            <a:r>
-              <a:rPr lang="en-US" sz="2000" dirty="0"/>
-              <a:t> o </a:t>
-            </a:r>
-            <a:r>
-              <a:rPr lang="en-US" sz="2000" dirty="0" err="1"/>
-              <a:t>periodo</a:t>
-            </a:r>
-            <a:r>
-              <a:rPr lang="en-US" sz="2000" dirty="0"/>
-              <a:t> de tempo</a:t>
-            </a:r>
-          </a:p>
-          <a:p>
-            <a:pPr defTabSz="914400">
-              <a:lnSpc>
-                <a:spcPct val="110000"/>
-              </a:lnSpc>
-              <a:spcAft>
-                <a:spcPts val="600"/>
-              </a:spcAft>
+              <a:rPr lang="pt-PT" sz="1100" err="1"/>
+              <a:t>dd</a:t>
+            </a:r>
+            <a:r>
+              <a:rPr lang="pt-PT" sz="1100"/>
+              <a:t>-mm-aa</a:t>
+            </a:r>
+          </a:p>
+        </p:txBody>
+      </p:sp>
+      <p:sp>
+        <p:nvSpPr>
+          <p:cNvPr id="7" name="CaixaDeTexto 6">
+            <a:extLst>
+              <a:ext uri="{FF2B5EF4-FFF2-40B4-BE49-F238E27FC236}">
+                <a16:creationId xmlns:a16="http://schemas.microsoft.com/office/drawing/2014/main" id="{BDE15592-A605-3457-BC82-33FBF50DDB98}"/>
+              </a:ext>
+            </a:extLst>
+          </p:cNvPr>
+          <p:cNvSpPr txBox="1"/>
+          <p:nvPr/>
+        </p:nvSpPr>
+        <p:spPr>
+          <a:xfrm>
+            <a:off x="4361921" y="1879300"/>
+            <a:ext cx="1373861" cy="1107996"/>
+          </a:xfrm>
+          <a:prstGeom prst="rect">
+            <a:avLst/>
+          </a:prstGeom>
+          <a:solidFill>
+            <a:schemeClr val="bg1">
+              <a:lumMod val="95000"/>
+            </a:schemeClr>
+          </a:solidFill>
+          <a:ln w="28575">
+            <a:solidFill>
+              <a:srgbClr val="4AA9AC"/>
+            </a:solidFill>
+          </a:ln>
+        </p:spPr>
+        <p:txBody>
+          <a:bodyPr wrap="square" rtlCol="0">
+            <a:spAutoFit/>
+          </a:bodyPr>
+          <a:lstStyle/>
+          <a:p>
+            <a:pPr marL="171450" indent="-171450">
               <a:buFont typeface="Arial" panose="020B0604020202020204" pitchFamily="34" charset="0"/>
+              <a:buChar char="•"/>
             </a:pPr>
-            <a:endParaRPr lang="en-US" sz="2000" dirty="0"/>
+            <a:r>
+              <a:rPr lang="pt-PT" sz="1100"/>
+              <a:t>100-21300-000</a:t>
+            </a:r>
+          </a:p>
+          <a:p>
+            <a:pPr marL="171450" indent="-171450">
+              <a:buFont typeface="Arial" panose="020B0604020202020204" pitchFamily="34" charset="0"/>
+              <a:buChar char="•"/>
+            </a:pPr>
+            <a:r>
+              <a:rPr lang="pt-PT" sz="1100"/>
+              <a:t>Motor</a:t>
+            </a:r>
+          </a:p>
+          <a:p>
+            <a:pPr marL="171450" indent="-171450">
+              <a:buFont typeface="Arial" panose="020B0604020202020204" pitchFamily="34" charset="0"/>
+              <a:buChar char="•"/>
+            </a:pPr>
+            <a:r>
+              <a:rPr lang="pt-PT" sz="1100"/>
+              <a:t>Motor 6 </a:t>
+            </a:r>
+            <a:r>
+              <a:rPr lang="pt-PT" sz="1100" err="1"/>
+              <a:t>cv</a:t>
+            </a:r>
+            <a:endParaRPr lang="pt-PT" sz="1100"/>
+          </a:p>
+          <a:p>
+            <a:pPr marL="171450" indent="-171450">
+              <a:buFont typeface="Arial" panose="020B0604020202020204" pitchFamily="34" charset="0"/>
+              <a:buChar char="•"/>
+            </a:pPr>
+            <a:r>
+              <a:rPr lang="pt-PT" sz="1100" err="1"/>
+              <a:t>dd</a:t>
+            </a:r>
+            <a:r>
+              <a:rPr lang="pt-PT" sz="1100"/>
+              <a:t>-mm-aa</a:t>
+            </a:r>
+          </a:p>
+          <a:p>
+            <a:pPr marL="171450" indent="-171450">
+              <a:buFont typeface="Arial" panose="020B0604020202020204" pitchFamily="34" charset="0"/>
+              <a:buChar char="•"/>
+            </a:pPr>
+            <a:r>
+              <a:rPr lang="pt-PT" sz="1100"/>
+              <a:t>T, C, </a:t>
+            </a:r>
+            <a:r>
+              <a:rPr lang="pt-PT" sz="1100" err="1"/>
+              <a:t>Vib</a:t>
+            </a:r>
+            <a:endParaRPr lang="pt-PT" sz="1100"/>
+          </a:p>
+          <a:p>
+            <a:pPr marL="171450" indent="-171450">
+              <a:buFont typeface="Arial" panose="020B0604020202020204" pitchFamily="34" charset="0"/>
+              <a:buChar char="•"/>
+            </a:pPr>
+            <a:r>
+              <a:rPr lang="pt-PT" sz="1100"/>
+              <a:t>100</a:t>
+            </a:r>
+          </a:p>
+        </p:txBody>
+      </p:sp>
+      <p:sp>
+        <p:nvSpPr>
+          <p:cNvPr id="8" name="CaixaDeTexto 7">
+            <a:extLst>
+              <a:ext uri="{FF2B5EF4-FFF2-40B4-BE49-F238E27FC236}">
+                <a16:creationId xmlns:a16="http://schemas.microsoft.com/office/drawing/2014/main" id="{99DBEC5D-BE63-8311-9FE7-38F041CF70D0}"/>
+              </a:ext>
+            </a:extLst>
+          </p:cNvPr>
+          <p:cNvSpPr txBox="1"/>
+          <p:nvPr/>
+        </p:nvSpPr>
+        <p:spPr>
+          <a:xfrm>
+            <a:off x="3875978" y="4997302"/>
+            <a:ext cx="1253320" cy="1277273"/>
+          </a:xfrm>
+          <a:prstGeom prst="rect">
+            <a:avLst/>
+          </a:prstGeom>
+          <a:solidFill>
+            <a:schemeClr val="bg1">
+              <a:lumMod val="95000"/>
+            </a:schemeClr>
+          </a:solidFill>
+          <a:ln w="28575">
+            <a:solidFill>
+              <a:srgbClr val="4AA9AC"/>
+            </a:solidFill>
+          </a:ln>
+        </p:spPr>
+        <p:txBody>
+          <a:bodyPr wrap="square" rtlCol="0">
+            <a:spAutoFit/>
+          </a:bodyPr>
+          <a:lstStyle/>
+          <a:p>
+            <a:pPr marL="171450" indent="-171450">
+              <a:buFont typeface="Arial" panose="020B0604020202020204" pitchFamily="34" charset="0"/>
+              <a:buChar char="•"/>
+            </a:pPr>
+            <a:r>
+              <a:rPr lang="pt-PT" sz="1100"/>
+              <a:t>1</a:t>
+            </a:r>
+          </a:p>
+          <a:p>
+            <a:pPr marL="171450" indent="-171450">
+              <a:buFont typeface="Arial" panose="020B0604020202020204" pitchFamily="34" charset="0"/>
+              <a:buChar char="•"/>
+            </a:pPr>
+            <a:r>
+              <a:rPr lang="pt-PT" sz="1100"/>
+              <a:t>Termopar</a:t>
+            </a:r>
+          </a:p>
+          <a:p>
+            <a:pPr marL="171450" indent="-171450">
+              <a:buFont typeface="Arial" panose="020B0604020202020204" pitchFamily="34" charset="0"/>
+              <a:buChar char="•"/>
+            </a:pPr>
+            <a:r>
+              <a:rPr lang="pt-PT" sz="1100"/>
+              <a:t>Termopar tipo k</a:t>
+            </a:r>
+          </a:p>
+          <a:p>
+            <a:pPr marL="171450" indent="-171450">
+              <a:buFont typeface="Arial" panose="020B0604020202020204" pitchFamily="34" charset="0"/>
+              <a:buChar char="•"/>
+            </a:pPr>
+            <a:r>
+              <a:rPr lang="pt-PT" sz="1100"/>
+              <a:t>Temperatura</a:t>
+            </a:r>
+          </a:p>
+          <a:p>
+            <a:pPr marL="171450" indent="-171450">
+              <a:buFont typeface="Arial" panose="020B0604020202020204" pitchFamily="34" charset="0"/>
+              <a:buChar char="•"/>
+            </a:pPr>
+            <a:r>
+              <a:rPr lang="pt-PT" sz="1100" err="1"/>
+              <a:t>ºC</a:t>
+            </a:r>
+            <a:endParaRPr lang="pt-PT" sz="1100"/>
+          </a:p>
+          <a:p>
+            <a:pPr marL="171450" indent="-171450">
+              <a:buFont typeface="Arial" panose="020B0604020202020204" pitchFamily="34" charset="0"/>
+              <a:buChar char="•"/>
+            </a:pPr>
+            <a:r>
+              <a:rPr lang="pt-PT" sz="1100" err="1"/>
+              <a:t>dd</a:t>
+            </a:r>
+            <a:r>
+              <a:rPr lang="pt-PT" sz="1100"/>
+              <a:t>-mm-aa</a:t>
+            </a:r>
+          </a:p>
+        </p:txBody>
+      </p:sp>
+      <p:sp>
+        <p:nvSpPr>
+          <p:cNvPr id="9" name="CaixaDeTexto 8">
+            <a:extLst>
+              <a:ext uri="{FF2B5EF4-FFF2-40B4-BE49-F238E27FC236}">
+                <a16:creationId xmlns:a16="http://schemas.microsoft.com/office/drawing/2014/main" id="{F2E0BF8B-95B1-3025-67E9-BAC2FE4F67DD}"/>
+              </a:ext>
+            </a:extLst>
+          </p:cNvPr>
+          <p:cNvSpPr txBox="1"/>
+          <p:nvPr/>
+        </p:nvSpPr>
+        <p:spPr>
+          <a:xfrm>
+            <a:off x="8815508" y="4738901"/>
+            <a:ext cx="1409146" cy="938719"/>
+          </a:xfrm>
+          <a:prstGeom prst="rect">
+            <a:avLst/>
+          </a:prstGeom>
+          <a:solidFill>
+            <a:schemeClr val="bg1">
+              <a:lumMod val="95000"/>
+            </a:schemeClr>
+          </a:solidFill>
+          <a:ln w="28575">
+            <a:solidFill>
+              <a:srgbClr val="4AA9AC"/>
+            </a:solidFill>
+          </a:ln>
+        </p:spPr>
+        <p:txBody>
+          <a:bodyPr wrap="square" rtlCol="0">
+            <a:spAutoFit/>
+          </a:bodyPr>
+          <a:lstStyle/>
+          <a:p>
+            <a:pPr marL="171450" indent="-171450">
+              <a:buFont typeface="Arial" panose="020B0604020202020204" pitchFamily="34" charset="0"/>
+              <a:buChar char="•"/>
+            </a:pPr>
+            <a:r>
+              <a:rPr lang="pt-PT" sz="1100"/>
+              <a:t>100-21300-000</a:t>
+            </a:r>
+          </a:p>
+          <a:p>
+            <a:pPr marL="171450" indent="-171450">
+              <a:buFont typeface="Arial" panose="020B0604020202020204" pitchFamily="34" charset="0"/>
+              <a:buChar char="•"/>
+            </a:pPr>
+            <a:r>
+              <a:rPr lang="pt-PT" sz="1100"/>
+              <a:t>1</a:t>
+            </a:r>
+          </a:p>
+          <a:p>
+            <a:pPr marL="171450" indent="-171450">
+              <a:buFont typeface="Arial" panose="020B0604020202020204" pitchFamily="34" charset="0"/>
+              <a:buChar char="•"/>
+            </a:pPr>
+            <a:r>
+              <a:rPr lang="pt-PT" sz="1100"/>
+              <a:t>1 casa decimal</a:t>
+            </a:r>
+          </a:p>
+          <a:p>
+            <a:pPr marL="171450" indent="-171450">
+              <a:buFont typeface="Arial" panose="020B0604020202020204" pitchFamily="34" charset="0"/>
+              <a:buChar char="•"/>
+            </a:pPr>
+            <a:r>
+              <a:rPr lang="pt-PT" sz="1100"/>
+              <a:t>Temperatura</a:t>
+            </a:r>
+          </a:p>
+          <a:p>
+            <a:pPr marL="171450" indent="-171450">
+              <a:buFont typeface="Arial" panose="020B0604020202020204" pitchFamily="34" charset="0"/>
+              <a:buChar char="•"/>
+            </a:pPr>
+            <a:r>
+              <a:rPr lang="pt-PT" sz="1100" err="1"/>
+              <a:t>dd</a:t>
+            </a:r>
+            <a:r>
+              <a:rPr lang="pt-PT" sz="1100"/>
+              <a:t>-mm-aa</a:t>
+            </a:r>
           </a:p>
         </p:txBody>
       </p:sp>
     </p:spTree>
     <p:extLst>
       <p:ext uri="{BB962C8B-B14F-4D97-AF65-F5344CB8AC3E}">
-        <p14:creationId xmlns:p14="http://schemas.microsoft.com/office/powerpoint/2010/main" val="647103086"/>
+        <p14:creationId xmlns:p14="http://schemas.microsoft.com/office/powerpoint/2010/main" val="3271174697"/>
       </p:ext>
     </p:extLst>
   </p:cSld>
@@ -14625,7 +15471,7 @@
           <p:cNvPr id="2" name="Título 1">
             <a:extLst>
               <a:ext uri="{FF2B5EF4-FFF2-40B4-BE49-F238E27FC236}">
-                <a16:creationId xmlns:a16="http://schemas.microsoft.com/office/drawing/2014/main" id="{70736958-BAD9-47B1-A6C0-B69ED60E5676}"/>
+                <a16:creationId xmlns:a16="http://schemas.microsoft.com/office/drawing/2014/main" id="{96611639-0C30-5F49-9D8E-E657EDA2DF51}"/>
               </a:ext>
             </a:extLst>
           </p:cNvPr>
@@ -14636,98 +15482,67 @@
             <p:ph type="title"/>
           </p:nvPr>
         </p:nvSpPr>
-        <p:spPr/>
+        <p:spPr>
+          <a:xfrm>
+            <a:off x="517870" y="978409"/>
+            <a:ext cx="6144298" cy="935452"/>
+          </a:xfrm>
+        </p:spPr>
         <p:txBody>
           <a:bodyPr/>
           <a:lstStyle/>
           <a:p>
             <a:r>
-              <a:rPr lang="pt-PT" dirty="0"/>
-              <a:t>Caudalímetro:</a:t>
-            </a:r>
-            <a:br>
-              <a:rPr lang="pt-PT" dirty="0"/>
-            </a:br>
-            <a:br>
-              <a:rPr lang="pt-PT" dirty="0"/>
-            </a:br>
-            <a:endParaRPr lang="pt-PT" dirty="0"/>
-          </a:p>
-        </p:txBody>
-      </p:sp>
-      <p:sp>
-        <p:nvSpPr>
-          <p:cNvPr id="3" name="Marcador de Posição de Conteúdo 2">
-            <a:extLst>
-              <a:ext uri="{FF2B5EF4-FFF2-40B4-BE49-F238E27FC236}">
-                <a16:creationId xmlns:a16="http://schemas.microsoft.com/office/drawing/2014/main" id="{7ADB5E25-5F1C-423E-B2E4-5F6BE9844700}"/>
-              </a:ext>
-            </a:extLst>
-          </p:cNvPr>
-          <p:cNvSpPr>
-            <a:spLocks noGrp="1"/>
-          </p:cNvSpPr>
-          <p:nvPr>
-            <p:ph idx="1"/>
-          </p:nvPr>
-        </p:nvSpPr>
-        <p:spPr/>
-        <p:txBody>
-          <a:bodyPr/>
-          <a:lstStyle/>
-          <a:p>
-            <a:r>
-              <a:rPr lang="pt-PT" dirty="0"/>
-              <a:t>Ligações:</a:t>
-            </a:r>
-          </a:p>
-          <a:p>
-            <a:r>
-              <a:rPr lang="pt-PT" dirty="0"/>
-              <a:t>Castanho: 5V</a:t>
-            </a:r>
-          </a:p>
-          <a:p>
-            <a:r>
-              <a:rPr lang="pt-PT" dirty="0"/>
-              <a:t>Preto: GND</a:t>
-            </a:r>
-          </a:p>
-          <a:p>
-            <a:r>
-              <a:rPr lang="pt-PT" dirty="0"/>
-              <a:t>Azul: sinal</a:t>
-            </a:r>
-          </a:p>
-          <a:p>
-            <a:endParaRPr lang="pt-PT" dirty="0"/>
-          </a:p>
-          <a:p>
-            <a:r>
-              <a:rPr lang="pt-PT" dirty="0"/>
-              <a:t>BC 327</a:t>
-            </a:r>
-          </a:p>
-          <a:p>
-            <a:r>
-              <a:rPr lang="pt-PT" dirty="0"/>
-              <a:t>R=3300</a:t>
-            </a:r>
-          </a:p>
-          <a:p>
-            <a:endParaRPr lang="pt-PT" dirty="0"/>
-          </a:p>
-          <a:p>
-            <a:endParaRPr lang="pt-PT" dirty="0"/>
+              <a:rPr lang="pt-PT" err="1"/>
+              <a:t>Machine</a:t>
+            </a:r>
+            <a:r>
+              <a:rPr lang="pt-PT"/>
+              <a:t> </a:t>
+            </a:r>
+            <a:r>
+              <a:rPr lang="pt-PT" err="1"/>
+              <a:t>learning</a:t>
+            </a:r>
+            <a:endParaRPr lang="pt-PT"/>
           </a:p>
         </p:txBody>
       </p:sp>
       <p:pic>
         <p:nvPicPr>
-          <p:cNvPr id="5" name="Imagem 4">
+          <p:cNvPr id="4" name="Imagem 4" descr="Uma imagem com texto&#10;&#10;Descrição gerada automaticamente">
             <a:extLst>
               <a:ext uri="{FF2B5EF4-FFF2-40B4-BE49-F238E27FC236}">
-                <a16:creationId xmlns:a16="http://schemas.microsoft.com/office/drawing/2014/main" id="{2BA6FF01-5198-47DF-9963-41D5F9F2581A}"/>
+                <a16:creationId xmlns:a16="http://schemas.microsoft.com/office/drawing/2014/main" id="{B99962BC-1E20-9F16-9B33-617B44D2F388}"/>
+              </a:ext>
+            </a:extLst>
+          </p:cNvPr>
+          <p:cNvPicPr>
+            <a:picLocks noGrp="1" noChangeAspect="1"/>
+          </p:cNvPicPr>
+          <p:nvPr>
+            <p:ph idx="1"/>
+          </p:nvPr>
+        </p:nvPicPr>
+        <p:blipFill>
+          <a:blip r:embed="rId2"/>
+          <a:stretch>
+            <a:fillRect/>
+          </a:stretch>
+        </p:blipFill>
+        <p:spPr>
+          <a:xfrm>
+            <a:off x="608915" y="2030191"/>
+            <a:ext cx="7444399" cy="2598372"/>
+          </a:xfrm>
+        </p:spPr>
+      </p:pic>
+      <p:pic>
+        <p:nvPicPr>
+          <p:cNvPr id="5" name="Imagem 5" descr="Uma imagem com mesa&#10;&#10;Descrição gerada automaticamente">
+            <a:extLst>
+              <a:ext uri="{FF2B5EF4-FFF2-40B4-BE49-F238E27FC236}">
+                <a16:creationId xmlns:a16="http://schemas.microsoft.com/office/drawing/2014/main" id="{14BE5B4E-DC30-22C6-B0F8-0C01022B58B7}"/>
               </a:ext>
             </a:extLst>
           </p:cNvPr>
@@ -14736,31 +15551,737 @@
           </p:cNvPicPr>
           <p:nvPr/>
         </p:nvPicPr>
-        <p:blipFill rotWithShape="1">
-          <a:blip r:embed="rId2" cstate="print">
-            <a:extLst>
-              <a:ext uri="{28A0092B-C50C-407E-A947-70E740481C1C}">
-                <a14:useLocalDpi xmlns:a14="http://schemas.microsoft.com/office/drawing/2010/main" val="0"/>
-              </a:ext>
-            </a:extLst>
-          </a:blip>
-          <a:srcRect t="16507" b="37493"/>
-          <a:stretch/>
+        <p:blipFill>
+          <a:blip r:embed="rId3"/>
+          <a:stretch>
+            <a:fillRect/>
+          </a:stretch>
         </p:blipFill>
         <p:spPr>
-          <a:xfrm rot="16200000">
-            <a:off x="1577026" y="2382012"/>
-            <a:ext cx="3164458" cy="3154678"/>
+          <a:xfrm>
+            <a:off x="8579582" y="2448780"/>
+            <a:ext cx="1695450" cy="2409825"/>
           </a:xfrm>
           <a:prstGeom prst="rect">
             <a:avLst/>
           </a:prstGeom>
         </p:spPr>
       </p:pic>
+      <p:pic>
+        <p:nvPicPr>
+          <p:cNvPr id="6" name="Imagem 6" descr="Uma imagem com texto, dispositivo, contador, captura de ecrã&#10;&#10;Descrição gerada automaticamente">
+            <a:extLst>
+              <a:ext uri="{FF2B5EF4-FFF2-40B4-BE49-F238E27FC236}">
+                <a16:creationId xmlns:a16="http://schemas.microsoft.com/office/drawing/2014/main" id="{5DA96ED9-F78C-6019-2C9A-A3AB0A73FCEB}"/>
+              </a:ext>
+            </a:extLst>
+          </p:cNvPr>
+          <p:cNvPicPr>
+            <a:picLocks noChangeAspect="1"/>
+          </p:cNvPicPr>
+          <p:nvPr/>
+        </p:nvPicPr>
+        <p:blipFill>
+          <a:blip r:embed="rId4"/>
+          <a:stretch>
+            <a:fillRect/>
+          </a:stretch>
+        </p:blipFill>
+        <p:spPr>
+          <a:xfrm>
+            <a:off x="7840785" y="5471117"/>
+            <a:ext cx="3895969" cy="722227"/>
+          </a:xfrm>
+          <a:prstGeom prst="rect">
+            <a:avLst/>
+          </a:prstGeom>
+        </p:spPr>
+      </p:pic>
+      <p:sp>
+        <p:nvSpPr>
+          <p:cNvPr id="8" name="Marcador de Posição de Conteúdo 2">
+            <a:extLst>
+              <a:ext uri="{FF2B5EF4-FFF2-40B4-BE49-F238E27FC236}">
+                <a16:creationId xmlns:a16="http://schemas.microsoft.com/office/drawing/2014/main" id="{696F96DE-0A49-FE8C-3CE9-104A3394BD9D}"/>
+              </a:ext>
+            </a:extLst>
+          </p:cNvPr>
+          <p:cNvSpPr txBox="1">
+            <a:spLocks/>
+          </p:cNvSpPr>
+          <p:nvPr/>
+        </p:nvSpPr>
+        <p:spPr>
+          <a:xfrm>
+            <a:off x="7785628" y="5125024"/>
+            <a:ext cx="1194878" cy="340918"/>
+          </a:xfrm>
+          <a:prstGeom prst="rect">
+            <a:avLst/>
+          </a:prstGeom>
+        </p:spPr>
+        <p:txBody>
+          <a:bodyPr vert="horz" lIns="91440" tIns="45720" rIns="91440" bIns="45720" rtlCol="0" anchor="t">
+            <a:normAutofit fontScale="92500" lnSpcReduction="20000"/>
+          </a:bodyPr>
+          <a:lstStyle>
+            <a:lvl1pPr marL="0" indent="0" algn="l" defTabSz="914400" rtl="0" eaLnBrk="1" latinLnBrk="0" hangingPunct="1">
+              <a:lnSpc>
+                <a:spcPct val="110000"/>
+              </a:lnSpc>
+              <a:spcBef>
+                <a:spcPts val="1000"/>
+              </a:spcBef>
+              <a:buFont typeface="Arial" panose="020B0604020202020204" pitchFamily="34" charset="0"/>
+              <a:buNone/>
+              <a:defRPr sz="2000" kern="1200">
+                <a:solidFill>
+                  <a:schemeClr val="tx1"/>
+                </a:solidFill>
+                <a:latin typeface="+mn-lt"/>
+                <a:ea typeface="+mn-ea"/>
+                <a:cs typeface="+mn-cs"/>
+              </a:defRPr>
+            </a:lvl1pPr>
+            <a:lvl2pPr marL="274320" indent="-274320" algn="l" defTabSz="914400" rtl="0" eaLnBrk="1" latinLnBrk="0" hangingPunct="1">
+              <a:lnSpc>
+                <a:spcPct val="110000"/>
+              </a:lnSpc>
+              <a:spcBef>
+                <a:spcPts val="500"/>
+              </a:spcBef>
+              <a:buFont typeface="Arial" panose="020B0604020202020204" pitchFamily="34" charset="0"/>
+              <a:buChar char="•"/>
+              <a:defRPr sz="1800" kern="1200">
+                <a:solidFill>
+                  <a:schemeClr val="tx1"/>
+                </a:solidFill>
+                <a:latin typeface="+mn-lt"/>
+                <a:ea typeface="+mn-ea"/>
+                <a:cs typeface="+mn-cs"/>
+              </a:defRPr>
+            </a:lvl2pPr>
+            <a:lvl3pPr marL="274320" indent="0" algn="l" defTabSz="914400" rtl="0" eaLnBrk="1" latinLnBrk="0" hangingPunct="1">
+              <a:lnSpc>
+                <a:spcPct val="110000"/>
+              </a:lnSpc>
+              <a:spcBef>
+                <a:spcPts val="500"/>
+              </a:spcBef>
+              <a:buFont typeface="Arial" panose="020B0604020202020204" pitchFamily="34" charset="0"/>
+              <a:buNone/>
+              <a:defRPr sz="1800" kern="1200">
+                <a:solidFill>
+                  <a:schemeClr val="tx1"/>
+                </a:solidFill>
+                <a:latin typeface="+mn-lt"/>
+                <a:ea typeface="+mn-ea"/>
+                <a:cs typeface="+mn-cs"/>
+              </a:defRPr>
+            </a:lvl3pPr>
+            <a:lvl4pPr marL="548640" indent="-274320" algn="l" defTabSz="914400" rtl="0" eaLnBrk="1" latinLnBrk="0" hangingPunct="1">
+              <a:lnSpc>
+                <a:spcPct val="110000"/>
+              </a:lnSpc>
+              <a:spcBef>
+                <a:spcPts val="500"/>
+              </a:spcBef>
+              <a:buFont typeface="Arial" panose="020B0604020202020204" pitchFamily="34" charset="0"/>
+              <a:buChar char="•"/>
+              <a:defRPr sz="1600" kern="1200">
+                <a:solidFill>
+                  <a:schemeClr val="tx1"/>
+                </a:solidFill>
+                <a:latin typeface="+mn-lt"/>
+                <a:ea typeface="+mn-ea"/>
+                <a:cs typeface="+mn-cs"/>
+              </a:defRPr>
+            </a:lvl4pPr>
+            <a:lvl5pPr marL="548640" indent="0" algn="l" defTabSz="914400" rtl="0" eaLnBrk="1" latinLnBrk="0" hangingPunct="1">
+              <a:lnSpc>
+                <a:spcPct val="110000"/>
+              </a:lnSpc>
+              <a:spcBef>
+                <a:spcPts val="500"/>
+              </a:spcBef>
+              <a:buFont typeface="Arial" panose="020B0604020202020204" pitchFamily="34" charset="0"/>
+              <a:buNone/>
+              <a:defRPr sz="1600" kern="1200">
+                <a:solidFill>
+                  <a:schemeClr val="tx1"/>
+                </a:solidFill>
+                <a:latin typeface="+mn-lt"/>
+                <a:ea typeface="+mn-ea"/>
+                <a:cs typeface="+mn-cs"/>
+              </a:defRPr>
+            </a:lvl5pPr>
+            <a:lvl6pPr marL="2514600" indent="-228600" algn="l" defTabSz="914400" rtl="0" eaLnBrk="1" latinLnBrk="0" hangingPunct="1">
+              <a:lnSpc>
+                <a:spcPct val="90000"/>
+              </a:lnSpc>
+              <a:spcBef>
+                <a:spcPts val="500"/>
+              </a:spcBef>
+              <a:buFont typeface="Arial" panose="020B0604020202020204" pitchFamily="34" charset="0"/>
+              <a:buChar char="•"/>
+              <a:defRPr sz="1800" kern="1200">
+                <a:solidFill>
+                  <a:schemeClr val="tx1"/>
+                </a:solidFill>
+                <a:latin typeface="+mn-lt"/>
+                <a:ea typeface="+mn-ea"/>
+                <a:cs typeface="+mn-cs"/>
+              </a:defRPr>
+            </a:lvl6pPr>
+            <a:lvl7pPr marL="2971800" indent="-228600" algn="l" defTabSz="914400" rtl="0" eaLnBrk="1" latinLnBrk="0" hangingPunct="1">
+              <a:lnSpc>
+                <a:spcPct val="90000"/>
+              </a:lnSpc>
+              <a:spcBef>
+                <a:spcPts val="500"/>
+              </a:spcBef>
+              <a:buFont typeface="Arial" panose="020B0604020202020204" pitchFamily="34" charset="0"/>
+              <a:buChar char="•"/>
+              <a:defRPr sz="1800" kern="1200">
+                <a:solidFill>
+                  <a:schemeClr val="tx1"/>
+                </a:solidFill>
+                <a:latin typeface="+mn-lt"/>
+                <a:ea typeface="+mn-ea"/>
+                <a:cs typeface="+mn-cs"/>
+              </a:defRPr>
+            </a:lvl7pPr>
+            <a:lvl8pPr marL="3429000" indent="-228600" algn="l" defTabSz="914400" rtl="0" eaLnBrk="1" latinLnBrk="0" hangingPunct="1">
+              <a:lnSpc>
+                <a:spcPct val="90000"/>
+              </a:lnSpc>
+              <a:spcBef>
+                <a:spcPts val="500"/>
+              </a:spcBef>
+              <a:buFont typeface="Arial" panose="020B0604020202020204" pitchFamily="34" charset="0"/>
+              <a:buChar char="•"/>
+              <a:defRPr sz="1800" kern="1200">
+                <a:solidFill>
+                  <a:schemeClr val="tx1"/>
+                </a:solidFill>
+                <a:latin typeface="+mn-lt"/>
+                <a:ea typeface="+mn-ea"/>
+                <a:cs typeface="+mn-cs"/>
+              </a:defRPr>
+            </a:lvl8pPr>
+            <a:lvl9pPr marL="3886200" indent="-228600" algn="l" defTabSz="914400" rtl="0" eaLnBrk="1" latinLnBrk="0" hangingPunct="1">
+              <a:lnSpc>
+                <a:spcPct val="90000"/>
+              </a:lnSpc>
+              <a:spcBef>
+                <a:spcPts val="500"/>
+              </a:spcBef>
+              <a:buFont typeface="Arial" panose="020B0604020202020204" pitchFamily="34" charset="0"/>
+              <a:buChar char="•"/>
+              <a:defRPr sz="1800" kern="1200">
+                <a:solidFill>
+                  <a:schemeClr val="tx1"/>
+                </a:solidFill>
+                <a:latin typeface="+mn-lt"/>
+                <a:ea typeface="+mn-ea"/>
+                <a:cs typeface="+mn-cs"/>
+              </a:defRPr>
+            </a:lvl9pPr>
+          </a:lstStyle>
+          <a:p>
+            <a:pPr>
+              <a:lnSpc>
+                <a:spcPct val="100000"/>
+              </a:lnSpc>
+            </a:pPr>
+            <a:r>
+              <a:rPr lang="pt-PT" b="1" dirty="0"/>
+              <a:t>OUTPUT</a:t>
+            </a:r>
+          </a:p>
+          <a:p>
+            <a:pPr indent="0">
+              <a:lnSpc>
+                <a:spcPct val="100000"/>
+              </a:lnSpc>
+              <a:buNone/>
+            </a:pPr>
+            <a:endParaRPr lang="pt-PT" sz="2000"/>
+          </a:p>
+        </p:txBody>
+      </p:sp>
+      <p:sp>
+        <p:nvSpPr>
+          <p:cNvPr id="10" name="Marcador de Posição de Conteúdo 2">
+            <a:extLst>
+              <a:ext uri="{FF2B5EF4-FFF2-40B4-BE49-F238E27FC236}">
+                <a16:creationId xmlns:a16="http://schemas.microsoft.com/office/drawing/2014/main" id="{DECBA436-A864-F0BA-C382-EE65EEE01114}"/>
+              </a:ext>
+            </a:extLst>
+          </p:cNvPr>
+          <p:cNvSpPr txBox="1">
+            <a:spLocks/>
+          </p:cNvSpPr>
+          <p:nvPr/>
+        </p:nvSpPr>
+        <p:spPr>
+          <a:xfrm>
+            <a:off x="8576936" y="1979332"/>
+            <a:ext cx="970186" cy="467918"/>
+          </a:xfrm>
+          <a:prstGeom prst="rect">
+            <a:avLst/>
+          </a:prstGeom>
+        </p:spPr>
+        <p:txBody>
+          <a:bodyPr vert="horz" lIns="91440" tIns="45720" rIns="91440" bIns="45720" rtlCol="0" anchor="t">
+            <a:normAutofit/>
+          </a:bodyPr>
+          <a:lstStyle>
+            <a:lvl1pPr marL="0" indent="0" algn="l" defTabSz="914400" rtl="0" eaLnBrk="1" latinLnBrk="0" hangingPunct="1">
+              <a:lnSpc>
+                <a:spcPct val="110000"/>
+              </a:lnSpc>
+              <a:spcBef>
+                <a:spcPts val="1000"/>
+              </a:spcBef>
+              <a:buFont typeface="Arial" panose="020B0604020202020204" pitchFamily="34" charset="0"/>
+              <a:buNone/>
+              <a:defRPr sz="2000" kern="1200">
+                <a:solidFill>
+                  <a:schemeClr val="tx1"/>
+                </a:solidFill>
+                <a:latin typeface="+mn-lt"/>
+                <a:ea typeface="+mn-ea"/>
+                <a:cs typeface="+mn-cs"/>
+              </a:defRPr>
+            </a:lvl1pPr>
+            <a:lvl2pPr marL="274320" indent="-274320" algn="l" defTabSz="914400" rtl="0" eaLnBrk="1" latinLnBrk="0" hangingPunct="1">
+              <a:lnSpc>
+                <a:spcPct val="110000"/>
+              </a:lnSpc>
+              <a:spcBef>
+                <a:spcPts val="500"/>
+              </a:spcBef>
+              <a:buFont typeface="Arial" panose="020B0604020202020204" pitchFamily="34" charset="0"/>
+              <a:buChar char="•"/>
+              <a:defRPr sz="1800" kern="1200">
+                <a:solidFill>
+                  <a:schemeClr val="tx1"/>
+                </a:solidFill>
+                <a:latin typeface="+mn-lt"/>
+                <a:ea typeface="+mn-ea"/>
+                <a:cs typeface="+mn-cs"/>
+              </a:defRPr>
+            </a:lvl2pPr>
+            <a:lvl3pPr marL="274320" indent="0" algn="l" defTabSz="914400" rtl="0" eaLnBrk="1" latinLnBrk="0" hangingPunct="1">
+              <a:lnSpc>
+                <a:spcPct val="110000"/>
+              </a:lnSpc>
+              <a:spcBef>
+                <a:spcPts val="500"/>
+              </a:spcBef>
+              <a:buFont typeface="Arial" panose="020B0604020202020204" pitchFamily="34" charset="0"/>
+              <a:buNone/>
+              <a:defRPr sz="1800" kern="1200">
+                <a:solidFill>
+                  <a:schemeClr val="tx1"/>
+                </a:solidFill>
+                <a:latin typeface="+mn-lt"/>
+                <a:ea typeface="+mn-ea"/>
+                <a:cs typeface="+mn-cs"/>
+              </a:defRPr>
+            </a:lvl3pPr>
+            <a:lvl4pPr marL="548640" indent="-274320" algn="l" defTabSz="914400" rtl="0" eaLnBrk="1" latinLnBrk="0" hangingPunct="1">
+              <a:lnSpc>
+                <a:spcPct val="110000"/>
+              </a:lnSpc>
+              <a:spcBef>
+                <a:spcPts val="500"/>
+              </a:spcBef>
+              <a:buFont typeface="Arial" panose="020B0604020202020204" pitchFamily="34" charset="0"/>
+              <a:buChar char="•"/>
+              <a:defRPr sz="1600" kern="1200">
+                <a:solidFill>
+                  <a:schemeClr val="tx1"/>
+                </a:solidFill>
+                <a:latin typeface="+mn-lt"/>
+                <a:ea typeface="+mn-ea"/>
+                <a:cs typeface="+mn-cs"/>
+              </a:defRPr>
+            </a:lvl4pPr>
+            <a:lvl5pPr marL="548640" indent="0" algn="l" defTabSz="914400" rtl="0" eaLnBrk="1" latinLnBrk="0" hangingPunct="1">
+              <a:lnSpc>
+                <a:spcPct val="110000"/>
+              </a:lnSpc>
+              <a:spcBef>
+                <a:spcPts val="500"/>
+              </a:spcBef>
+              <a:buFont typeface="Arial" panose="020B0604020202020204" pitchFamily="34" charset="0"/>
+              <a:buNone/>
+              <a:defRPr sz="1600" kern="1200">
+                <a:solidFill>
+                  <a:schemeClr val="tx1"/>
+                </a:solidFill>
+                <a:latin typeface="+mn-lt"/>
+                <a:ea typeface="+mn-ea"/>
+                <a:cs typeface="+mn-cs"/>
+              </a:defRPr>
+            </a:lvl5pPr>
+            <a:lvl6pPr marL="2514600" indent="-228600" algn="l" defTabSz="914400" rtl="0" eaLnBrk="1" latinLnBrk="0" hangingPunct="1">
+              <a:lnSpc>
+                <a:spcPct val="90000"/>
+              </a:lnSpc>
+              <a:spcBef>
+                <a:spcPts val="500"/>
+              </a:spcBef>
+              <a:buFont typeface="Arial" panose="020B0604020202020204" pitchFamily="34" charset="0"/>
+              <a:buChar char="•"/>
+              <a:defRPr sz="1800" kern="1200">
+                <a:solidFill>
+                  <a:schemeClr val="tx1"/>
+                </a:solidFill>
+                <a:latin typeface="+mn-lt"/>
+                <a:ea typeface="+mn-ea"/>
+                <a:cs typeface="+mn-cs"/>
+              </a:defRPr>
+            </a:lvl6pPr>
+            <a:lvl7pPr marL="2971800" indent="-228600" algn="l" defTabSz="914400" rtl="0" eaLnBrk="1" latinLnBrk="0" hangingPunct="1">
+              <a:lnSpc>
+                <a:spcPct val="90000"/>
+              </a:lnSpc>
+              <a:spcBef>
+                <a:spcPts val="500"/>
+              </a:spcBef>
+              <a:buFont typeface="Arial" panose="020B0604020202020204" pitchFamily="34" charset="0"/>
+              <a:buChar char="•"/>
+              <a:defRPr sz="1800" kern="1200">
+                <a:solidFill>
+                  <a:schemeClr val="tx1"/>
+                </a:solidFill>
+                <a:latin typeface="+mn-lt"/>
+                <a:ea typeface="+mn-ea"/>
+                <a:cs typeface="+mn-cs"/>
+              </a:defRPr>
+            </a:lvl7pPr>
+            <a:lvl8pPr marL="3429000" indent="-228600" algn="l" defTabSz="914400" rtl="0" eaLnBrk="1" latinLnBrk="0" hangingPunct="1">
+              <a:lnSpc>
+                <a:spcPct val="90000"/>
+              </a:lnSpc>
+              <a:spcBef>
+                <a:spcPts val="500"/>
+              </a:spcBef>
+              <a:buFont typeface="Arial" panose="020B0604020202020204" pitchFamily="34" charset="0"/>
+              <a:buChar char="•"/>
+              <a:defRPr sz="1800" kern="1200">
+                <a:solidFill>
+                  <a:schemeClr val="tx1"/>
+                </a:solidFill>
+                <a:latin typeface="+mn-lt"/>
+                <a:ea typeface="+mn-ea"/>
+                <a:cs typeface="+mn-cs"/>
+              </a:defRPr>
+            </a:lvl8pPr>
+            <a:lvl9pPr marL="3886200" indent="-228600" algn="l" defTabSz="914400" rtl="0" eaLnBrk="1" latinLnBrk="0" hangingPunct="1">
+              <a:lnSpc>
+                <a:spcPct val="90000"/>
+              </a:lnSpc>
+              <a:spcBef>
+                <a:spcPts val="500"/>
+              </a:spcBef>
+              <a:buFont typeface="Arial" panose="020B0604020202020204" pitchFamily="34" charset="0"/>
+              <a:buChar char="•"/>
+              <a:defRPr sz="1800" kern="1200">
+                <a:solidFill>
+                  <a:schemeClr val="tx1"/>
+                </a:solidFill>
+                <a:latin typeface="+mn-lt"/>
+                <a:ea typeface="+mn-ea"/>
+                <a:cs typeface="+mn-cs"/>
+              </a:defRPr>
+            </a:lvl9pPr>
+          </a:lstStyle>
+          <a:p>
+            <a:pPr>
+              <a:lnSpc>
+                <a:spcPct val="100000"/>
+              </a:lnSpc>
+            </a:pPr>
+            <a:r>
+              <a:rPr lang="pt-PT" b="1" dirty="0"/>
+              <a:t>INPUT</a:t>
+            </a:r>
+          </a:p>
+          <a:p>
+            <a:pPr lvl="3">
+              <a:lnSpc>
+                <a:spcPct val="100000"/>
+              </a:lnSpc>
+            </a:pPr>
+            <a:endParaRPr lang="pt-PT" sz="2000" dirty="0"/>
+          </a:p>
+          <a:p>
+            <a:pPr>
+              <a:lnSpc>
+                <a:spcPct val="100000"/>
+              </a:lnSpc>
+            </a:pPr>
+            <a:endParaRPr lang="pt-PT"/>
+          </a:p>
+        </p:txBody>
+      </p:sp>
+      <p:sp>
+        <p:nvSpPr>
+          <p:cNvPr id="12" name="Marcador de Posição de Conteúdo 2">
+            <a:extLst>
+              <a:ext uri="{FF2B5EF4-FFF2-40B4-BE49-F238E27FC236}">
+                <a16:creationId xmlns:a16="http://schemas.microsoft.com/office/drawing/2014/main" id="{D8FDF9A5-8B3D-D9EE-1B06-DD00F50AE551}"/>
+              </a:ext>
+            </a:extLst>
+          </p:cNvPr>
+          <p:cNvSpPr txBox="1">
+            <a:spLocks/>
+          </p:cNvSpPr>
+          <p:nvPr/>
+        </p:nvSpPr>
+        <p:spPr>
+          <a:xfrm>
+            <a:off x="517320" y="5066408"/>
+            <a:ext cx="4985339" cy="1063841"/>
+          </a:xfrm>
+          <a:prstGeom prst="rect">
+            <a:avLst/>
+          </a:prstGeom>
+        </p:spPr>
+        <p:txBody>
+          <a:bodyPr vert="horz" lIns="91440" tIns="45720" rIns="91440" bIns="45720" rtlCol="0" anchor="t">
+            <a:normAutofit fontScale="85000" lnSpcReduction="10000"/>
+          </a:bodyPr>
+          <a:lstStyle>
+            <a:lvl1pPr marL="0" indent="0" algn="l" defTabSz="914400" rtl="0" eaLnBrk="1" latinLnBrk="0" hangingPunct="1">
+              <a:lnSpc>
+                <a:spcPct val="110000"/>
+              </a:lnSpc>
+              <a:spcBef>
+                <a:spcPts val="1000"/>
+              </a:spcBef>
+              <a:buFont typeface="Arial" panose="020B0604020202020204" pitchFamily="34" charset="0"/>
+              <a:buNone/>
+              <a:defRPr sz="2000" kern="1200">
+                <a:solidFill>
+                  <a:schemeClr val="tx1"/>
+                </a:solidFill>
+                <a:latin typeface="+mn-lt"/>
+                <a:ea typeface="+mn-ea"/>
+                <a:cs typeface="+mn-cs"/>
+              </a:defRPr>
+            </a:lvl1pPr>
+            <a:lvl2pPr marL="274320" indent="-274320" algn="l" defTabSz="914400" rtl="0" eaLnBrk="1" latinLnBrk="0" hangingPunct="1">
+              <a:lnSpc>
+                <a:spcPct val="110000"/>
+              </a:lnSpc>
+              <a:spcBef>
+                <a:spcPts val="500"/>
+              </a:spcBef>
+              <a:buFont typeface="Arial" panose="020B0604020202020204" pitchFamily="34" charset="0"/>
+              <a:buChar char="•"/>
+              <a:defRPr sz="1800" kern="1200">
+                <a:solidFill>
+                  <a:schemeClr val="tx1"/>
+                </a:solidFill>
+                <a:latin typeface="+mn-lt"/>
+                <a:ea typeface="+mn-ea"/>
+                <a:cs typeface="+mn-cs"/>
+              </a:defRPr>
+            </a:lvl2pPr>
+            <a:lvl3pPr marL="274320" indent="0" algn="l" defTabSz="914400" rtl="0" eaLnBrk="1" latinLnBrk="0" hangingPunct="1">
+              <a:lnSpc>
+                <a:spcPct val="110000"/>
+              </a:lnSpc>
+              <a:spcBef>
+                <a:spcPts val="500"/>
+              </a:spcBef>
+              <a:buFont typeface="Arial" panose="020B0604020202020204" pitchFamily="34" charset="0"/>
+              <a:buNone/>
+              <a:defRPr sz="1800" kern="1200">
+                <a:solidFill>
+                  <a:schemeClr val="tx1"/>
+                </a:solidFill>
+                <a:latin typeface="+mn-lt"/>
+                <a:ea typeface="+mn-ea"/>
+                <a:cs typeface="+mn-cs"/>
+              </a:defRPr>
+            </a:lvl3pPr>
+            <a:lvl4pPr marL="548640" indent="-274320" algn="l" defTabSz="914400" rtl="0" eaLnBrk="1" latinLnBrk="0" hangingPunct="1">
+              <a:lnSpc>
+                <a:spcPct val="110000"/>
+              </a:lnSpc>
+              <a:spcBef>
+                <a:spcPts val="500"/>
+              </a:spcBef>
+              <a:buFont typeface="Arial" panose="020B0604020202020204" pitchFamily="34" charset="0"/>
+              <a:buChar char="•"/>
+              <a:defRPr sz="1600" kern="1200">
+                <a:solidFill>
+                  <a:schemeClr val="tx1"/>
+                </a:solidFill>
+                <a:latin typeface="+mn-lt"/>
+                <a:ea typeface="+mn-ea"/>
+                <a:cs typeface="+mn-cs"/>
+              </a:defRPr>
+            </a:lvl4pPr>
+            <a:lvl5pPr marL="548640" indent="0" algn="l" defTabSz="914400" rtl="0" eaLnBrk="1" latinLnBrk="0" hangingPunct="1">
+              <a:lnSpc>
+                <a:spcPct val="110000"/>
+              </a:lnSpc>
+              <a:spcBef>
+                <a:spcPts val="500"/>
+              </a:spcBef>
+              <a:buFont typeface="Arial" panose="020B0604020202020204" pitchFamily="34" charset="0"/>
+              <a:buNone/>
+              <a:defRPr sz="1600" kern="1200">
+                <a:solidFill>
+                  <a:schemeClr val="tx1"/>
+                </a:solidFill>
+                <a:latin typeface="+mn-lt"/>
+                <a:ea typeface="+mn-ea"/>
+                <a:cs typeface="+mn-cs"/>
+              </a:defRPr>
+            </a:lvl5pPr>
+            <a:lvl6pPr marL="2514600" indent="-228600" algn="l" defTabSz="914400" rtl="0" eaLnBrk="1" latinLnBrk="0" hangingPunct="1">
+              <a:lnSpc>
+                <a:spcPct val="90000"/>
+              </a:lnSpc>
+              <a:spcBef>
+                <a:spcPts val="500"/>
+              </a:spcBef>
+              <a:buFont typeface="Arial" panose="020B0604020202020204" pitchFamily="34" charset="0"/>
+              <a:buChar char="•"/>
+              <a:defRPr sz="1800" kern="1200">
+                <a:solidFill>
+                  <a:schemeClr val="tx1"/>
+                </a:solidFill>
+                <a:latin typeface="+mn-lt"/>
+                <a:ea typeface="+mn-ea"/>
+                <a:cs typeface="+mn-cs"/>
+              </a:defRPr>
+            </a:lvl6pPr>
+            <a:lvl7pPr marL="2971800" indent="-228600" algn="l" defTabSz="914400" rtl="0" eaLnBrk="1" latinLnBrk="0" hangingPunct="1">
+              <a:lnSpc>
+                <a:spcPct val="90000"/>
+              </a:lnSpc>
+              <a:spcBef>
+                <a:spcPts val="500"/>
+              </a:spcBef>
+              <a:buFont typeface="Arial" panose="020B0604020202020204" pitchFamily="34" charset="0"/>
+              <a:buChar char="•"/>
+              <a:defRPr sz="1800" kern="1200">
+                <a:solidFill>
+                  <a:schemeClr val="tx1"/>
+                </a:solidFill>
+                <a:latin typeface="+mn-lt"/>
+                <a:ea typeface="+mn-ea"/>
+                <a:cs typeface="+mn-cs"/>
+              </a:defRPr>
+            </a:lvl7pPr>
+            <a:lvl8pPr marL="3429000" indent="-228600" algn="l" defTabSz="914400" rtl="0" eaLnBrk="1" latinLnBrk="0" hangingPunct="1">
+              <a:lnSpc>
+                <a:spcPct val="90000"/>
+              </a:lnSpc>
+              <a:spcBef>
+                <a:spcPts val="500"/>
+              </a:spcBef>
+              <a:buFont typeface="Arial" panose="020B0604020202020204" pitchFamily="34" charset="0"/>
+              <a:buChar char="•"/>
+              <a:defRPr sz="1800" kern="1200">
+                <a:solidFill>
+                  <a:schemeClr val="tx1"/>
+                </a:solidFill>
+                <a:latin typeface="+mn-lt"/>
+                <a:ea typeface="+mn-ea"/>
+                <a:cs typeface="+mn-cs"/>
+              </a:defRPr>
+            </a:lvl8pPr>
+            <a:lvl9pPr marL="3886200" indent="-228600" algn="l" defTabSz="914400" rtl="0" eaLnBrk="1" latinLnBrk="0" hangingPunct="1">
+              <a:lnSpc>
+                <a:spcPct val="90000"/>
+              </a:lnSpc>
+              <a:spcBef>
+                <a:spcPts val="500"/>
+              </a:spcBef>
+              <a:buFont typeface="Arial" panose="020B0604020202020204" pitchFamily="34" charset="0"/>
+              <a:buChar char="•"/>
+              <a:defRPr sz="1800" kern="1200">
+                <a:solidFill>
+                  <a:schemeClr val="tx1"/>
+                </a:solidFill>
+                <a:latin typeface="+mn-lt"/>
+                <a:ea typeface="+mn-ea"/>
+                <a:cs typeface="+mn-cs"/>
+              </a:defRPr>
+            </a:lvl9pPr>
+          </a:lstStyle>
+          <a:p>
+            <a:pPr>
+              <a:lnSpc>
+                <a:spcPct val="100000"/>
+              </a:lnSpc>
+            </a:pPr>
+            <a:r>
+              <a:rPr lang="pt-PT" b="1" dirty="0"/>
+              <a:t>Pandas – </a:t>
+            </a:r>
+            <a:r>
+              <a:rPr lang="pt-PT"/>
+              <a:t>manipulação</a:t>
+            </a:r>
+            <a:r>
+              <a:rPr lang="pt-PT" dirty="0"/>
+              <a:t> e análise de dados, usado para leitura do ficheiro </a:t>
+            </a:r>
+            <a:r>
+              <a:rPr lang="pt-PT" dirty="0" err="1"/>
+              <a:t>csv</a:t>
+            </a:r>
+            <a:r>
+              <a:rPr lang="pt-PT" dirty="0"/>
+              <a:t> com os dados</a:t>
+            </a:r>
+          </a:p>
+          <a:p>
+            <a:pPr>
+              <a:lnSpc>
+                <a:spcPct val="100000"/>
+              </a:lnSpc>
+            </a:pPr>
+            <a:r>
+              <a:rPr lang="pt-PT" b="1" dirty="0" err="1"/>
+              <a:t>IsolationForest</a:t>
+            </a:r>
+            <a:r>
+              <a:rPr lang="pt-PT" b="1" dirty="0"/>
+              <a:t> - </a:t>
+            </a:r>
+            <a:r>
+              <a:rPr lang="pt-PT" dirty="0"/>
+              <a:t>Deteção de anomalias</a:t>
+            </a:r>
+            <a:endParaRPr lang="pt-PT" sz="2000" dirty="0"/>
+          </a:p>
+          <a:p>
+            <a:pPr>
+              <a:lnSpc>
+                <a:spcPct val="100000"/>
+              </a:lnSpc>
+            </a:pPr>
+            <a:endParaRPr lang="pt-PT"/>
+          </a:p>
+        </p:txBody>
+      </p:sp>
     </p:spTree>
     <p:extLst>
       <p:ext uri="{BB962C8B-B14F-4D97-AF65-F5344CB8AC3E}">
-        <p14:creationId xmlns:p14="http://schemas.microsoft.com/office/powerpoint/2010/main" val="3896419883"/>
+        <p14:creationId xmlns:p14="http://schemas.microsoft.com/office/powerpoint/2010/main" val="2310238170"/>
       </p:ext>
     </p:extLst>
   </p:cSld>
@@ -14773,6 +16294,14 @@
 <file path=ppt/slides/slide14.xml><?xml version="1.0" encoding="utf-8"?>
 <p:sld xmlns:a="http://schemas.openxmlformats.org/drawingml/2006/main" xmlns:r="http://schemas.openxmlformats.org/officeDocument/2006/relationships" xmlns:p="http://schemas.openxmlformats.org/presentationml/2006/main">
   <p:cSld>
+    <p:bg>
+      <p:bgPr>
+        <a:solidFill>
+          <a:schemeClr val="bg2"/>
+        </a:solidFill>
+        <a:effectLst/>
+      </p:bgPr>
+    </p:bg>
     <p:spTree>
       <p:nvGrpSpPr>
         <p:cNvPr id="1" name=""/>
@@ -14789,10 +16318,262 @@
       </p:grpSpPr>
       <p:sp>
         <p:nvSpPr>
+          <p:cNvPr id="15" name="Rectangle 14">
+            <a:extLst>
+              <a:ext uri="{FF2B5EF4-FFF2-40B4-BE49-F238E27FC236}">
+                <a16:creationId xmlns:a16="http://schemas.microsoft.com/office/drawing/2014/main" id="{ADE57300-C7FF-4578-99A0-42B0295B123C}"/>
+              </a:ext>
+              <a:ext uri="{C183D7F6-B498-43B3-948B-1728B52AA6E4}">
+                <adec:decorative xmlns:adec="http://schemas.microsoft.com/office/drawing/2017/decorative" val="1"/>
+              </a:ext>
+            </a:extLst>
+          </p:cNvPr>
+          <p:cNvSpPr>
+            <a:spLocks noGrp="1" noRot="1" noChangeAspect="1" noMove="1" noResize="1" noEditPoints="1" noAdjustHandles="1" noChangeArrowheads="1" noChangeShapeType="1" noTextEdit="1"/>
+          </p:cNvSpPr>
+          <p:nvPr>
+            <p:extLst>
+              <p:ext uri="{386F3935-93C4-4BCD-93E2-E3B085C9AB24}">
+                <p16:designElem xmlns:p16="http://schemas.microsoft.com/office/powerpoint/2015/main" val="1"/>
+              </p:ext>
+            </p:extLst>
+          </p:nvPr>
+        </p:nvSpPr>
+        <p:spPr>
+          <a:xfrm>
+            <a:off x="517870" y="508090"/>
+            <a:ext cx="5021183" cy="149279"/>
+          </a:xfrm>
+          <a:prstGeom prst="rect">
+            <a:avLst/>
+          </a:prstGeom>
+          <a:solidFill>
+            <a:schemeClr val="tx1"/>
+          </a:solidFill>
+          <a:ln>
+            <a:noFill/>
+          </a:ln>
+        </p:spPr>
+        <p:style>
+          <a:lnRef idx="2">
+            <a:schemeClr val="accent1">
+              <a:shade val="50000"/>
+            </a:schemeClr>
+          </a:lnRef>
+          <a:fillRef idx="1">
+            <a:schemeClr val="accent1"/>
+          </a:fillRef>
+          <a:effectRef idx="0">
+            <a:schemeClr val="accent1"/>
+          </a:effectRef>
+          <a:fontRef idx="minor">
+            <a:schemeClr val="lt1"/>
+          </a:fontRef>
+        </p:style>
+        <p:txBody>
+          <a:bodyPr rtlCol="0" anchor="ctr"/>
+          <a:lstStyle/>
+          <a:p>
+            <a:pPr algn="ctr"/>
+            <a:endParaRPr lang="en-US"/>
+          </a:p>
+        </p:txBody>
+      </p:sp>
+      <p:sp>
+        <p:nvSpPr>
+          <p:cNvPr id="17" name="Rectangle 16">
+            <a:extLst>
+              <a:ext uri="{FF2B5EF4-FFF2-40B4-BE49-F238E27FC236}">
+                <a16:creationId xmlns:a16="http://schemas.microsoft.com/office/drawing/2014/main" id="{F3FF94B3-6D3E-44FE-BB02-A9027C0003C7}"/>
+              </a:ext>
+              <a:ext uri="{C183D7F6-B498-43B3-948B-1728B52AA6E4}">
+                <adec:decorative xmlns:adec="http://schemas.microsoft.com/office/drawing/2017/decorative" val="1"/>
+              </a:ext>
+            </a:extLst>
+          </p:cNvPr>
+          <p:cNvSpPr>
+            <a:spLocks noGrp="1" noRot="1" noChangeAspect="1" noMove="1" noResize="1" noEditPoints="1" noAdjustHandles="1" noChangeArrowheads="1" noChangeShapeType="1" noTextEdit="1"/>
+          </p:cNvSpPr>
+          <p:nvPr>
+            <p:extLst>
+              <p:ext uri="{386F3935-93C4-4BCD-93E2-E3B085C9AB24}">
+                <p16:designElem xmlns:p16="http://schemas.microsoft.com/office/powerpoint/2015/main" val="1"/>
+              </p:ext>
+            </p:extLst>
+          </p:nvPr>
+        </p:nvSpPr>
+        <p:spPr>
+          <a:xfrm>
+            <a:off x="6662168" y="6209925"/>
+            <a:ext cx="5021183" cy="45719"/>
+          </a:xfrm>
+          <a:prstGeom prst="rect">
+            <a:avLst/>
+          </a:prstGeom>
+          <a:solidFill>
+            <a:schemeClr val="tx1"/>
+          </a:solidFill>
+          <a:ln>
+            <a:noFill/>
+          </a:ln>
+        </p:spPr>
+        <p:style>
+          <a:lnRef idx="2">
+            <a:schemeClr val="accent1">
+              <a:shade val="50000"/>
+            </a:schemeClr>
+          </a:lnRef>
+          <a:fillRef idx="1">
+            <a:schemeClr val="accent1"/>
+          </a:fillRef>
+          <a:effectRef idx="0">
+            <a:schemeClr val="accent1"/>
+          </a:effectRef>
+          <a:fontRef idx="minor">
+            <a:schemeClr val="lt1"/>
+          </a:fontRef>
+        </p:style>
+        <p:txBody>
+          <a:bodyPr rtlCol="0" anchor="ctr"/>
+          <a:lstStyle/>
+          <a:p>
+            <a:pPr algn="ctr"/>
+            <a:endParaRPr lang="en-US"/>
+          </a:p>
+        </p:txBody>
+      </p:sp>
+      <p:sp useBgFill="1">
+        <p:nvSpPr>
+          <p:cNvPr id="19" name="Rectangle 18">
+            <a:extLst>
+              <a:ext uri="{FF2B5EF4-FFF2-40B4-BE49-F238E27FC236}">
+                <a16:creationId xmlns:a16="http://schemas.microsoft.com/office/drawing/2014/main" id="{67A7C490-FB0D-4946-BDB7-1CF2F58DAE01}"/>
+              </a:ext>
+              <a:ext uri="{C183D7F6-B498-43B3-948B-1728B52AA6E4}">
+                <adec:decorative xmlns:adec="http://schemas.microsoft.com/office/drawing/2017/decorative" val="1"/>
+              </a:ext>
+            </a:extLst>
+          </p:cNvPr>
+          <p:cNvSpPr>
+            <a:spLocks noGrp="1" noRot="1" noChangeAspect="1" noMove="1" noResize="1" noEditPoints="1" noAdjustHandles="1" noChangeArrowheads="1" noChangeShapeType="1" noTextEdit="1"/>
+          </p:cNvSpPr>
+          <p:nvPr>
+            <p:extLst>
+              <p:ext uri="{386F3935-93C4-4BCD-93E2-E3B085C9AB24}">
+                <p16:designElem xmlns:p16="http://schemas.microsoft.com/office/powerpoint/2015/main" val="1"/>
+              </p:ext>
+            </p:extLst>
+          </p:nvPr>
+        </p:nvSpPr>
+        <p:spPr>
+          <a:xfrm>
+            <a:off x="0" y="0"/>
+            <a:ext cx="12188952" cy="6857995"/>
+          </a:xfrm>
+          <a:prstGeom prst="rect">
+            <a:avLst/>
+          </a:prstGeom>
+          <a:ln>
+            <a:noFill/>
+          </a:ln>
+        </p:spPr>
+        <p:style>
+          <a:lnRef idx="2">
+            <a:schemeClr val="accent1">
+              <a:shade val="50000"/>
+            </a:schemeClr>
+          </a:lnRef>
+          <a:fillRef idx="1">
+            <a:schemeClr val="accent1"/>
+          </a:fillRef>
+          <a:effectRef idx="0">
+            <a:schemeClr val="accent1"/>
+          </a:effectRef>
+          <a:fontRef idx="minor">
+            <a:schemeClr val="lt1"/>
+          </a:fontRef>
+        </p:style>
+        <p:txBody>
+          <a:bodyPr rtlCol="0" anchor="ctr"/>
+          <a:lstStyle/>
+          <a:p>
+            <a:pPr algn="ctr"/>
+            <a:endParaRPr lang="en-US"/>
+          </a:p>
+        </p:txBody>
+      </p:sp>
+      <p:sp>
+        <p:nvSpPr>
+          <p:cNvPr id="21" name="Rectangle 20">
+            <a:extLst>
+              <a:ext uri="{FF2B5EF4-FFF2-40B4-BE49-F238E27FC236}">
+                <a16:creationId xmlns:a16="http://schemas.microsoft.com/office/drawing/2014/main" id="{A455898E-1D0B-453B-A8AB-E169E93C0EE4}"/>
+              </a:ext>
+              <a:ext uri="{C183D7F6-B498-43B3-948B-1728B52AA6E4}">
+                <adec:decorative xmlns:adec="http://schemas.microsoft.com/office/drawing/2017/decorative" val="1"/>
+              </a:ext>
+            </a:extLst>
+          </p:cNvPr>
+          <p:cNvSpPr>
+            <a:spLocks noGrp="1" noRot="1" noChangeAspect="1" noMove="1" noResize="1" noEditPoints="1" noAdjustHandles="1" noChangeArrowheads="1" noChangeShapeType="1" noTextEdit="1"/>
+          </p:cNvSpPr>
+          <p:nvPr>
+            <p:extLst>
+              <p:ext uri="{386F3935-93C4-4BCD-93E2-E3B085C9AB24}">
+                <p16:designElem xmlns:p16="http://schemas.microsoft.com/office/powerpoint/2015/main" val="1"/>
+              </p:ext>
+            </p:extLst>
+          </p:nvPr>
+        </p:nvSpPr>
+        <p:spPr>
+          <a:xfrm>
+            <a:off x="0" y="0"/>
+            <a:ext cx="12188952" cy="6857995"/>
+          </a:xfrm>
+          <a:prstGeom prst="rect">
+            <a:avLst/>
+          </a:prstGeom>
+          <a:solidFill>
+            <a:schemeClr val="bg2">
+              <a:lumMod val="90000"/>
+              <a:alpha val="40000"/>
+            </a:schemeClr>
+          </a:solidFill>
+          <a:ln>
+            <a:noFill/>
+          </a:ln>
+        </p:spPr>
+        <p:style>
+          <a:lnRef idx="2">
+            <a:schemeClr val="accent1">
+              <a:shade val="50000"/>
+            </a:schemeClr>
+          </a:lnRef>
+          <a:fillRef idx="1">
+            <a:schemeClr val="accent1"/>
+          </a:fillRef>
+          <a:effectRef idx="0">
+            <a:schemeClr val="accent1"/>
+          </a:effectRef>
+          <a:fontRef idx="minor">
+            <a:schemeClr val="lt1"/>
+          </a:fontRef>
+        </p:style>
+        <p:txBody>
+          <a:bodyPr rtlCol="0" anchor="ctr"/>
+          <a:lstStyle/>
+          <a:p>
+            <a:pPr algn="ctr"/>
+            <a:endParaRPr lang="en-US"/>
+          </a:p>
+        </p:txBody>
+      </p:sp>
+      <p:sp>
+        <p:nvSpPr>
           <p:cNvPr id="2" name="Título 1">
             <a:extLst>
               <a:ext uri="{FF2B5EF4-FFF2-40B4-BE49-F238E27FC236}">
-                <a16:creationId xmlns:a16="http://schemas.microsoft.com/office/drawing/2014/main" id="{8D97126F-F5C6-4299-8C0F-0029E5D006F4}"/>
+                <a16:creationId xmlns:a16="http://schemas.microsoft.com/office/drawing/2014/main" id="{9F34B483-4B2A-4C4C-8F5D-C1D4A87EDBE9}"/>
               </a:ext>
             </a:extLst>
           </p:cNvPr>
@@ -14803,24 +16584,262 @@
             <p:ph type="title"/>
           </p:nvPr>
         </p:nvSpPr>
-        <p:spPr/>
+        <p:spPr>
+          <a:xfrm>
+            <a:off x="517870" y="978408"/>
+            <a:ext cx="6117661" cy="2334247"/>
+          </a:xfrm>
+        </p:spPr>
         <p:txBody>
-          <a:bodyPr/>
+          <a:bodyPr vert="horz" lIns="91440" tIns="45720" rIns="91440" bIns="45720" rtlCol="0" anchor="t">
+            <a:normAutofit/>
+          </a:bodyPr>
           <a:lstStyle/>
           <a:p>
             <a:r>
-              <a:rPr lang="pt-PT" dirty="0"/>
-              <a:t>Termopar:</a:t>
+              <a:rPr lang="en-US"/>
+              <a:t>Aplicação WEB</a:t>
             </a:r>
           </a:p>
         </p:txBody>
       </p:sp>
       <p:sp>
         <p:nvSpPr>
-          <p:cNvPr id="3" name="Marcador de Posição de Conteúdo 2">
+          <p:cNvPr id="23" name="Rectangle 22">
             <a:extLst>
               <a:ext uri="{FF2B5EF4-FFF2-40B4-BE49-F238E27FC236}">
-                <a16:creationId xmlns:a16="http://schemas.microsoft.com/office/drawing/2014/main" id="{FCFD5D91-5C27-4988-9546-02392ABD0EDC}"/>
+                <a16:creationId xmlns:a16="http://schemas.microsoft.com/office/drawing/2014/main" id="{B2C335F7-F61C-4EB4-80F2-4B1438FE66BB}"/>
+              </a:ext>
+              <a:ext uri="{C183D7F6-B498-43B3-948B-1728B52AA6E4}">
+                <adec:decorative xmlns:adec="http://schemas.microsoft.com/office/drawing/2017/decorative" val="1"/>
+              </a:ext>
+            </a:extLst>
+          </p:cNvPr>
+          <p:cNvSpPr>
+            <a:spLocks noGrp="1" noRot="1" noChangeAspect="1" noMove="1" noResize="1" noEditPoints="1" noAdjustHandles="1" noChangeArrowheads="1" noChangeShapeType="1" noTextEdit="1"/>
+          </p:cNvSpPr>
+          <p:nvPr>
+            <p:extLst>
+              <p:ext uri="{386F3935-93C4-4BCD-93E2-E3B085C9AB24}">
+                <p16:designElem xmlns:p16="http://schemas.microsoft.com/office/powerpoint/2015/main" val="1"/>
+              </p:ext>
+            </p:extLst>
+          </p:nvPr>
+        </p:nvSpPr>
+        <p:spPr>
+          <a:xfrm>
+            <a:off x="517870" y="508090"/>
+            <a:ext cx="6126480" cy="149279"/>
+          </a:xfrm>
+          <a:prstGeom prst="rect">
+            <a:avLst/>
+          </a:prstGeom>
+          <a:solidFill>
+            <a:schemeClr val="tx1"/>
+          </a:solidFill>
+          <a:ln>
+            <a:noFill/>
+          </a:ln>
+        </p:spPr>
+        <p:style>
+          <a:lnRef idx="2">
+            <a:schemeClr val="accent1">
+              <a:shade val="50000"/>
+            </a:schemeClr>
+          </a:lnRef>
+          <a:fillRef idx="1">
+            <a:schemeClr val="accent1"/>
+          </a:fillRef>
+          <a:effectRef idx="0">
+            <a:schemeClr val="accent1"/>
+          </a:effectRef>
+          <a:fontRef idx="minor">
+            <a:schemeClr val="lt1"/>
+          </a:fontRef>
+        </p:style>
+        <p:txBody>
+          <a:bodyPr rtlCol="0" anchor="ctr"/>
+          <a:lstStyle/>
+          <a:p>
+            <a:pPr algn="ctr"/>
+            <a:endParaRPr lang="en-US"/>
+          </a:p>
+        </p:txBody>
+      </p:sp>
+      <p:pic>
+        <p:nvPicPr>
+          <p:cNvPr id="8" name="Imagem 7">
+            <a:extLst>
+              <a:ext uri="{FF2B5EF4-FFF2-40B4-BE49-F238E27FC236}">
+                <a16:creationId xmlns:a16="http://schemas.microsoft.com/office/drawing/2014/main" id="{8FE960AE-30B3-6967-A801-35D8FAE5A0D3}"/>
+              </a:ext>
+            </a:extLst>
+          </p:cNvPr>
+          <p:cNvPicPr>
+            <a:picLocks noChangeAspect="1"/>
+          </p:cNvPicPr>
+          <p:nvPr/>
+        </p:nvPicPr>
+        <p:blipFill rotWithShape="1">
+          <a:blip r:embed="rId2">
+            <a:extLst>
+              <a:ext uri="{28A0092B-C50C-407E-A947-70E740481C1C}">
+                <a14:useLocalDpi xmlns:a14="http://schemas.microsoft.com/office/drawing/2010/main" val="0"/>
+              </a:ext>
+            </a:extLst>
+          </a:blip>
+          <a:srcRect r="-4" b="1650"/>
+          <a:stretch/>
+        </p:blipFill>
+        <p:spPr>
+          <a:xfrm>
+            <a:off x="823819" y="3312655"/>
+            <a:ext cx="5165508" cy="3175075"/>
+          </a:xfrm>
+          <a:prstGeom prst="rect">
+            <a:avLst/>
+          </a:prstGeom>
+        </p:spPr>
+      </p:pic>
+      <p:pic>
+        <p:nvPicPr>
+          <p:cNvPr id="10" name="Imagem 9">
+            <a:extLst>
+              <a:ext uri="{FF2B5EF4-FFF2-40B4-BE49-F238E27FC236}">
+                <a16:creationId xmlns:a16="http://schemas.microsoft.com/office/drawing/2014/main" id="{DB23DD35-8E0C-176A-7C83-F0ADD64FD1DE}"/>
+              </a:ext>
+            </a:extLst>
+          </p:cNvPr>
+          <p:cNvPicPr>
+            <a:picLocks noChangeAspect="1"/>
+          </p:cNvPicPr>
+          <p:nvPr/>
+        </p:nvPicPr>
+        <p:blipFill rotWithShape="1">
+          <a:blip r:embed="rId3">
+            <a:extLst>
+              <a:ext uri="{28A0092B-C50C-407E-A947-70E740481C1C}">
+                <a14:useLocalDpi xmlns:a14="http://schemas.microsoft.com/office/drawing/2010/main" val="0"/>
+              </a:ext>
+            </a:extLst>
+          </a:blip>
+          <a:srcRect r="-1" b="1156"/>
+          <a:stretch/>
+        </p:blipFill>
+        <p:spPr>
+          <a:xfrm>
+            <a:off x="6494928" y="978408"/>
+            <a:ext cx="5139581" cy="3175075"/>
+          </a:xfrm>
+          <a:prstGeom prst="rect">
+            <a:avLst/>
+          </a:prstGeom>
+        </p:spPr>
+      </p:pic>
+    </p:spTree>
+    <p:extLst>
+      <p:ext uri="{BB962C8B-B14F-4D97-AF65-F5344CB8AC3E}">
+        <p14:creationId xmlns:p14="http://schemas.microsoft.com/office/powerpoint/2010/main" val="647103086"/>
+      </p:ext>
+    </p:extLst>
+  </p:cSld>
+  <p:clrMapOvr>
+    <a:masterClrMapping/>
+  </p:clrMapOvr>
+</p:sld>
+</file>
+
+<file path=ppt/slides/slide15.xml><?xml version="1.0" encoding="utf-8"?>
+<p:sld xmlns:a="http://schemas.openxmlformats.org/drawingml/2006/main" xmlns:r="http://schemas.openxmlformats.org/officeDocument/2006/relationships" xmlns:p="http://schemas.openxmlformats.org/presentationml/2006/main">
+  <p:cSld>
+    <p:bg>
+      <p:bgPr>
+        <a:solidFill>
+          <a:schemeClr val="bg2"/>
+        </a:solidFill>
+        <a:effectLst/>
+      </p:bgPr>
+    </p:bg>
+    <p:spTree>
+      <p:nvGrpSpPr>
+        <p:cNvPr id="1" name=""/>
+        <p:cNvGrpSpPr/>
+        <p:nvPr/>
+      </p:nvGrpSpPr>
+      <p:grpSpPr>
+        <a:xfrm>
+          <a:off x="0" y="0"/>
+          <a:ext cx="0" cy="0"/>
+          <a:chOff x="0" y="0"/>
+          <a:chExt cx="0" cy="0"/>
+        </a:xfrm>
+      </p:grpSpPr>
+      <p:sp useBgFill="1">
+        <p:nvSpPr>
+          <p:cNvPr id="11" name="Rectangle 10">
+            <a:extLst>
+              <a:ext uri="{FF2B5EF4-FFF2-40B4-BE49-F238E27FC236}">
+                <a16:creationId xmlns:a16="http://schemas.microsoft.com/office/drawing/2014/main" id="{BF447FC5-81F5-498F-B253-3D2BBDD2E64A}"/>
+              </a:ext>
+              <a:ext uri="{C183D7F6-B498-43B3-948B-1728B52AA6E4}">
+                <adec:decorative xmlns:adec="http://schemas.microsoft.com/office/drawing/2017/decorative" val="1"/>
+              </a:ext>
+            </a:extLst>
+          </p:cNvPr>
+          <p:cNvSpPr>
+            <a:spLocks noGrp="1" noRot="1" noChangeAspect="1" noMove="1" noResize="1" noEditPoints="1" noAdjustHandles="1" noChangeArrowheads="1" noChangeShapeType="1" noTextEdit="1"/>
+          </p:cNvSpPr>
+          <p:nvPr>
+            <p:extLst>
+              <p:ext uri="{386F3935-93C4-4BCD-93E2-E3B085C9AB24}">
+                <p16:designElem xmlns:p16="http://schemas.microsoft.com/office/powerpoint/2015/main" val="1"/>
+              </p:ext>
+            </p:extLst>
+          </p:nvPr>
+        </p:nvSpPr>
+        <p:spPr>
+          <a:xfrm>
+            <a:off x="0" y="0"/>
+            <a:ext cx="12188952" cy="6857995"/>
+          </a:xfrm>
+          <a:prstGeom prst="rect">
+            <a:avLst/>
+          </a:prstGeom>
+          <a:ln>
+            <a:noFill/>
+          </a:ln>
+        </p:spPr>
+        <p:style>
+          <a:lnRef idx="2">
+            <a:schemeClr val="accent1">
+              <a:shade val="50000"/>
+            </a:schemeClr>
+          </a:lnRef>
+          <a:fillRef idx="1">
+            <a:schemeClr val="accent1"/>
+          </a:fillRef>
+          <a:effectRef idx="0">
+            <a:schemeClr val="accent1"/>
+          </a:effectRef>
+          <a:fontRef idx="minor">
+            <a:schemeClr val="lt1"/>
+          </a:fontRef>
+        </p:style>
+        <p:txBody>
+          <a:bodyPr rtlCol="0" anchor="ctr"/>
+          <a:lstStyle/>
+          <a:p>
+            <a:pPr algn="ctr"/>
+            <a:endParaRPr lang="en-US"/>
+          </a:p>
+        </p:txBody>
+      </p:sp>
+      <p:sp>
+        <p:nvSpPr>
+          <p:cNvPr id="2" name="Título 1">
+            <a:extLst>
+              <a:ext uri="{FF2B5EF4-FFF2-40B4-BE49-F238E27FC236}">
+                <a16:creationId xmlns:a16="http://schemas.microsoft.com/office/drawing/2014/main" id="{8D97126F-F5C6-4299-8C0F-0029E5D006F4}"/>
               </a:ext>
             </a:extLst>
           </p:cNvPr>
@@ -14828,49 +16847,88 @@
             <a:spLocks noGrp="1"/>
           </p:cNvSpPr>
           <p:nvPr>
-            <p:ph idx="1"/>
+            <p:ph type="title"/>
           </p:nvPr>
         </p:nvSpPr>
-        <p:spPr/>
+        <p:spPr>
+          <a:xfrm>
+            <a:off x="517868" y="976159"/>
+            <a:ext cx="5011957" cy="2369713"/>
+          </a:xfrm>
+        </p:spPr>
         <p:txBody>
-          <a:bodyPr/>
+          <a:bodyPr anchor="t">
+            <a:normAutofit/>
+          </a:bodyPr>
           <a:lstStyle/>
           <a:p>
             <a:r>
-              <a:rPr lang="pt-PT" dirty="0"/>
-              <a:t>R1= 560k </a:t>
-            </a:r>
-          </a:p>
-          <a:p>
-            <a:r>
-              <a:rPr lang="pt-PT" dirty="0"/>
-              <a:t>R2=330</a:t>
-            </a:r>
-          </a:p>
-          <a:p>
-            <a:r>
-              <a:rPr lang="pt-PT" dirty="0"/>
-              <a:t>Ganho 1700</a:t>
-            </a:r>
-          </a:p>
-          <a:p>
-            <a:r>
-              <a:rPr lang="pt-PT" dirty="0"/>
-              <a:t>Termopar  tipo k</a:t>
-            </a:r>
-          </a:p>
-          <a:p>
-            <a:r>
-              <a:rPr lang="pt-PT" dirty="0" err="1"/>
-              <a:t>Opamp</a:t>
-            </a:r>
-            <a:r>
-              <a:rPr lang="pt-PT" dirty="0"/>
-              <a:t> LM358</a:t>
-            </a:r>
-          </a:p>
-          <a:p>
-            <a:endParaRPr lang="pt-PT" dirty="0"/>
+              <a:rPr lang="pt-PT"/>
+              <a:t>Termopar:</a:t>
+            </a:r>
+          </a:p>
+        </p:txBody>
+      </p:sp>
+      <p:sp>
+        <p:nvSpPr>
+          <p:cNvPr id="13" name="Rectangle 12">
+            <a:extLst>
+              <a:ext uri="{FF2B5EF4-FFF2-40B4-BE49-F238E27FC236}">
+                <a16:creationId xmlns:a16="http://schemas.microsoft.com/office/drawing/2014/main" id="{A183D605-F0BC-4923-9BAD-8F2204285B7C}"/>
+              </a:ext>
+              <a:ext uri="{C183D7F6-B498-43B3-948B-1728B52AA6E4}">
+                <adec:decorative xmlns:adec="http://schemas.microsoft.com/office/drawing/2017/decorative" val="1"/>
+              </a:ext>
+            </a:extLst>
+          </p:cNvPr>
+          <p:cNvSpPr>
+            <a:spLocks noGrp="1" noRot="1" noChangeAspect="1" noMove="1" noResize="1" noEditPoints="1" noAdjustHandles="1" noChangeArrowheads="1" noChangeShapeType="1" noTextEdit="1"/>
+          </p:cNvSpPr>
+          <p:nvPr>
+            <p:extLst>
+              <p:ext uri="{386F3935-93C4-4BCD-93E2-E3B085C9AB24}">
+                <p16:designElem xmlns:p16="http://schemas.microsoft.com/office/powerpoint/2015/main" val="1"/>
+              </p:ext>
+            </p:extLst>
+          </p:nvPr>
+        </p:nvSpPr>
+        <p:spPr>
+          <a:xfrm>
+            <a:off x="517870" y="508090"/>
+            <a:ext cx="5021183" cy="149279"/>
+          </a:xfrm>
+          <a:prstGeom prst="rect">
+            <a:avLst/>
+          </a:prstGeom>
+          <a:solidFill>
+            <a:schemeClr val="tx1"/>
+          </a:solidFill>
+          <a:ln>
+            <a:noFill/>
+          </a:ln>
+        </p:spPr>
+        <p:style>
+          <a:lnRef idx="2">
+            <a:schemeClr val="accent1">
+              <a:shade val="50000"/>
+            </a:schemeClr>
+          </a:lnRef>
+          <a:fillRef idx="1">
+            <a:schemeClr val="accent1"/>
+          </a:fillRef>
+          <a:effectRef idx="0">
+            <a:schemeClr val="accent1"/>
+          </a:effectRef>
+          <a:fontRef idx="minor">
+            <a:schemeClr val="lt1"/>
+          </a:fontRef>
+        </p:style>
+        <p:txBody>
+          <a:bodyPr rtlCol="0" anchor="ctr"/>
+          <a:lstStyle/>
+          <a:p>
+            <a:pPr algn="ctr"/>
+            <a:endParaRPr lang="en-US"/>
           </a:p>
         </p:txBody>
       </p:sp>
@@ -14901,18 +16959,743 @@
         </p:blipFill>
         <p:spPr>
           <a:xfrm>
-            <a:off x="1447121" y="1987542"/>
-            <a:ext cx="3188888" cy="4457477"/>
+            <a:off x="8221020" y="657369"/>
+            <a:ext cx="1894248" cy="2647807"/>
           </a:xfrm>
           <a:prstGeom prst="rect">
             <a:avLst/>
           </a:prstGeom>
         </p:spPr>
       </p:pic>
+      <p:pic>
+        <p:nvPicPr>
+          <p:cNvPr id="6" name="Imagem 5" descr="Uma imagem com texto&#10;&#10;Descrição gerada automaticamente">
+            <a:extLst>
+              <a:ext uri="{FF2B5EF4-FFF2-40B4-BE49-F238E27FC236}">
+                <a16:creationId xmlns:a16="http://schemas.microsoft.com/office/drawing/2014/main" id="{2389F968-E387-FFC6-35ED-D65BFFF9B1FB}"/>
+              </a:ext>
+            </a:extLst>
+          </p:cNvPr>
+          <p:cNvPicPr>
+            <a:picLocks noChangeAspect="1"/>
+          </p:cNvPicPr>
+          <p:nvPr/>
+        </p:nvPicPr>
+        <p:blipFill>
+          <a:blip r:embed="rId3">
+            <a:extLst>
+              <a:ext uri="{28A0092B-C50C-407E-A947-70E740481C1C}">
+                <a14:useLocalDpi xmlns:a14="http://schemas.microsoft.com/office/drawing/2010/main" val="0"/>
+              </a:ext>
+            </a:extLst>
+          </a:blip>
+          <a:stretch>
+            <a:fillRect/>
+          </a:stretch>
+        </p:blipFill>
+        <p:spPr>
+          <a:xfrm>
+            <a:off x="997718" y="2303813"/>
+            <a:ext cx="4666729" cy="3885051"/>
+          </a:xfrm>
+          <a:prstGeom prst="rect">
+            <a:avLst/>
+          </a:prstGeom>
+        </p:spPr>
+      </p:pic>
+      <p:sp>
+        <p:nvSpPr>
+          <p:cNvPr id="15" name="Rectangle 14">
+            <a:extLst>
+              <a:ext uri="{FF2B5EF4-FFF2-40B4-BE49-F238E27FC236}">
+                <a16:creationId xmlns:a16="http://schemas.microsoft.com/office/drawing/2014/main" id="{C1A59FC6-29E7-4618-829A-36CC011E5587}"/>
+              </a:ext>
+              <a:ext uri="{C183D7F6-B498-43B3-948B-1728B52AA6E4}">
+                <adec:decorative xmlns:adec="http://schemas.microsoft.com/office/drawing/2017/decorative" val="1"/>
+              </a:ext>
+            </a:extLst>
+          </p:cNvPr>
+          <p:cNvSpPr>
+            <a:spLocks noGrp="1" noRot="1" noChangeAspect="1" noMove="1" noResize="1" noEditPoints="1" noAdjustHandles="1" noChangeArrowheads="1" noChangeShapeType="1" noTextEdit="1"/>
+          </p:cNvSpPr>
+          <p:nvPr>
+            <p:extLst>
+              <p:ext uri="{386F3935-93C4-4BCD-93E2-E3B085C9AB24}">
+                <p16:designElem xmlns:p16="http://schemas.microsoft.com/office/powerpoint/2015/main" val="1"/>
+              </p:ext>
+            </p:extLst>
+          </p:nvPr>
+        </p:nvSpPr>
+        <p:spPr>
+          <a:xfrm>
+            <a:off x="6662168" y="3616882"/>
+            <a:ext cx="5021183" cy="45719"/>
+          </a:xfrm>
+          <a:prstGeom prst="rect">
+            <a:avLst/>
+          </a:prstGeom>
+          <a:solidFill>
+            <a:schemeClr val="tx1"/>
+          </a:solidFill>
+          <a:ln>
+            <a:noFill/>
+          </a:ln>
+        </p:spPr>
+        <p:style>
+          <a:lnRef idx="2">
+            <a:schemeClr val="accent1">
+              <a:shade val="50000"/>
+            </a:schemeClr>
+          </a:lnRef>
+          <a:fillRef idx="1">
+            <a:schemeClr val="accent1"/>
+          </a:fillRef>
+          <a:effectRef idx="0">
+            <a:schemeClr val="accent1"/>
+          </a:effectRef>
+          <a:fontRef idx="minor">
+            <a:schemeClr val="lt1"/>
+          </a:fontRef>
+        </p:style>
+        <p:txBody>
+          <a:bodyPr rtlCol="0" anchor="ctr"/>
+          <a:lstStyle/>
+          <a:p>
+            <a:pPr algn="ctr"/>
+            <a:endParaRPr lang="en-US"/>
+          </a:p>
+        </p:txBody>
+      </p:sp>
+      <p:sp>
+        <p:nvSpPr>
+          <p:cNvPr id="3" name="Marcador de Posição de Conteúdo 2">
+            <a:extLst>
+              <a:ext uri="{FF2B5EF4-FFF2-40B4-BE49-F238E27FC236}">
+                <a16:creationId xmlns:a16="http://schemas.microsoft.com/office/drawing/2014/main" id="{FCFD5D91-5C27-4988-9546-02392ABD0EDC}"/>
+              </a:ext>
+            </a:extLst>
+          </p:cNvPr>
+          <p:cNvSpPr>
+            <a:spLocks noGrp="1"/>
+          </p:cNvSpPr>
+          <p:nvPr>
+            <p:ph idx="1"/>
+          </p:nvPr>
+        </p:nvSpPr>
+        <p:spPr>
+          <a:xfrm>
+            <a:off x="6662166" y="3776870"/>
+            <a:ext cx="4985339" cy="2411994"/>
+          </a:xfrm>
+        </p:spPr>
+        <p:txBody>
+          <a:bodyPr>
+            <a:normAutofit/>
+          </a:bodyPr>
+          <a:lstStyle/>
+          <a:p>
+            <a:pPr>
+              <a:lnSpc>
+                <a:spcPct val="100000"/>
+              </a:lnSpc>
+            </a:pPr>
+            <a:r>
+              <a:rPr lang="pt-PT" b="1"/>
+              <a:t>Dados</a:t>
+            </a:r>
+          </a:p>
+          <a:p>
+            <a:pPr lvl="3">
+              <a:lnSpc>
+                <a:spcPct val="100000"/>
+              </a:lnSpc>
+            </a:pPr>
+            <a:r>
+              <a:rPr lang="pt-PT" sz="2000"/>
+              <a:t>R1= 560k </a:t>
+            </a:r>
+          </a:p>
+          <a:p>
+            <a:pPr lvl="3">
+              <a:lnSpc>
+                <a:spcPct val="100000"/>
+              </a:lnSpc>
+            </a:pPr>
+            <a:r>
+              <a:rPr lang="pt-PT" sz="2000"/>
+              <a:t>R2=330</a:t>
+            </a:r>
+          </a:p>
+          <a:p>
+            <a:pPr lvl="3">
+              <a:lnSpc>
+                <a:spcPct val="100000"/>
+              </a:lnSpc>
+            </a:pPr>
+            <a:r>
+              <a:rPr lang="pt-PT" sz="2000"/>
+              <a:t>Ganho 1700</a:t>
+            </a:r>
+          </a:p>
+          <a:p>
+            <a:pPr lvl="3">
+              <a:lnSpc>
+                <a:spcPct val="100000"/>
+              </a:lnSpc>
+            </a:pPr>
+            <a:r>
+              <a:rPr lang="pt-PT" sz="2000"/>
+              <a:t>Termopar  tipo k</a:t>
+            </a:r>
+          </a:p>
+          <a:p>
+            <a:pPr lvl="3">
+              <a:lnSpc>
+                <a:spcPct val="100000"/>
+              </a:lnSpc>
+            </a:pPr>
+            <a:r>
+              <a:rPr lang="pt-PT" sz="2000"/>
+              <a:t>OpAmp LM358</a:t>
+            </a:r>
+          </a:p>
+          <a:p>
+            <a:pPr>
+              <a:lnSpc>
+                <a:spcPct val="100000"/>
+              </a:lnSpc>
+            </a:pPr>
+            <a:endParaRPr lang="pt-PT"/>
+          </a:p>
+        </p:txBody>
+      </p:sp>
     </p:spTree>
     <p:extLst>
       <p:ext uri="{BB962C8B-B14F-4D97-AF65-F5344CB8AC3E}">
         <p14:creationId xmlns:p14="http://schemas.microsoft.com/office/powerpoint/2010/main" val="4134518105"/>
+      </p:ext>
+    </p:extLst>
+  </p:cSld>
+  <p:clrMapOvr>
+    <a:masterClrMapping/>
+  </p:clrMapOvr>
+</p:sld>
+</file>
+
+<file path=ppt/slides/slide16.xml><?xml version="1.0" encoding="utf-8"?>
+<p:sld xmlns:a="http://schemas.openxmlformats.org/drawingml/2006/main" xmlns:r="http://schemas.openxmlformats.org/officeDocument/2006/relationships" xmlns:p="http://schemas.openxmlformats.org/presentationml/2006/main">
+  <p:cSld>
+    <p:bg>
+      <p:bgPr>
+        <a:solidFill>
+          <a:schemeClr val="bg2"/>
+        </a:solidFill>
+        <a:effectLst/>
+      </p:bgPr>
+    </p:bg>
+    <p:spTree>
+      <p:nvGrpSpPr>
+        <p:cNvPr id="1" name=""/>
+        <p:cNvGrpSpPr/>
+        <p:nvPr/>
+      </p:nvGrpSpPr>
+      <p:grpSpPr>
+        <a:xfrm>
+          <a:off x="0" y="0"/>
+          <a:ext cx="0" cy="0"/>
+          <a:chOff x="0" y="0"/>
+          <a:chExt cx="0" cy="0"/>
+        </a:xfrm>
+      </p:grpSpPr>
+      <p:sp useBgFill="1">
+        <p:nvSpPr>
+          <p:cNvPr id="13" name="Rectangle 12">
+            <a:extLst>
+              <a:ext uri="{FF2B5EF4-FFF2-40B4-BE49-F238E27FC236}">
+                <a16:creationId xmlns:a16="http://schemas.microsoft.com/office/drawing/2014/main" id="{BF447FC5-81F5-498F-B253-3D2BBDD2E64A}"/>
+              </a:ext>
+              <a:ext uri="{C183D7F6-B498-43B3-948B-1728B52AA6E4}">
+                <adec:decorative xmlns:adec="http://schemas.microsoft.com/office/drawing/2017/decorative" val="1"/>
+              </a:ext>
+            </a:extLst>
+          </p:cNvPr>
+          <p:cNvSpPr>
+            <a:spLocks noGrp="1" noRot="1" noChangeAspect="1" noMove="1" noResize="1" noEditPoints="1" noAdjustHandles="1" noChangeArrowheads="1" noChangeShapeType="1" noTextEdit="1"/>
+          </p:cNvSpPr>
+          <p:nvPr>
+            <p:extLst>
+              <p:ext uri="{386F3935-93C4-4BCD-93E2-E3B085C9AB24}">
+                <p16:designElem xmlns:p16="http://schemas.microsoft.com/office/powerpoint/2015/main" val="1"/>
+              </p:ext>
+            </p:extLst>
+          </p:nvPr>
+        </p:nvSpPr>
+        <p:spPr>
+          <a:xfrm>
+            <a:off x="0" y="0"/>
+            <a:ext cx="12188952" cy="6857995"/>
+          </a:xfrm>
+          <a:prstGeom prst="rect">
+            <a:avLst/>
+          </a:prstGeom>
+          <a:ln>
+            <a:noFill/>
+          </a:ln>
+        </p:spPr>
+        <p:style>
+          <a:lnRef idx="2">
+            <a:schemeClr val="accent1">
+              <a:shade val="50000"/>
+            </a:schemeClr>
+          </a:lnRef>
+          <a:fillRef idx="1">
+            <a:schemeClr val="accent1"/>
+          </a:fillRef>
+          <a:effectRef idx="0">
+            <a:schemeClr val="accent1"/>
+          </a:effectRef>
+          <a:fontRef idx="minor">
+            <a:schemeClr val="lt1"/>
+          </a:fontRef>
+        </p:style>
+        <p:txBody>
+          <a:bodyPr rtlCol="0" anchor="ctr"/>
+          <a:lstStyle/>
+          <a:p>
+            <a:pPr algn="ctr"/>
+            <a:endParaRPr lang="en-US"/>
+          </a:p>
+        </p:txBody>
+      </p:sp>
+      <p:sp>
+        <p:nvSpPr>
+          <p:cNvPr id="15" name="Rectangle 14">
+            <a:extLst>
+              <a:ext uri="{FF2B5EF4-FFF2-40B4-BE49-F238E27FC236}">
+                <a16:creationId xmlns:a16="http://schemas.microsoft.com/office/drawing/2014/main" id="{C0390D7A-B375-4BE2-82A9-33DED1CEBF1F}"/>
+              </a:ext>
+              <a:ext uri="{C183D7F6-B498-43B3-948B-1728B52AA6E4}">
+                <adec:decorative xmlns:adec="http://schemas.microsoft.com/office/drawing/2017/decorative" val="1"/>
+              </a:ext>
+            </a:extLst>
+          </p:cNvPr>
+          <p:cNvSpPr>
+            <a:spLocks noGrp="1" noRot="1" noChangeAspect="1" noMove="1" noResize="1" noEditPoints="1" noAdjustHandles="1" noChangeArrowheads="1" noChangeShapeType="1" noTextEdit="1"/>
+          </p:cNvSpPr>
+          <p:nvPr>
+            <p:extLst>
+              <p:ext uri="{386F3935-93C4-4BCD-93E2-E3B085C9AB24}">
+                <p16:designElem xmlns:p16="http://schemas.microsoft.com/office/powerpoint/2015/main" val="1"/>
+              </p:ext>
+            </p:extLst>
+          </p:nvPr>
+        </p:nvSpPr>
+        <p:spPr>
+          <a:xfrm>
+            <a:off x="0" y="0"/>
+            <a:ext cx="12188952" cy="6857995"/>
+          </a:xfrm>
+          <a:prstGeom prst="rect">
+            <a:avLst/>
+          </a:prstGeom>
+          <a:solidFill>
+            <a:schemeClr val="bg2">
+              <a:lumMod val="90000"/>
+              <a:alpha val="40000"/>
+            </a:schemeClr>
+          </a:solidFill>
+          <a:ln>
+            <a:noFill/>
+          </a:ln>
+        </p:spPr>
+        <p:style>
+          <a:lnRef idx="2">
+            <a:schemeClr val="accent1">
+              <a:shade val="50000"/>
+            </a:schemeClr>
+          </a:lnRef>
+          <a:fillRef idx="1">
+            <a:schemeClr val="accent1"/>
+          </a:fillRef>
+          <a:effectRef idx="0">
+            <a:schemeClr val="accent1"/>
+          </a:effectRef>
+          <a:fontRef idx="minor">
+            <a:schemeClr val="lt1"/>
+          </a:fontRef>
+        </p:style>
+        <p:txBody>
+          <a:bodyPr rtlCol="0" anchor="ctr"/>
+          <a:lstStyle/>
+          <a:p>
+            <a:pPr algn="ctr"/>
+            <a:endParaRPr lang="en-US"/>
+          </a:p>
+        </p:txBody>
+      </p:sp>
+      <p:sp>
+        <p:nvSpPr>
+          <p:cNvPr id="2" name="Título 1">
+            <a:extLst>
+              <a:ext uri="{FF2B5EF4-FFF2-40B4-BE49-F238E27FC236}">
+                <a16:creationId xmlns:a16="http://schemas.microsoft.com/office/drawing/2014/main" id="{70736958-BAD9-47B1-A6C0-B69ED60E5676}"/>
+              </a:ext>
+            </a:extLst>
+          </p:cNvPr>
+          <p:cNvSpPr>
+            <a:spLocks noGrp="1"/>
+          </p:cNvSpPr>
+          <p:nvPr>
+            <p:ph type="title"/>
+          </p:nvPr>
+        </p:nvSpPr>
+        <p:spPr>
+          <a:xfrm>
+            <a:off x="517868" y="976159"/>
+            <a:ext cx="6144231" cy="2441074"/>
+          </a:xfrm>
+        </p:spPr>
+        <p:txBody>
+          <a:bodyPr anchor="t">
+            <a:normAutofit/>
+          </a:bodyPr>
+          <a:lstStyle/>
+          <a:p>
+            <a:pPr>
+              <a:lnSpc>
+                <a:spcPct val="90000"/>
+              </a:lnSpc>
+            </a:pPr>
+            <a:r>
+              <a:rPr lang="pt-PT"/>
+              <a:t>Caudalímetro:</a:t>
+            </a:r>
+            <a:br>
+              <a:rPr lang="pt-PT"/>
+            </a:br>
+            <a:br>
+              <a:rPr lang="pt-PT"/>
+            </a:br>
+            <a:endParaRPr lang="pt-PT"/>
+          </a:p>
+        </p:txBody>
+      </p:sp>
+      <p:sp>
+        <p:nvSpPr>
+          <p:cNvPr id="17" name="Rectangle 16">
+            <a:extLst>
+              <a:ext uri="{FF2B5EF4-FFF2-40B4-BE49-F238E27FC236}">
+                <a16:creationId xmlns:a16="http://schemas.microsoft.com/office/drawing/2014/main" id="{887F59F2-5FBC-40CD-AD35-376AECE49EA6}"/>
+              </a:ext>
+              <a:ext uri="{C183D7F6-B498-43B3-948B-1728B52AA6E4}">
+                <adec:decorative xmlns:adec="http://schemas.microsoft.com/office/drawing/2017/decorative" val="1"/>
+              </a:ext>
+            </a:extLst>
+          </p:cNvPr>
+          <p:cNvSpPr>
+            <a:spLocks noGrp="1" noRot="1" noChangeAspect="1" noMove="1" noResize="1" noEditPoints="1" noAdjustHandles="1" noChangeArrowheads="1" noChangeShapeType="1" noTextEdit="1"/>
+          </p:cNvSpPr>
+          <p:nvPr>
+            <p:extLst>
+              <p:ext uri="{386F3935-93C4-4BCD-93E2-E3B085C9AB24}">
+                <p16:designElem xmlns:p16="http://schemas.microsoft.com/office/powerpoint/2015/main" val="1"/>
+              </p:ext>
+            </p:extLst>
+          </p:nvPr>
+        </p:nvSpPr>
+        <p:spPr>
+          <a:xfrm>
+            <a:off x="517868" y="508090"/>
+            <a:ext cx="6126480" cy="149279"/>
+          </a:xfrm>
+          <a:prstGeom prst="rect">
+            <a:avLst/>
+          </a:prstGeom>
+          <a:solidFill>
+            <a:schemeClr val="tx1"/>
+          </a:solidFill>
+          <a:ln>
+            <a:noFill/>
+          </a:ln>
+        </p:spPr>
+        <p:style>
+          <a:lnRef idx="2">
+            <a:schemeClr val="accent1">
+              <a:shade val="50000"/>
+            </a:schemeClr>
+          </a:lnRef>
+          <a:fillRef idx="1">
+            <a:schemeClr val="accent1"/>
+          </a:fillRef>
+          <a:effectRef idx="0">
+            <a:schemeClr val="accent1"/>
+          </a:effectRef>
+          <a:fontRef idx="minor">
+            <a:schemeClr val="lt1"/>
+          </a:fontRef>
+        </p:style>
+        <p:txBody>
+          <a:bodyPr rtlCol="0" anchor="ctr"/>
+          <a:lstStyle/>
+          <a:p>
+            <a:pPr algn="ctr"/>
+            <a:endParaRPr lang="en-US"/>
+          </a:p>
+        </p:txBody>
+      </p:sp>
+      <p:pic>
+        <p:nvPicPr>
+          <p:cNvPr id="8" name="Imagem 7">
+            <a:extLst>
+              <a:ext uri="{FF2B5EF4-FFF2-40B4-BE49-F238E27FC236}">
+                <a16:creationId xmlns:a16="http://schemas.microsoft.com/office/drawing/2014/main" id="{207B8707-ACA3-4485-BBEE-63C2A3853663}"/>
+              </a:ext>
+            </a:extLst>
+          </p:cNvPr>
+          <p:cNvPicPr>
+            <a:picLocks noChangeAspect="1"/>
+          </p:cNvPicPr>
+          <p:nvPr/>
+        </p:nvPicPr>
+        <p:blipFill rotWithShape="1">
+          <a:blip r:embed="rId2"/>
+          <a:srcRect l="-1" t="-6099" r="-5" b="-7038"/>
+          <a:stretch/>
+        </p:blipFill>
+        <p:spPr>
+          <a:xfrm>
+            <a:off x="1625051" y="1633528"/>
+            <a:ext cx="3938913" cy="4930890"/>
+          </a:xfrm>
+          <a:prstGeom prst="rect">
+            <a:avLst/>
+          </a:prstGeom>
+        </p:spPr>
+      </p:pic>
+      <p:sp>
+        <p:nvSpPr>
+          <p:cNvPr id="19" name="Rectangle 18">
+            <a:extLst>
+              <a:ext uri="{FF2B5EF4-FFF2-40B4-BE49-F238E27FC236}">
+                <a16:creationId xmlns:a16="http://schemas.microsoft.com/office/drawing/2014/main" id="{A133035C-46AF-4B6B-A264-C0D48C50BA93}"/>
+              </a:ext>
+              <a:ext uri="{C183D7F6-B498-43B3-948B-1728B52AA6E4}">
+                <adec:decorative xmlns:adec="http://schemas.microsoft.com/office/drawing/2017/decorative" val="1"/>
+              </a:ext>
+            </a:extLst>
+          </p:cNvPr>
+          <p:cNvSpPr>
+            <a:spLocks noGrp="1" noRot="1" noChangeAspect="1" noMove="1" noResize="1" noEditPoints="1" noAdjustHandles="1" noChangeArrowheads="1" noChangeShapeType="1" noTextEdit="1"/>
+          </p:cNvSpPr>
+          <p:nvPr>
+            <p:extLst>
+              <p:ext uri="{386F3935-93C4-4BCD-93E2-E3B085C9AB24}">
+                <p16:designElem xmlns:p16="http://schemas.microsoft.com/office/powerpoint/2015/main" val="1"/>
+              </p:ext>
+            </p:extLst>
+          </p:nvPr>
+        </p:nvSpPr>
+        <p:spPr>
+          <a:xfrm>
+            <a:off x="7624146" y="3612975"/>
+            <a:ext cx="4068081" cy="45719"/>
+          </a:xfrm>
+          <a:prstGeom prst="rect">
+            <a:avLst/>
+          </a:prstGeom>
+          <a:solidFill>
+            <a:schemeClr val="tx1"/>
+          </a:solidFill>
+          <a:ln>
+            <a:noFill/>
+          </a:ln>
+        </p:spPr>
+        <p:style>
+          <a:lnRef idx="2">
+            <a:schemeClr val="accent1">
+              <a:shade val="50000"/>
+            </a:schemeClr>
+          </a:lnRef>
+          <a:fillRef idx="1">
+            <a:schemeClr val="accent1"/>
+          </a:fillRef>
+          <a:effectRef idx="0">
+            <a:schemeClr val="accent1"/>
+          </a:effectRef>
+          <a:fontRef idx="minor">
+            <a:schemeClr val="lt1"/>
+          </a:fontRef>
+        </p:style>
+        <p:txBody>
+          <a:bodyPr rtlCol="0" anchor="ctr"/>
+          <a:lstStyle/>
+          <a:p>
+            <a:pPr algn="ctr"/>
+            <a:endParaRPr lang="en-US"/>
+          </a:p>
+        </p:txBody>
+      </p:sp>
+      <p:pic>
+        <p:nvPicPr>
+          <p:cNvPr id="5" name="Imagem 4">
+            <a:extLst>
+              <a:ext uri="{FF2B5EF4-FFF2-40B4-BE49-F238E27FC236}">
+                <a16:creationId xmlns:a16="http://schemas.microsoft.com/office/drawing/2014/main" id="{2BA6FF01-5198-47DF-9963-41D5F9F2581A}"/>
+              </a:ext>
+            </a:extLst>
+          </p:cNvPr>
+          <p:cNvPicPr>
+            <a:picLocks noChangeAspect="1"/>
+          </p:cNvPicPr>
+          <p:nvPr/>
+        </p:nvPicPr>
+        <p:blipFill rotWithShape="1">
+          <a:blip r:embed="rId3" cstate="print">
+            <a:extLst>
+              <a:ext uri="{28A0092B-C50C-407E-A947-70E740481C1C}">
+                <a14:useLocalDpi xmlns:a14="http://schemas.microsoft.com/office/drawing/2010/main" val="0"/>
+              </a:ext>
+            </a:extLst>
+          </a:blip>
+          <a:srcRect l="6489" t="13402" r="-1" b="37617"/>
+          <a:stretch/>
+        </p:blipFill>
+        <p:spPr>
+          <a:xfrm rot="16200000">
+            <a:off x="8410563" y="1035717"/>
+            <a:ext cx="2506398" cy="2125986"/>
+          </a:xfrm>
+          <a:prstGeom prst="rect">
+            <a:avLst/>
+          </a:prstGeom>
+        </p:spPr>
+      </p:pic>
+      <p:sp>
+        <p:nvSpPr>
+          <p:cNvPr id="3" name="Marcador de Posição de Conteúdo 2">
+            <a:extLst>
+              <a:ext uri="{FF2B5EF4-FFF2-40B4-BE49-F238E27FC236}">
+                <a16:creationId xmlns:a16="http://schemas.microsoft.com/office/drawing/2014/main" id="{7ADB5E25-5F1C-423E-B2E4-5F6BE9844700}"/>
+              </a:ext>
+            </a:extLst>
+          </p:cNvPr>
+          <p:cNvSpPr>
+            <a:spLocks noGrp="1"/>
+          </p:cNvSpPr>
+          <p:nvPr>
+            <p:ph idx="1"/>
+          </p:nvPr>
+        </p:nvSpPr>
+        <p:spPr>
+          <a:xfrm>
+            <a:off x="7642248" y="3776870"/>
+            <a:ext cx="4005257" cy="2411994"/>
+          </a:xfrm>
+        </p:spPr>
+        <p:txBody>
+          <a:bodyPr>
+            <a:normAutofit/>
+          </a:bodyPr>
+          <a:lstStyle/>
+          <a:p>
+            <a:pPr>
+              <a:lnSpc>
+                <a:spcPct val="100000"/>
+              </a:lnSpc>
+            </a:pPr>
+            <a:r>
+              <a:rPr lang="pt-PT" sz="1700" b="1"/>
+              <a:t>Ligações:</a:t>
+            </a:r>
+          </a:p>
+          <a:p>
+            <a:pPr lvl="3">
+              <a:lnSpc>
+                <a:spcPct val="100000"/>
+              </a:lnSpc>
+            </a:pPr>
+            <a:r>
+              <a:rPr lang="pt-PT" sz="1700"/>
+              <a:t>Castanho: 5V</a:t>
+            </a:r>
+          </a:p>
+          <a:p>
+            <a:pPr lvl="3">
+              <a:lnSpc>
+                <a:spcPct val="100000"/>
+              </a:lnSpc>
+            </a:pPr>
+            <a:r>
+              <a:rPr lang="pt-PT" sz="1700"/>
+              <a:t>Preto: GND</a:t>
+            </a:r>
+          </a:p>
+          <a:p>
+            <a:pPr lvl="3">
+              <a:lnSpc>
+                <a:spcPct val="100000"/>
+              </a:lnSpc>
+            </a:pPr>
+            <a:r>
+              <a:rPr lang="pt-PT" sz="1700"/>
+              <a:t>Azul: sinal</a:t>
+            </a:r>
+          </a:p>
+          <a:p>
+            <a:pPr>
+              <a:lnSpc>
+                <a:spcPct val="100000"/>
+              </a:lnSpc>
+            </a:pPr>
+            <a:r>
+              <a:rPr lang="pt-PT" sz="1700" b="1"/>
+              <a:t>Dados</a:t>
+            </a:r>
+          </a:p>
+          <a:p>
+            <a:pPr lvl="3">
+              <a:lnSpc>
+                <a:spcPct val="100000"/>
+              </a:lnSpc>
+            </a:pPr>
+            <a:r>
+              <a:rPr lang="pt-PT" sz="1700"/>
+              <a:t>BC 327</a:t>
+            </a:r>
+          </a:p>
+          <a:p>
+            <a:pPr lvl="3">
+              <a:lnSpc>
+                <a:spcPct val="100000"/>
+              </a:lnSpc>
+            </a:pPr>
+            <a:r>
+              <a:rPr lang="pt-PT" sz="1700"/>
+              <a:t>R=3300</a:t>
+            </a:r>
+          </a:p>
+          <a:p>
+            <a:pPr>
+              <a:lnSpc>
+                <a:spcPct val="100000"/>
+              </a:lnSpc>
+            </a:pPr>
+            <a:endParaRPr lang="pt-PT" sz="1700"/>
+          </a:p>
+          <a:p>
+            <a:pPr>
+              <a:lnSpc>
+                <a:spcPct val="100000"/>
+              </a:lnSpc>
+            </a:pPr>
+            <a:endParaRPr lang="pt-PT" sz="1700"/>
+          </a:p>
+        </p:txBody>
+      </p:sp>
+    </p:spTree>
+    <p:extLst>
+      <p:ext uri="{BB962C8B-B14F-4D97-AF65-F5344CB8AC3E}">
+        <p14:creationId xmlns:p14="http://schemas.microsoft.com/office/powerpoint/2010/main" val="3896419883"/>
       </p:ext>
     </p:extLst>
   </p:cSld>
@@ -16661,7 +19444,7 @@
           <a:lstStyle/>
           <a:p>
             <a:r>
-              <a:rPr lang="pt-PT" dirty="0"/>
+              <a:rPr lang="pt-PT"/>
               <a:t>Planeamento detalhado:</a:t>
             </a:r>
           </a:p>
@@ -16696,7 +19479,7 @@
           <a:lstStyle/>
           <a:p>
             <a:r>
-              <a:rPr lang="pt-PT" b="1" dirty="0"/>
+              <a:rPr lang="pt-PT" b="1"/>
               <a:t>Semana 04/4</a:t>
             </a:r>
           </a:p>
@@ -16706,39 +19489,39 @@
               <a:buChar char="•"/>
             </a:pPr>
             <a:r>
-              <a:rPr lang="pt-PT" dirty="0"/>
+              <a:rPr lang="pt-PT"/>
               <a:t>Pesquisa e elaboração de um exemplo simples de </a:t>
             </a:r>
             <a:r>
-              <a:rPr lang="pt-PT" dirty="0" err="1"/>
+              <a:rPr lang="pt-PT" err="1"/>
               <a:t>machine</a:t>
             </a:r>
             <a:r>
-              <a:rPr lang="pt-PT" dirty="0"/>
+              <a:rPr lang="pt-PT"/>
               <a:t> </a:t>
             </a:r>
             <a:r>
-              <a:rPr lang="pt-PT" dirty="0" err="1"/>
+              <a:rPr lang="pt-PT" err="1"/>
               <a:t>learning</a:t>
             </a:r>
             <a:r>
-              <a:rPr lang="pt-PT" dirty="0"/>
+              <a:rPr lang="pt-PT"/>
               <a:t> e </a:t>
             </a:r>
             <a:r>
-              <a:rPr lang="pt-PT" dirty="0" err="1"/>
+              <a:rPr lang="pt-PT" err="1"/>
               <a:t>deep</a:t>
             </a:r>
             <a:r>
-              <a:rPr lang="pt-PT" dirty="0"/>
+              <a:rPr lang="pt-PT"/>
               <a:t> </a:t>
             </a:r>
             <a:r>
-              <a:rPr lang="pt-PT" dirty="0" err="1"/>
+              <a:rPr lang="pt-PT" err="1"/>
               <a:t>learning</a:t>
             </a:r>
             <a:r>
-              <a:rPr lang="pt-PT" dirty="0"/>
+              <a:rPr lang="pt-PT"/>
               <a:t>.</a:t>
             </a:r>
           </a:p>
@@ -16748,16 +19531,16 @@
               <a:buChar char="•"/>
             </a:pPr>
             <a:r>
-              <a:rPr lang="pt-PT" dirty="0"/>
+              <a:rPr lang="pt-PT"/>
               <a:t>Aplicação Web: projeto inicial.</a:t>
             </a:r>
           </a:p>
           <a:p>
-            <a:endParaRPr lang="pt-PT" dirty="0"/>
-          </a:p>
-          <a:p>
-            <a:r>
-              <a:rPr lang="pt-PT" b="1" dirty="0"/>
+            <a:endParaRPr lang="pt-PT"/>
+          </a:p>
+          <a:p>
+            <a:r>
+              <a:rPr lang="pt-PT" b="1"/>
               <a:t>Semana 11/4</a:t>
             </a:r>
           </a:p>
@@ -16767,15 +19550,15 @@
               <a:buChar char="•"/>
             </a:pPr>
             <a:r>
-              <a:rPr lang="pt-PT" dirty="0"/>
+              <a:rPr lang="pt-PT"/>
               <a:t>Base de dados - comunicação </a:t>
             </a:r>
             <a:r>
-              <a:rPr lang="pt-PT" dirty="0" err="1"/>
+              <a:rPr lang="pt-PT" err="1"/>
               <a:t>thonny</a:t>
             </a:r>
             <a:r>
-              <a:rPr lang="pt-PT" dirty="0"/>
+              <a:rPr lang="pt-PT"/>
               <a:t> com base de dados: pesquisa</a:t>
             </a:r>
           </a:p>
@@ -16785,14 +19568,14 @@
               <a:buChar char="•"/>
             </a:pPr>
             <a:r>
-              <a:rPr lang="pt-PT" dirty="0"/>
+              <a:rPr lang="pt-PT"/>
               <a:t>Manipular a base de dados com o </a:t>
             </a:r>
             <a:r>
-              <a:rPr lang="pt-PT" dirty="0" err="1"/>
+              <a:rPr lang="pt-PT" err="1"/>
               <a:t>python</a:t>
             </a:r>
-            <a:endParaRPr lang="pt-PT" dirty="0"/>
+            <a:endParaRPr lang="pt-PT"/>
           </a:p>
         </p:txBody>
       </p:sp>
@@ -16810,6 +19593,148 @@
 </file>
 
 <file path=ppt/slides/slide6.xml><?xml version="1.0" encoding="utf-8"?>
+<p:sld xmlns:a="http://schemas.openxmlformats.org/drawingml/2006/main" xmlns:r="http://schemas.openxmlformats.org/officeDocument/2006/relationships" xmlns:p="http://schemas.openxmlformats.org/presentationml/2006/main">
+  <p:cSld>
+    <p:spTree>
+      <p:nvGrpSpPr>
+        <p:cNvPr id="1" name=""/>
+        <p:cNvGrpSpPr/>
+        <p:nvPr/>
+      </p:nvGrpSpPr>
+      <p:grpSpPr>
+        <a:xfrm>
+          <a:off x="0" y="0"/>
+          <a:ext cx="0" cy="0"/>
+          <a:chOff x="0" y="0"/>
+          <a:chExt cx="0" cy="0"/>
+        </a:xfrm>
+      </p:grpSpPr>
+      <p:sp>
+        <p:nvSpPr>
+          <p:cNvPr id="4" name="Marcador de Posição de Conteúdo 2">
+            <a:extLst>
+              <a:ext uri="{FF2B5EF4-FFF2-40B4-BE49-F238E27FC236}">
+                <a16:creationId xmlns:a16="http://schemas.microsoft.com/office/drawing/2014/main" id="{4278F225-0798-0EE5-4C14-DB6AAFB5A0D2}"/>
+              </a:ext>
+            </a:extLst>
+          </p:cNvPr>
+          <p:cNvSpPr>
+            <a:spLocks noGrp="1"/>
+          </p:cNvSpPr>
+          <p:nvPr>
+            <p:ph idx="1"/>
+          </p:nvPr>
+        </p:nvSpPr>
+        <p:spPr>
+          <a:xfrm>
+            <a:off x="1033153" y="1318162"/>
+            <a:ext cx="10082151" cy="4880620"/>
+          </a:xfrm>
+        </p:spPr>
+        <p:txBody>
+          <a:bodyPr>
+            <a:normAutofit/>
+          </a:bodyPr>
+          <a:lstStyle/>
+          <a:p>
+            <a:r>
+              <a:rPr lang="pt-PT" b="1"/>
+              <a:t>Semana 18/4</a:t>
+            </a:r>
+          </a:p>
+          <a:p>
+            <a:pPr marL="342900" indent="-342900">
+              <a:buFont typeface="Arial" panose="020B0604020202020204" pitchFamily="34" charset="0"/>
+              <a:buChar char="•"/>
+            </a:pPr>
+            <a:r>
+              <a:rPr lang="pt-PT"/>
+              <a:t>Ler dados com o </a:t>
+            </a:r>
+            <a:r>
+              <a:rPr lang="pt-PT" err="1"/>
+              <a:t>caudalímetro</a:t>
+            </a:r>
+            <a:endParaRPr lang="pt-PT"/>
+          </a:p>
+          <a:p>
+            <a:pPr marL="342900" indent="-342900">
+              <a:buFont typeface="Arial" panose="020B0604020202020204" pitchFamily="34" charset="0"/>
+              <a:buChar char="•"/>
+            </a:pPr>
+            <a:r>
+              <a:rPr lang="pt-PT"/>
+              <a:t>Transferir dados entre o </a:t>
+            </a:r>
+            <a:r>
+              <a:rPr lang="pt-PT" err="1"/>
+              <a:t>Thonny</a:t>
+            </a:r>
+            <a:r>
+              <a:rPr lang="pt-PT"/>
+              <a:t> e PC com MQTT</a:t>
+            </a:r>
+          </a:p>
+          <a:p>
+            <a:endParaRPr lang="pt-PT"/>
+          </a:p>
+          <a:p>
+            <a:r>
+              <a:rPr lang="pt-PT" b="1"/>
+              <a:t>Semana 25/4</a:t>
+            </a:r>
+          </a:p>
+          <a:p>
+            <a:pPr marL="342900" indent="-342900">
+              <a:buFont typeface="Arial" panose="020B0604020202020204" pitchFamily="34" charset="0"/>
+              <a:buChar char="•"/>
+            </a:pPr>
+            <a:r>
+              <a:rPr lang="pt-PT"/>
+              <a:t>Esquema elétrico dos sensores de temperatura e caudal no EPLAN</a:t>
+            </a:r>
+          </a:p>
+          <a:p>
+            <a:pPr marL="342900" indent="-342900">
+              <a:buFont typeface="Arial" panose="020B0604020202020204" pitchFamily="34" charset="0"/>
+              <a:buChar char="•"/>
+            </a:pPr>
+            <a:r>
+              <a:rPr lang="pt-PT"/>
+              <a:t>Comunicação entre </a:t>
+            </a:r>
+            <a:r>
+              <a:rPr lang="pt-PT" err="1"/>
+              <a:t>Thonny</a:t>
+            </a:r>
+            <a:r>
+              <a:rPr lang="pt-PT"/>
+              <a:t>, PC e Base de dados</a:t>
+            </a:r>
+          </a:p>
+          <a:p>
+            <a:pPr marL="342900" indent="-342900">
+              <a:buFont typeface="Arial" panose="020B0604020202020204" pitchFamily="34" charset="0"/>
+              <a:buChar char="•"/>
+            </a:pPr>
+            <a:endParaRPr lang="pt-PT"/>
+          </a:p>
+        </p:txBody>
+      </p:sp>
+    </p:spTree>
+    <p:extLst>
+      <p:ext uri="{BB962C8B-B14F-4D97-AF65-F5344CB8AC3E}">
+        <p14:creationId xmlns:p14="http://schemas.microsoft.com/office/powerpoint/2010/main" val="2007657158"/>
+      </p:ext>
+    </p:extLst>
+  </p:cSld>
+  <p:clrMapOvr>
+    <a:masterClrMapping/>
+  </p:clrMapOvr>
+</p:sld>
+</file>
+
+<file path=ppt/slides/slide7.xml><?xml version="1.0" encoding="utf-8"?>
 <p:sld xmlns:a="http://schemas.openxmlformats.org/drawingml/2006/main" xmlns:r="http://schemas.openxmlformats.org/officeDocument/2006/relationships" xmlns:p="http://schemas.openxmlformats.org/presentationml/2006/main">
   <p:cSld>
     <p:bg>
@@ -17104,8 +20029,8 @@
         </p:nvSpPr>
         <p:spPr>
           <a:xfrm>
-            <a:off x="521208" y="978408"/>
-            <a:ext cx="5019419" cy="2591969"/>
+            <a:off x="521208" y="978409"/>
+            <a:ext cx="5019419" cy="962572"/>
           </a:xfrm>
         </p:spPr>
         <p:txBody>
@@ -17536,14 +20461,7 @@
             </a:r>
           </a:p>
           <a:p>
-            <a:pPr marL="285750" indent="-285750">
-              <a:buFont typeface="Arial" panose="020B0604020202020204" pitchFamily="34" charset="0"/>
-              <a:buChar char="•"/>
-            </a:pPr>
-            <a:r>
-              <a:rPr lang="pt-PT"/>
-              <a:t>Iolov5</a:t>
-            </a:r>
+            <a:endParaRPr lang="pt-PT"/>
           </a:p>
         </p:txBody>
       </p:sp>
@@ -17560,7 +20478,7 @@
 </p:sld>
 </file>
 
-<file path=ppt/slides/slide7.xml><?xml version="1.0" encoding="utf-8"?>
+<file path=ppt/slides/slide8.xml><?xml version="1.0" encoding="utf-8"?>
 <p:sld xmlns:a="http://schemas.openxmlformats.org/drawingml/2006/main" xmlns:r="http://schemas.openxmlformats.org/officeDocument/2006/relationships" xmlns:p="http://schemas.openxmlformats.org/presentationml/2006/main">
   <p:cSld>
     <p:bg>
@@ -18301,7 +21219,7 @@
         <p:spPr>
           <a:xfrm>
             <a:off x="3401080" y="3694208"/>
-            <a:ext cx="2515340" cy="1754326"/>
+            <a:ext cx="2515340" cy="1477328"/>
           </a:xfrm>
           <a:prstGeom prst="rect">
             <a:avLst/>
@@ -18309,7 +21227,7 @@
           <a:noFill/>
         </p:spPr>
         <p:txBody>
-          <a:bodyPr wrap="square" rtlCol="0">
+          <a:bodyPr wrap="square" lIns="91440" tIns="45720" rIns="91440" bIns="45720" rtlCol="0" anchor="t">
             <a:spAutoFit/>
           </a:bodyPr>
           <a:lstStyle/>
@@ -18347,7 +21265,7 @@
             </a:pPr>
             <a:r>
               <a:rPr lang="pt-PT"/>
-              <a:t>Inteligência artificial (yolov5)</a:t>
+              <a:t>Inteligência artificial</a:t>
             </a:r>
           </a:p>
         </p:txBody>
@@ -18404,7 +21322,7 @@
 </p:sld>
 </file>
 
-<file path=ppt/slides/slide8.xml><?xml version="1.0" encoding="utf-8"?>
+<file path=ppt/slides/slide9.xml><?xml version="1.0" encoding="utf-8"?>
 <p:sld xmlns:a="http://schemas.openxmlformats.org/drawingml/2006/main" xmlns:r="http://schemas.openxmlformats.org/officeDocument/2006/relationships" xmlns:p="http://schemas.openxmlformats.org/presentationml/2006/main">
   <p:cSld>
     <p:bg>
@@ -18624,11 +21542,11 @@
               <a:buFont typeface="Arial" panose="020B0604020202020204" pitchFamily="34" charset="0"/>
             </a:pPr>
             <a:r>
-              <a:rPr lang="en-US" sz="2000" dirty="0" err="1"/>
+              <a:rPr lang="en-US" sz="2000" err="1"/>
               <a:t>Sensores</a:t>
             </a:r>
             <a:r>
-              <a:rPr lang="en-US" sz="2000" dirty="0"/>
+              <a:rPr lang="en-US" sz="2000"/>
               <a:t> </a:t>
             </a:r>
           </a:p>
@@ -18642,7 +21560,7 @@
               </a:spcAft>
               <a:buFont typeface="Arial" panose="020B0604020202020204" pitchFamily="34" charset="0"/>
             </a:pPr>
-            <a:endParaRPr lang="en-US" sz="2000" dirty="0"/>
+            <a:endParaRPr lang="en-US" sz="2000"/>
           </a:p>
           <a:p>
             <a:pPr marL="285750" indent="-285750" defTabSz="914400">
@@ -18656,18 +21574,18 @@
               <a:buChar char="•"/>
             </a:pPr>
             <a:r>
-              <a:rPr lang="en-US" sz="2000" dirty="0" err="1"/>
+              <a:rPr lang="en-US" sz="2000" err="1"/>
               <a:t>Pressão</a:t>
             </a:r>
             <a:r>
-              <a:rPr lang="en-US" sz="2000" dirty="0"/>
+              <a:rPr lang="en-US" sz="2000"/>
               <a:t> (Bar) - </a:t>
             </a:r>
             <a:r>
-              <a:rPr lang="en-US" sz="2000" dirty="0" err="1"/>
+              <a:rPr lang="en-US" sz="2000" err="1"/>
               <a:t>wifi</a:t>
             </a:r>
-            <a:endParaRPr lang="en-US" sz="2000" dirty="0"/>
+            <a:endParaRPr lang="en-US" sz="2000"/>
           </a:p>
           <a:p>
             <a:pPr marL="285750" indent="-285750" defTabSz="914400">
@@ -18681,19 +21599,19 @@
               <a:buChar char="•"/>
             </a:pPr>
             <a:r>
-              <a:rPr lang="en-US" sz="2000" dirty="0" err="1"/>
+              <a:rPr lang="en-US" sz="2000" err="1"/>
               <a:t>Temperatura</a:t>
             </a:r>
             <a:r>
-              <a:rPr lang="en-US" sz="2000" dirty="0"/>
+              <a:rPr lang="en-US" sz="2000"/>
               <a:t> (ºC) - </a:t>
             </a:r>
             <a:r>
-              <a:rPr lang="en-US" sz="2000" dirty="0" err="1"/>
+              <a:rPr lang="en-US" sz="2000" err="1"/>
               <a:t>cabo</a:t>
             </a:r>
             <a:r>
-              <a:rPr lang="en-US" sz="2000" dirty="0"/>
+              <a:rPr lang="en-US" sz="2000"/>
               <a:t> </a:t>
             </a:r>
           </a:p>
@@ -18709,18 +21627,18 @@
               <a:buChar char="•"/>
             </a:pPr>
             <a:r>
-              <a:rPr lang="en-US" sz="2000" dirty="0" err="1"/>
+              <a:rPr lang="en-US" sz="2000" err="1"/>
               <a:t>Vibração</a:t>
             </a:r>
             <a:r>
-              <a:rPr lang="en-US" sz="2000" dirty="0"/>
+              <a:rPr lang="en-US" sz="2000"/>
               <a:t>  - </a:t>
             </a:r>
             <a:r>
-              <a:rPr lang="en-US" sz="2000" dirty="0" err="1"/>
+              <a:rPr lang="en-US" sz="2000" err="1"/>
               <a:t>wifi</a:t>
             </a:r>
-            <a:endParaRPr lang="en-US" sz="2000" dirty="0"/>
+            <a:endParaRPr lang="en-US" sz="2000"/>
           </a:p>
           <a:p>
             <a:pPr marL="285750" indent="-285750" defTabSz="914400">
@@ -18734,14 +21652,14 @@
               <a:buChar char="•"/>
             </a:pPr>
             <a:r>
-              <a:rPr lang="en-US" sz="2000" dirty="0"/>
+              <a:rPr lang="en-US" sz="2000"/>
               <a:t>Caudal (m^3/s) - </a:t>
             </a:r>
             <a:r>
-              <a:rPr lang="en-US" sz="2000" dirty="0" err="1"/>
+              <a:rPr lang="en-US" sz="2000" err="1"/>
               <a:t>wifi</a:t>
             </a:r>
-            <a:endParaRPr lang="en-US" sz="2000" dirty="0"/>
+            <a:endParaRPr lang="en-US" sz="2000"/>
           </a:p>
           <a:p>
             <a:pPr marL="285750" indent="-285750" defTabSz="914400">
@@ -18755,18 +21673,18 @@
               <a:buChar char="•"/>
             </a:pPr>
             <a:r>
-              <a:rPr lang="en-US" sz="2000" dirty="0" err="1"/>
+              <a:rPr lang="en-US" sz="2000" err="1"/>
               <a:t>Ruído</a:t>
             </a:r>
             <a:r>
-              <a:rPr lang="en-US" sz="2000" dirty="0"/>
+              <a:rPr lang="en-US" sz="2000"/>
               <a:t> (dB) - </a:t>
             </a:r>
             <a:r>
-              <a:rPr lang="en-US" sz="2000" dirty="0" err="1"/>
+              <a:rPr lang="en-US" sz="2000" err="1"/>
               <a:t>cabo</a:t>
             </a:r>
-            <a:endParaRPr lang="en-US" sz="2000" dirty="0"/>
+            <a:endParaRPr lang="en-US" sz="2000"/>
           </a:p>
           <a:p>
             <a:pPr defTabSz="914400">
@@ -18778,7 +21696,7 @@
               </a:spcAft>
               <a:buFont typeface="Arial" panose="020B0604020202020204" pitchFamily="34" charset="0"/>
             </a:pPr>
-            <a:endParaRPr lang="en-US" sz="2000" dirty="0"/>
+            <a:endParaRPr lang="en-US" sz="2000"/>
           </a:p>
         </p:txBody>
       </p:sp>
@@ -18920,193 +21838,6 @@
     <p:extLst>
       <p:ext uri="{BB962C8B-B14F-4D97-AF65-F5344CB8AC3E}">
         <p14:creationId xmlns:p14="http://schemas.microsoft.com/office/powerpoint/2010/main" val="3156753380"/>
-      </p:ext>
-    </p:extLst>
-  </p:cSld>
-  <p:clrMapOvr>
-    <a:masterClrMapping/>
-  </p:clrMapOvr>
-</p:sld>
-</file>
-
-<file path=ppt/slides/slide9.xml><?xml version="1.0" encoding="utf-8"?>
-<p:sld xmlns:a="http://schemas.openxmlformats.org/drawingml/2006/main" xmlns:r="http://schemas.openxmlformats.org/officeDocument/2006/relationships" xmlns:p="http://schemas.openxmlformats.org/presentationml/2006/main">
-  <p:cSld>
-    <p:spTree>
-      <p:nvGrpSpPr>
-        <p:cNvPr id="1" name=""/>
-        <p:cNvGrpSpPr/>
-        <p:nvPr/>
-      </p:nvGrpSpPr>
-      <p:grpSpPr>
-        <a:xfrm>
-          <a:off x="0" y="0"/>
-          <a:ext cx="0" cy="0"/>
-          <a:chOff x="0" y="0"/>
-          <a:chExt cx="0" cy="0"/>
-        </a:xfrm>
-      </p:grpSpPr>
-      <p:sp>
-        <p:nvSpPr>
-          <p:cNvPr id="2" name="Título 1">
-            <a:extLst>
-              <a:ext uri="{FF2B5EF4-FFF2-40B4-BE49-F238E27FC236}">
-                <a16:creationId xmlns:a16="http://schemas.microsoft.com/office/drawing/2014/main" id="{CD3E51CE-5D64-534B-AB90-4DA09B38367C}"/>
-              </a:ext>
-            </a:extLst>
-          </p:cNvPr>
-          <p:cNvSpPr>
-            <a:spLocks noGrp="1"/>
-          </p:cNvSpPr>
-          <p:nvPr>
-            <p:ph type="title"/>
-          </p:nvPr>
-        </p:nvSpPr>
-        <p:spPr>
-          <a:xfrm>
-            <a:off x="517870" y="978408"/>
-            <a:ext cx="6144298" cy="4870457"/>
-          </a:xfrm>
-        </p:spPr>
-        <p:txBody>
-          <a:bodyPr/>
-          <a:lstStyle/>
-          <a:p>
-            <a:r>
-              <a:rPr lang="pt-PT"/>
-              <a:t>Projeto mecânico</a:t>
-            </a:r>
-          </a:p>
-        </p:txBody>
-      </p:sp>
-      <p:sp>
-        <p:nvSpPr>
-          <p:cNvPr id="3" name="Marcador de Posição de Conteúdo 2">
-            <a:extLst>
-              <a:ext uri="{FF2B5EF4-FFF2-40B4-BE49-F238E27FC236}">
-                <a16:creationId xmlns:a16="http://schemas.microsoft.com/office/drawing/2014/main" id="{FD6BE605-0C16-284F-95FC-228687F3B3A3}"/>
-              </a:ext>
-            </a:extLst>
-          </p:cNvPr>
-          <p:cNvSpPr>
-            <a:spLocks noGrp="1"/>
-          </p:cNvSpPr>
-          <p:nvPr>
-            <p:ph idx="1"/>
-          </p:nvPr>
-        </p:nvSpPr>
-        <p:spPr>
-          <a:xfrm>
-            <a:off x="1549400" y="2298700"/>
-            <a:ext cx="4546600" cy="3947421"/>
-          </a:xfrm>
-        </p:spPr>
-        <p:txBody>
-          <a:bodyPr>
-            <a:normAutofit/>
-          </a:bodyPr>
-          <a:lstStyle/>
-          <a:p>
-            <a:r>
-              <a:rPr lang="pt-PT" sz="1800"/>
-              <a:t>Sistema de alimentação</a:t>
-            </a:r>
-          </a:p>
-          <a:p>
-            <a:pPr marL="342900" indent="-342900">
-              <a:buFont typeface="Arial" panose="020B0604020202020204" pitchFamily="34" charset="0"/>
-              <a:buChar char="•"/>
-            </a:pPr>
-            <a:r>
-              <a:rPr lang="pt-PT" sz="1800"/>
-              <a:t>Conjunto de baterias</a:t>
-            </a:r>
-          </a:p>
-          <a:p>
-            <a:pPr marL="342900" indent="-342900">
-              <a:buFont typeface="Arial" panose="020B0604020202020204" pitchFamily="34" charset="0"/>
-              <a:buChar char="•"/>
-            </a:pPr>
-            <a:endParaRPr lang="pt-PT" sz="1800"/>
-          </a:p>
-          <a:p>
-            <a:r>
-              <a:rPr lang="pt-PT" sz="1800"/>
-              <a:t>Interface</a:t>
-            </a:r>
-          </a:p>
-          <a:p>
-            <a:pPr marL="342900" indent="-342900">
-              <a:buFont typeface="Arial" panose="020B0604020202020204" pitchFamily="34" charset="0"/>
-              <a:buChar char="•"/>
-            </a:pPr>
-            <a:r>
-              <a:rPr lang="pt-PT" sz="1800"/>
-              <a:t>Tablet</a:t>
-            </a:r>
-          </a:p>
-          <a:p>
-            <a:endParaRPr lang="pt-PT" sz="1800"/>
-          </a:p>
-          <a:p>
-            <a:r>
-              <a:rPr lang="pt-PT" sz="1800"/>
-              <a:t>Sensores</a:t>
-            </a:r>
-          </a:p>
-          <a:p>
-            <a:r>
-              <a:rPr lang="pt-PT" sz="1800"/>
-              <a:t>Esp32</a:t>
-            </a:r>
-          </a:p>
-          <a:p>
-            <a:r>
-              <a:rPr lang="pt-PT" sz="1800"/>
-              <a:t>Amplificadores</a:t>
-            </a:r>
-          </a:p>
-        </p:txBody>
-      </p:sp>
-      <p:pic>
-        <p:nvPicPr>
-          <p:cNvPr id="5" name="Imagem 4">
-            <a:extLst>
-              <a:ext uri="{FF2B5EF4-FFF2-40B4-BE49-F238E27FC236}">
-                <a16:creationId xmlns:a16="http://schemas.microsoft.com/office/drawing/2014/main" id="{D9CA07A8-5E49-1A4E-969B-8914C36259B2}"/>
-              </a:ext>
-            </a:extLst>
-          </p:cNvPr>
-          <p:cNvPicPr>
-            <a:picLocks noChangeAspect="1"/>
-          </p:cNvPicPr>
-          <p:nvPr/>
-        </p:nvPicPr>
-        <p:blipFill rotWithShape="1">
-          <a:blip r:embed="rId2" cstate="print">
-            <a:extLst>
-              <a:ext uri="{28A0092B-C50C-407E-A947-70E740481C1C}">
-                <a14:useLocalDpi xmlns:a14="http://schemas.microsoft.com/office/drawing/2010/main" val="0"/>
-              </a:ext>
-            </a:extLst>
-          </a:blip>
-          <a:srcRect l="21925" r="25500"/>
-          <a:stretch/>
-        </p:blipFill>
-        <p:spPr>
-          <a:xfrm rot="5400000">
-            <a:off x="6369198" y="1456832"/>
-            <a:ext cx="3947420" cy="5631156"/>
-          </a:xfrm>
-          <a:prstGeom prst="rect">
-            <a:avLst/>
-          </a:prstGeom>
-        </p:spPr>
-      </p:pic>
-    </p:spTree>
-    <p:extLst>
-      <p:ext uri="{BB962C8B-B14F-4D97-AF65-F5344CB8AC3E}">
-        <p14:creationId xmlns:p14="http://schemas.microsoft.com/office/powerpoint/2010/main" val="1094402479"/>
       </p:ext>
     </p:extLst>
   </p:cSld>
@@ -19318,21 +22049,12 @@
 </file>
 
 <file path=customXml/item1.xml><?xml version="1.0" encoding="utf-8"?>
-<?mso-contentType ?>
-<FormTemplates xmlns="http://schemas.microsoft.com/sharepoint/v3/contenttype/forms">
-  <Display>DocumentLibraryForm</Display>
-  <Edit>DocumentLibraryForm</Edit>
-  <New>DocumentLibraryForm</New>
-</FormTemplates>
-</file>
-
-<file path=customXml/item2.xml><?xml version="1.0" encoding="utf-8"?>
 <p:properties xmlns:p="http://schemas.microsoft.com/office/2006/metadata/properties" xmlns:xsi="http://www.w3.org/2001/XMLSchema-instance" xmlns:pc="http://schemas.microsoft.com/office/infopath/2007/PartnerControls">
   <documentManagement/>
 </p:properties>
 </file>
 
-<file path=customXml/item3.xml><?xml version="1.0" encoding="utf-8"?>
+<file path=customXml/item2.xml><?xml version="1.0" encoding="utf-8"?>
 <ct:contentTypeSchema xmlns:ct="http://schemas.microsoft.com/office/2006/metadata/contentType" xmlns:ma="http://schemas.microsoft.com/office/2006/metadata/properties/metaAttributes" ct:_="" ma:_="" ma:contentTypeName="Documento" ma:contentTypeID="0x0101008CD4EB3305BD97478A7D7ACB72C22082" ma:contentTypeVersion="6" ma:contentTypeDescription="Criar um novo documento." ma:contentTypeScope="" ma:versionID="5f9364cbefffb9add83771f901153902">
   <xsd:schema xmlns:xsd="http://www.w3.org/2001/XMLSchema" xmlns:xs="http://www.w3.org/2001/XMLSchema" xmlns:p="http://schemas.microsoft.com/office/2006/metadata/properties" xmlns:ns2="c2f35ef1-127b-4a4d-9292-cb259bf7608c" targetNamespace="http://schemas.microsoft.com/office/2006/metadata/properties" ma:root="true" ma:fieldsID="f8456aa822725173a8ab483037d5b0a1" ns2:_="">
     <xsd:import namespace="c2f35ef1-127b-4a4d-9292-cb259bf7608c"/>
@@ -19490,44 +22212,53 @@
 </ct:contentTypeSchema>
 </file>
 
+<file path=customXml/item3.xml><?xml version="1.0" encoding="utf-8"?>
+<?mso-contentType ?>
+<FormTemplates xmlns="http://schemas.microsoft.com/sharepoint/v3/contenttype/forms">
+  <Display>DocumentLibraryForm</Display>
+  <Edit>DocumentLibraryForm</Edit>
+  <New>DocumentLibraryForm</New>
+</FormTemplates>
+</file>
+
 <file path=customXml/itemProps1.xml><?xml version="1.0" encoding="utf-8"?>
+<ds:datastoreItem xmlns:ds="http://schemas.openxmlformats.org/officeDocument/2006/customXml" ds:itemID="{94966590-C992-402D-AC68-262E35F813B0}">
+  <ds:schemaRefs>
+    <ds:schemaRef ds:uri="c2f35ef1-127b-4a4d-9292-cb259bf7608c"/>
+    <ds:schemaRef ds:uri="http://purl.org/dc/dcmitype/"/>
+    <ds:schemaRef ds:uri="http://purl.org/dc/elements/1.1/"/>
+    <ds:schemaRef ds:uri="http://purl.org/dc/terms/"/>
+    <ds:schemaRef ds:uri="http://schemas.microsoft.com/office/2006/documentManagement/types"/>
+    <ds:schemaRef ds:uri="http://schemas.microsoft.com/office/2006/metadata/properties"/>
+    <ds:schemaRef ds:uri="http://schemas.microsoft.com/office/infopath/2007/PartnerControls"/>
+    <ds:schemaRef ds:uri="http://schemas.openxmlformats.org/package/2006/metadata/core-properties"/>
+    <ds:schemaRef ds:uri="http://www.w3.org/XML/1998/namespace"/>
+  </ds:schemaRefs>
+</ds:datastoreItem>
+</file>
+
+<file path=customXml/itemProps2.xml><?xml version="1.0" encoding="utf-8"?>
+<ds:datastoreItem xmlns:ds="http://schemas.openxmlformats.org/officeDocument/2006/customXml" ds:itemID="{4D225A69-1D3D-40F8-9647-E0D24E3C3DDD}">
+  <ds:schemaRefs>
+    <ds:schemaRef ds:uri="c2f35ef1-127b-4a4d-9292-cb259bf7608c"/>
+    <ds:schemaRef ds:uri="http://purl.org/dc/elements/1.1/"/>
+    <ds:schemaRef ds:uri="http://purl.org/dc/terms/"/>
+    <ds:schemaRef ds:uri="http://schemas.microsoft.com/internal/obd"/>
+    <ds:schemaRef ds:uri="http://schemas.microsoft.com/office/2006/documentManagement/types"/>
+    <ds:schemaRef ds:uri="http://schemas.microsoft.com/office/2006/metadata/contentType"/>
+    <ds:schemaRef ds:uri="http://schemas.microsoft.com/office/2006/metadata/properties"/>
+    <ds:schemaRef ds:uri="http://schemas.microsoft.com/office/2006/metadata/properties/metaAttributes"/>
+    <ds:schemaRef ds:uri="http://schemas.microsoft.com/office/infopath/2007/PartnerControls"/>
+    <ds:schemaRef ds:uri="http://schemas.openxmlformats.org/package/2006/metadata/core-properties"/>
+    <ds:schemaRef ds:uri="http://www.w3.org/2001/XMLSchema"/>
+  </ds:schemaRefs>
+</ds:datastoreItem>
+</file>
+
+<file path=customXml/itemProps3.xml><?xml version="1.0" encoding="utf-8"?>
 <ds:datastoreItem xmlns:ds="http://schemas.openxmlformats.org/officeDocument/2006/customXml" ds:itemID="{21AE0895-5869-41D1-941C-8F6A33E437B6}">
   <ds:schemaRefs>
     <ds:schemaRef ds:uri="http://schemas.microsoft.com/sharepoint/v3/contenttype/forms"/>
   </ds:schemaRefs>
 </ds:datastoreItem>
-</file>
-
-<file path=customXml/itemProps2.xml><?xml version="1.0" encoding="utf-8"?>
-<ds:datastoreItem xmlns:ds="http://schemas.openxmlformats.org/officeDocument/2006/customXml" ds:itemID="{94966590-C992-402D-AC68-262E35F813B0}">
-  <ds:schemaRefs>
-    <ds:schemaRef ds:uri="http://schemas.microsoft.com/office/2006/documentManagement/types"/>
-    <ds:schemaRef ds:uri="http://purl.org/dc/dcmitype/"/>
-    <ds:schemaRef ds:uri="http://purl.org/dc/elements/1.1/"/>
-    <ds:schemaRef ds:uri="http://www.w3.org/XML/1998/namespace"/>
-    <ds:schemaRef ds:uri="http://schemas.microsoft.com/office/2006/metadata/properties"/>
-    <ds:schemaRef ds:uri="http://purl.org/dc/terms/"/>
-    <ds:schemaRef ds:uri="c2f35ef1-127b-4a4d-9292-cb259bf7608c"/>
-    <ds:schemaRef ds:uri="http://schemas.microsoft.com/office/infopath/2007/PartnerControls"/>
-    <ds:schemaRef ds:uri="http://schemas.openxmlformats.org/package/2006/metadata/core-properties"/>
-  </ds:schemaRefs>
-</ds:datastoreItem>
-</file>
-
-<file path=customXml/itemProps3.xml><?xml version="1.0" encoding="utf-8"?>
-<ds:datastoreItem xmlns:ds="http://schemas.openxmlformats.org/officeDocument/2006/customXml" ds:itemID="{4D225A69-1D3D-40F8-9647-E0D24E3C3DDD}">
-  <ds:schemaRefs>
-    <ds:schemaRef ds:uri="http://schemas.microsoft.com/office/2006/metadata/contentType"/>
-    <ds:schemaRef ds:uri="http://schemas.microsoft.com/office/2006/metadata/properties/metaAttributes"/>
-    <ds:schemaRef ds:uri="http://www.w3.org/2001/XMLSchema"/>
-    <ds:schemaRef ds:uri="http://schemas.microsoft.com/office/2006/metadata/properties"/>
-    <ds:schemaRef ds:uri="c2f35ef1-127b-4a4d-9292-cb259bf7608c"/>
-    <ds:schemaRef ds:uri="http://schemas.microsoft.com/office/2006/documentManagement/types"/>
-    <ds:schemaRef ds:uri="http://schemas.microsoft.com/office/infopath/2007/PartnerControls"/>
-    <ds:schemaRef ds:uri="http://schemas.openxmlformats.org/package/2006/metadata/core-properties"/>
-    <ds:schemaRef ds:uri="http://purl.org/dc/elements/1.1/"/>
-    <ds:schemaRef ds:uri="http://purl.org/dc/terms/"/>
-    <ds:schemaRef ds:uri="http://schemas.microsoft.com/internal/obd"/>
-  </ds:schemaRefs>
-</ds:datastoreItem>
 </file>